--- a/kafka_intro/Exercise_2_presentation_kafka.pptx
+++ b/kafka_intro/Exercise_2_presentation_kafka.pptx
@@ -5,7 +5,7 @@
     <p:sldMasterId id="2147483648" r:id="rId8"/>
   </p:sldMasterIdLst>
   <p:notesMasterIdLst>
-    <p:notesMasterId r:id="rId34"/>
+    <p:notesMasterId r:id="rId36"/>
   </p:notesMasterIdLst>
   <p:sldIdLst>
     <p:sldId id="257" r:id="rId9"/>
@@ -17,22 +17,24 @@
     <p:sldId id="325" r:id="rId15"/>
     <p:sldId id="337" r:id="rId16"/>
     <p:sldId id="326" r:id="rId17"/>
-    <p:sldId id="340" r:id="rId18"/>
-    <p:sldId id="343" r:id="rId19"/>
-    <p:sldId id="345" r:id="rId20"/>
-    <p:sldId id="327" r:id="rId21"/>
-    <p:sldId id="328" r:id="rId22"/>
-    <p:sldId id="329" r:id="rId23"/>
-    <p:sldId id="330" r:id="rId24"/>
-    <p:sldId id="331" r:id="rId25"/>
-    <p:sldId id="332" r:id="rId26"/>
-    <p:sldId id="333" r:id="rId27"/>
-    <p:sldId id="346" r:id="rId28"/>
-    <p:sldId id="347" r:id="rId29"/>
-    <p:sldId id="334" r:id="rId30"/>
-    <p:sldId id="335" r:id="rId31"/>
-    <p:sldId id="336" r:id="rId32"/>
-    <p:sldId id="319" r:id="rId33"/>
+    <p:sldId id="349" r:id="rId18"/>
+    <p:sldId id="340" r:id="rId19"/>
+    <p:sldId id="343" r:id="rId20"/>
+    <p:sldId id="345" r:id="rId21"/>
+    <p:sldId id="348" r:id="rId22"/>
+    <p:sldId id="327" r:id="rId23"/>
+    <p:sldId id="328" r:id="rId24"/>
+    <p:sldId id="329" r:id="rId25"/>
+    <p:sldId id="330" r:id="rId26"/>
+    <p:sldId id="331" r:id="rId27"/>
+    <p:sldId id="332" r:id="rId28"/>
+    <p:sldId id="333" r:id="rId29"/>
+    <p:sldId id="346" r:id="rId30"/>
+    <p:sldId id="347" r:id="rId31"/>
+    <p:sldId id="334" r:id="rId32"/>
+    <p:sldId id="335" r:id="rId33"/>
+    <p:sldId id="336" r:id="rId34"/>
+    <p:sldId id="319" r:id="rId35"/>
   </p:sldIdLst>
   <p:sldSz cx="12192000" cy="6858000"/>
   <p:notesSz cx="6858000" cy="9144000"/>
@@ -149,9 +151,11 @@
             <p14:sldId id="325"/>
             <p14:sldId id="337"/>
             <p14:sldId id="326"/>
+            <p14:sldId id="349"/>
             <p14:sldId id="340"/>
             <p14:sldId id="343"/>
             <p14:sldId id="345"/>
+            <p14:sldId id="348"/>
           </p14:sldIdLst>
         </p14:section>
         <p14:section name="Docker compose" id="{691E4853-E6BF-9A41-8366-A2A4D6F84034}">
@@ -6923,10 +6927,10 @@
             </a:lnSpc>
           </a:pPr>
           <a:r>
-            <a:rPr lang="en-DK"/>
+            <a:rPr lang="en-DK" dirty="0"/>
             <a:t>What is Kafka?</a:t>
           </a:r>
-          <a:endParaRPr lang="en-US"/>
+          <a:endParaRPr lang="en-US" dirty="0"/>
         </a:p>
       </dgm:t>
     </dgm:pt>
@@ -6952,48 +6956,6 @@
         </a:p>
       </dgm:t>
     </dgm:pt>
-    <dgm:pt modelId="{33256553-6185-4297-B9BB-1DDEAE4D6725}">
-      <dgm:prSet/>
-      <dgm:spPr/>
-      <dgm:t>
-        <a:bodyPr/>
-        <a:lstStyle/>
-        <a:p>
-          <a:pPr>
-            <a:lnSpc>
-              <a:spcPct val="100000"/>
-            </a:lnSpc>
-          </a:pPr>
-          <a:r>
-            <a:rPr lang="en-DK"/>
-            <a:t>Why should you care?</a:t>
-          </a:r>
-          <a:endParaRPr lang="en-US"/>
-        </a:p>
-      </dgm:t>
-    </dgm:pt>
-    <dgm:pt modelId="{7410B106-D059-4C36-A5CA-E140F26B5A41}" type="parTrans" cxnId="{16A2E1A8-5F49-46FA-88A9-DE8878795771}">
-      <dgm:prSet/>
-      <dgm:spPr/>
-      <dgm:t>
-        <a:bodyPr/>
-        <a:lstStyle/>
-        <a:p>
-          <a:endParaRPr lang="en-US"/>
-        </a:p>
-      </dgm:t>
-    </dgm:pt>
-    <dgm:pt modelId="{16FB0ECD-983C-4ECC-B404-AEC4664DD26E}" type="sibTrans" cxnId="{16A2E1A8-5F49-46FA-88A9-DE8878795771}">
-      <dgm:prSet/>
-      <dgm:spPr/>
-      <dgm:t>
-        <a:bodyPr/>
-        <a:lstStyle/>
-        <a:p>
-          <a:endParaRPr lang="en-US"/>
-        </a:p>
-      </dgm:t>
-    </dgm:pt>
     <dgm:pt modelId="{69F637C7-E480-4D0C-A14A-5FD966A223C6}">
       <dgm:prSet/>
       <dgm:spPr/>
@@ -7007,10 +6969,10 @@
             </a:lnSpc>
           </a:pPr>
           <a:r>
-            <a:rPr lang="en-DK"/>
+            <a:rPr lang="en-DK" dirty="0"/>
             <a:t>How is this related to this Course?</a:t>
           </a:r>
-          <a:endParaRPr lang="en-US"/>
+          <a:endParaRPr lang="en-US" dirty="0"/>
         </a:p>
       </dgm:t>
     </dgm:pt>
@@ -7197,20 +7159,18 @@
     </dgm:pt>
   </dgm:ptLst>
   <dgm:cxnLst>
-    <dgm:cxn modelId="{1322CB10-9C00-9D49-9482-D9B3894CBF86}" type="presOf" srcId="{33256553-6185-4297-B9BB-1DDEAE4D6725}" destId="{D6272175-F293-45B9-93AE-1F79D876BA68}" srcOrd="0" destOrd="2" presId="urn:microsoft.com/office/officeart/2018/2/layout/IconVerticalSolidList"/>
     <dgm:cxn modelId="{67AD3012-D814-43D8-9868-406DEBFBB845}" srcId="{9F584DEE-E7A0-4F64-8AB6-DF96BC929681}" destId="{108EA93C-26B4-4146-83CA-06D98C9BA0FA}" srcOrd="0" destOrd="0" parTransId="{6D2759D9-3618-4A91-961F-EA8102ACE4D4}" sibTransId="{E4F44183-3C59-492D-B9EF-12CDA0717710}"/>
     <dgm:cxn modelId="{F3AB0E15-DE18-E84F-AB83-7825645F0346}" type="presOf" srcId="{108EA93C-26B4-4146-83CA-06D98C9BA0FA}" destId="{D6272175-F293-45B9-93AE-1F79D876BA68}" srcOrd="0" destOrd="0" presId="urn:microsoft.com/office/officeart/2018/2/layout/IconVerticalSolidList"/>
     <dgm:cxn modelId="{17F6D819-5A81-AC44-8D75-139F8371AFF7}" type="presOf" srcId="{ADFD5D9D-4AAE-4098-B093-C806B1AD9404}" destId="{D6272175-F293-45B9-93AE-1F79D876BA68}" srcOrd="0" destOrd="1" presId="urn:microsoft.com/office/officeart/2018/2/layout/IconVerticalSolidList"/>
     <dgm:cxn modelId="{32F4683A-5598-7B47-AB20-3D513688663C}" type="presOf" srcId="{9254D51F-1F46-48AF-9202-375FE41CCDA5}" destId="{DDDC4DC3-AEE7-44A4-BB3C-56255DB816B9}" srcOrd="0" destOrd="0" presId="urn:microsoft.com/office/officeart/2018/2/layout/IconVerticalSolidList"/>
     <dgm:cxn modelId="{80F6D257-3038-4E07-A683-86BC17C9CAAB}" srcId="{9254D51F-1F46-48AF-9202-375FE41CCDA5}" destId="{9F584DEE-E7A0-4F64-8AB6-DF96BC929681}" srcOrd="1" destOrd="0" parTransId="{F50CBBED-6C94-4254-8C9F-F3BD66F39AFE}" sibTransId="{57585E56-150F-49C8-BFE7-44DCC201016A}"/>
-    <dgm:cxn modelId="{E179A382-A52B-AF4B-A885-18D858C03949}" type="presOf" srcId="{A053EFC9-1F96-41A4-B951-FB695249BF72}" destId="{D6272175-F293-45B9-93AE-1F79D876BA68}" srcOrd="0" destOrd="4" presId="urn:microsoft.com/office/officeart/2018/2/layout/IconVerticalSolidList"/>
-    <dgm:cxn modelId="{08231986-338A-46F5-84CD-B1A7F94BC835}" srcId="{9F584DEE-E7A0-4F64-8AB6-DF96BC929681}" destId="{69F637C7-E480-4D0C-A14A-5FD966A223C6}" srcOrd="3" destOrd="0" parTransId="{7837DE3A-3C93-40A4-8BC8-95491E38C186}" sibTransId="{BA9FA9B4-A1A9-4158-9AE0-B866A5E3C96F}"/>
-    <dgm:cxn modelId="{D7C15D8F-1D32-4DF0-8F60-8BD174DB19FE}" srcId="{9F584DEE-E7A0-4F64-8AB6-DF96BC929681}" destId="{A053EFC9-1F96-41A4-B951-FB695249BF72}" srcOrd="4" destOrd="0" parTransId="{94D66ADC-BAFF-422A-A345-A9B3C9DADE6D}" sibTransId="{F2472FB9-6775-4F7D-AA6B-D687D1BC26B6}"/>
-    <dgm:cxn modelId="{16A2E1A8-5F49-46FA-88A9-DE8878795771}" srcId="{9F584DEE-E7A0-4F64-8AB6-DF96BC929681}" destId="{33256553-6185-4297-B9BB-1DDEAE4D6725}" srcOrd="2" destOrd="0" parTransId="{7410B106-D059-4C36-A5CA-E140F26B5A41}" sibTransId="{16FB0ECD-983C-4ECC-B404-AEC4664DD26E}"/>
+    <dgm:cxn modelId="{E179A382-A52B-AF4B-A885-18D858C03949}" type="presOf" srcId="{A053EFC9-1F96-41A4-B951-FB695249BF72}" destId="{D6272175-F293-45B9-93AE-1F79D876BA68}" srcOrd="0" destOrd="3" presId="urn:microsoft.com/office/officeart/2018/2/layout/IconVerticalSolidList"/>
+    <dgm:cxn modelId="{08231986-338A-46F5-84CD-B1A7F94BC835}" srcId="{9F584DEE-E7A0-4F64-8AB6-DF96BC929681}" destId="{69F637C7-E480-4D0C-A14A-5FD966A223C6}" srcOrd="2" destOrd="0" parTransId="{7837DE3A-3C93-40A4-8BC8-95491E38C186}" sibTransId="{BA9FA9B4-A1A9-4158-9AE0-B866A5E3C96F}"/>
+    <dgm:cxn modelId="{D7C15D8F-1D32-4DF0-8F60-8BD174DB19FE}" srcId="{9F584DEE-E7A0-4F64-8AB6-DF96BC929681}" destId="{A053EFC9-1F96-41A4-B951-FB695249BF72}" srcOrd="3" destOrd="0" parTransId="{94D66ADC-BAFF-422A-A345-A9B3C9DADE6D}" sibTransId="{F2472FB9-6775-4F7D-AA6B-D687D1BC26B6}"/>
     <dgm:cxn modelId="{5FCEF1AA-8A43-0540-8FF7-F90E8464ECDC}" type="presOf" srcId="{9F584DEE-E7A0-4F64-8AB6-DF96BC929681}" destId="{F5FC9FA6-D417-44D1-8B39-EDB828F3998B}" srcOrd="0" destOrd="0" presId="urn:microsoft.com/office/officeart/2018/2/layout/IconVerticalSolidList"/>
     <dgm:cxn modelId="{5F52EBAC-CCD8-4D72-B108-6B1C238FC57C}" srcId="{9F584DEE-E7A0-4F64-8AB6-DF96BC929681}" destId="{ADFD5D9D-4AAE-4098-B093-C806B1AD9404}" srcOrd="1" destOrd="0" parTransId="{CA9D3AA0-1A3E-450C-BE79-F0C177DF8812}" sibTransId="{693449C2-6450-4075-8E68-1C019FE34E1C}"/>
     <dgm:cxn modelId="{6428D7B0-DEA6-4AD7-A2C6-F138C7DC6C81}" srcId="{9254D51F-1F46-48AF-9202-375FE41CCDA5}" destId="{A84163AA-E07E-4167-AB03-314EBE90803D}" srcOrd="0" destOrd="0" parTransId="{E7E2173A-5015-4215-A79B-A099E9F0B476}" sibTransId="{FFB7D6AF-E0E3-4D11-AD2C-61EF2EF5D0A2}"/>
-    <dgm:cxn modelId="{B01E59B8-A63A-CC4C-987F-A7CE9AC57FB9}" type="presOf" srcId="{69F637C7-E480-4D0C-A14A-5FD966A223C6}" destId="{D6272175-F293-45B9-93AE-1F79D876BA68}" srcOrd="0" destOrd="3" presId="urn:microsoft.com/office/officeart/2018/2/layout/IconVerticalSolidList"/>
+    <dgm:cxn modelId="{B01E59B8-A63A-CC4C-987F-A7CE9AC57FB9}" type="presOf" srcId="{69F637C7-E480-4D0C-A14A-5FD966A223C6}" destId="{D6272175-F293-45B9-93AE-1F79D876BA68}" srcOrd="0" destOrd="2" presId="urn:microsoft.com/office/officeart/2018/2/layout/IconVerticalSolidList"/>
     <dgm:cxn modelId="{D16D48FE-EB9A-D54B-9C87-324AC532B36B}" type="presOf" srcId="{A84163AA-E07E-4167-AB03-314EBE90803D}" destId="{4C5E20FD-6B43-4D2C-95C3-9A871A70DA5B}" srcOrd="0" destOrd="0" presId="urn:microsoft.com/office/officeart/2018/2/layout/IconVerticalSolidList"/>
     <dgm:cxn modelId="{C0CE3B93-B789-1747-A4A5-69E3CB9BCFDD}" type="presParOf" srcId="{DDDC4DC3-AEE7-44A4-BB3C-56255DB816B9}" destId="{8A6AC90C-06E5-4FC1-9BCA-90252529250E}" srcOrd="0" destOrd="0" presId="urn:microsoft.com/office/officeart/2018/2/layout/IconVerticalSolidList"/>
     <dgm:cxn modelId="{7366FA23-D99E-9946-BA5F-48C9661C69CB}" type="presParOf" srcId="{8A6AC90C-06E5-4FC1-9BCA-90252529250E}" destId="{2D216082-FFED-4B3A-AD53-76BF64AACE94}" srcOrd="0" destOrd="0" presId="urn:microsoft.com/office/officeart/2018/2/layout/IconVerticalSolidList"/>
@@ -8518,7 +8478,15 @@
           </a:pPr>
           <a:r>
             <a:rPr lang="en-GB" dirty="0"/>
-            <a:t>Example: “An Example”  </a:t>
+            <a:t>Made up example: “</a:t>
+          </a:r>
+          <a:r>
+            <a:rPr lang="en-GB" b="0" i="0" u="none" dirty="0"/>
+            <a:t>Our mission is to revolutionize the way people track satellites. With our software system, anyone with a smartphone can effortlessly point their camera to the sky and receive real-time information about the satellites in their view. We aim to make space exploration accessible and fascinating for all.</a:t>
+          </a:r>
+          <a:r>
+            <a:rPr lang="en-GB" dirty="0"/>
+            <a:t>”  </a:t>
           </a:r>
           <a:endParaRPr lang="en-US" dirty="0"/>
         </a:p>
@@ -9254,8 +9222,14 @@
         <a:lstStyle/>
         <a:p>
           <a:r>
-            <a:rPr lang="en-US"/>
+            <a:rPr lang="en-US" dirty="0"/>
             <a:t>Upload the PowerPoint to ItsLearning</a:t>
+          </a:r>
+        </a:p>
+        <a:p>
+          <a:r>
+            <a:rPr lang="en-US" dirty="0"/>
+            <a:t>Deadline: Sunday the 12.02.2023 at 23:59</a:t>
           </a:r>
         </a:p>
       </dgm:t>
@@ -9292,6 +9266,9 @@
         <a:bodyPr/>
         <a:lstStyle/>
         <a:p>
+          <a:pPr>
+            <a:buNone/>
+          </a:pPr>
           <a:r>
             <a:rPr lang="en-US"/>
             <a:t>Give feedback to another group using the feedback criteria on ItsLearning. </a:t>
@@ -9332,7 +9309,7 @@
         <a:lstStyle/>
         <a:p>
           <a:r>
-            <a:rPr lang="en-US"/>
+            <a:rPr lang="en-US" dirty="0"/>
             <a:t>(To give feedback, open the PowerPoint of the other group, create a new slide, and insert your feedback)</a:t>
           </a:r>
         </a:p>
@@ -9357,6 +9334,84 @@
         <a:lstStyle/>
         <a:p>
           <a:endParaRPr lang="en-US"/>
+        </a:p>
+      </dgm:t>
+    </dgm:pt>
+    <dgm:pt modelId="{16896AF4-68CF-C448-91EE-DD1D1582E85F}">
+      <dgm:prSet/>
+      <dgm:spPr/>
+      <dgm:t>
+        <a:bodyPr/>
+        <a:lstStyle/>
+        <a:p>
+          <a:pPr>
+            <a:buNone/>
+          </a:pPr>
+          <a:r>
+            <a:rPr lang="en-US" dirty="0"/>
+            <a:t>Deadline: Tuesday the 14.02.2023</a:t>
+          </a:r>
+        </a:p>
+      </dgm:t>
+    </dgm:pt>
+    <dgm:pt modelId="{F6BE8D97-E0FD-7049-858A-2FD9272A6DBF}" type="parTrans" cxnId="{93E12A6C-4156-FB45-A953-86801669CC37}">
+      <dgm:prSet/>
+      <dgm:spPr/>
+      <dgm:t>
+        <a:bodyPr/>
+        <a:lstStyle/>
+        <a:p>
+          <a:endParaRPr lang="en-GB"/>
+        </a:p>
+      </dgm:t>
+    </dgm:pt>
+    <dgm:pt modelId="{81BEDD1A-90BE-F241-BD3F-6DD66863B064}" type="sibTrans" cxnId="{93E12A6C-4156-FB45-A953-86801669CC37}">
+      <dgm:prSet/>
+      <dgm:spPr/>
+      <dgm:t>
+        <a:bodyPr/>
+        <a:lstStyle/>
+        <a:p>
+          <a:endParaRPr lang="en-GB"/>
+        </a:p>
+      </dgm:t>
+    </dgm:pt>
+    <dgm:pt modelId="{4BE44AB8-CD1C-3B4D-AC19-194D54FB9282}">
+      <dgm:prSet/>
+      <dgm:spPr/>
+      <dgm:t>
+        <a:bodyPr/>
+        <a:lstStyle/>
+        <a:p>
+          <a:pPr>
+            <a:buNone/>
+          </a:pPr>
+          <a:r>
+            <a:rPr lang="en-US" dirty="0"/>
+            <a:t>at 12:00</a:t>
+          </a:r>
+        </a:p>
+      </dgm:t>
+    </dgm:pt>
+    <dgm:pt modelId="{80EA8FB5-12B7-C644-9534-833C6D4730C4}" type="parTrans" cxnId="{929D5769-1F8D-9543-9B45-F4D7B41292C7}">
+      <dgm:prSet/>
+      <dgm:spPr/>
+      <dgm:t>
+        <a:bodyPr/>
+        <a:lstStyle/>
+        <a:p>
+          <a:endParaRPr lang="en-GB"/>
+        </a:p>
+      </dgm:t>
+    </dgm:pt>
+    <dgm:pt modelId="{54C6084D-311C-794E-B8ED-161C6B860B22}" type="sibTrans" cxnId="{929D5769-1F8D-9543-9B45-F4D7B41292C7}">
+      <dgm:prSet/>
+      <dgm:spPr/>
+      <dgm:t>
+        <a:bodyPr/>
+        <a:lstStyle/>
+        <a:p>
+          <a:endParaRPr lang="en-GB"/>
         </a:p>
       </dgm:t>
     </dgm:pt>
@@ -9473,8 +9528,11 @@
     <dgm:cxn modelId="{FC795D3D-925C-3648-89F6-104E58383CBF}" type="presOf" srcId="{94CF3D11-ACD8-4E94-B83E-CA062ADE4744}" destId="{331538F3-533B-744E-BBEB-980157D5BE85}" srcOrd="0" destOrd="0" presId="urn:microsoft.com/office/officeart/2016/7/layout/LinearBlockProcessNumbered"/>
     <dgm:cxn modelId="{8DDEDF5C-332F-944F-BD4B-1B500E81369E}" type="presOf" srcId="{7F04176E-64E7-458F-8F86-26D58BE2B02E}" destId="{69D7E8C4-4379-9C42-9340-AC9AC3ECA4D8}" srcOrd="1" destOrd="0" presId="urn:microsoft.com/office/officeart/2016/7/layout/LinearBlockProcessNumbered"/>
     <dgm:cxn modelId="{CF9A5663-7DCF-4E6B-AE37-0E3189818617}" srcId="{B677FC41-1041-4F49-BFE0-7F40FD6FA9A3}" destId="{7F04176E-64E7-458F-8F86-26D58BE2B02E}" srcOrd="0" destOrd="0" parTransId="{D13BE6AD-D2CA-4A1B-8116-03FA2556DAAB}" sibTransId="{BB222C3E-FDDC-41BC-9794-6F0D58E15537}"/>
+    <dgm:cxn modelId="{929D5769-1F8D-9543-9B45-F4D7B41292C7}" srcId="{94CF3D11-ACD8-4E94-B83E-CA062ADE4744}" destId="{4BE44AB8-CD1C-3B4D-AC19-194D54FB9282}" srcOrd="2" destOrd="0" parTransId="{80EA8FB5-12B7-C644-9534-833C6D4730C4}" sibTransId="{54C6084D-311C-794E-B8ED-161C6B860B22}"/>
+    <dgm:cxn modelId="{93E12A6C-4156-FB45-A953-86801669CC37}" srcId="{94CF3D11-ACD8-4E94-B83E-CA062ADE4744}" destId="{16896AF4-68CF-C448-91EE-DD1D1582E85F}" srcOrd="1" destOrd="0" parTransId="{F6BE8D97-E0FD-7049-858A-2FD9272A6DBF}" sibTransId="{81BEDD1A-90BE-F241-BD3F-6DD66863B064}"/>
     <dgm:cxn modelId="{F38B8979-DD1F-494F-BBF3-66EDD3681077}" type="presOf" srcId="{7F04176E-64E7-458F-8F86-26D58BE2B02E}" destId="{206EF247-7A71-BB48-91E5-C5BE1AFAC29D}" srcOrd="0" destOrd="0" presId="urn:microsoft.com/office/officeart/2016/7/layout/LinearBlockProcessNumbered"/>
     <dgm:cxn modelId="{5FDC4583-A445-2A48-8E84-C0B99DA3AC9B}" type="presOf" srcId="{AEC7C611-38F4-4AD7-9E5B-523BE72EE60F}" destId="{52E8D58F-CCEE-0B4E-A7D3-1637C63BB66D}" srcOrd="0" destOrd="0" presId="urn:microsoft.com/office/officeart/2016/7/layout/LinearBlockProcessNumbered"/>
+    <dgm:cxn modelId="{7084408F-E74A-3142-94F9-DB34F1C87569}" type="presOf" srcId="{16896AF4-68CF-C448-91EE-DD1D1582E85F}" destId="{EF5E6647-7BD1-D841-B6D4-C9F8C84E3D4A}" srcOrd="0" destOrd="2" presId="urn:microsoft.com/office/officeart/2016/7/layout/LinearBlockProcessNumbered"/>
     <dgm:cxn modelId="{1BCECD95-B9F0-9548-BF7B-4B4DCA31132F}" type="presOf" srcId="{EA2CEE57-6969-431B-9C5F-045B0C06877E}" destId="{84B3D27C-374F-2A45-8EC7-8F1D0BCAA3C3}" srcOrd="1" destOrd="0" presId="urn:microsoft.com/office/officeart/2016/7/layout/LinearBlockProcessNumbered"/>
     <dgm:cxn modelId="{BB999798-4DFB-3742-88B6-3F745E5961F9}" type="presOf" srcId="{EA2CEE57-6969-431B-9C5F-045B0C06877E}" destId="{5C80A499-E232-104E-8124-DB79A76B8A40}" srcOrd="0" destOrd="0" presId="urn:microsoft.com/office/officeart/2016/7/layout/LinearBlockProcessNumbered"/>
     <dgm:cxn modelId="{47B81C9F-FA00-6B48-92F9-8D991B5FE7FB}" type="presOf" srcId="{94CF3D11-ACD8-4E94-B83E-CA062ADE4744}" destId="{EF5E6647-7BD1-D841-B6D4-C9F8C84E3D4A}" srcOrd="1" destOrd="0" presId="urn:microsoft.com/office/officeart/2016/7/layout/LinearBlockProcessNumbered"/>
@@ -9483,6 +9541,7 @@
     <dgm:cxn modelId="{0C590DB6-4BA7-D047-AB46-7F937E063D68}" type="presOf" srcId="{BB222C3E-FDDC-41BC-9794-6F0D58E15537}" destId="{9704A2B4-F9A7-FC47-88C4-27720B558268}" srcOrd="0" destOrd="0" presId="urn:microsoft.com/office/officeart/2016/7/layout/LinearBlockProcessNumbered"/>
     <dgm:cxn modelId="{65BDA4BC-BACB-4C50-AC9C-34217885A903}" srcId="{94CF3D11-ACD8-4E94-B83E-CA062ADE4744}" destId="{5D5D3B45-5F32-4CCF-B76E-CA3AA063071B}" srcOrd="0" destOrd="0" parTransId="{D213D96F-8128-4958-B038-A6BAA26F1BD2}" sibTransId="{6E3F6BD6-7B55-40A7-A19F-A0884490389A}"/>
     <dgm:cxn modelId="{71C521C9-E49E-48CA-BDD7-8450C94AFF09}" srcId="{B677FC41-1041-4F49-BFE0-7F40FD6FA9A3}" destId="{94CF3D11-ACD8-4E94-B83E-CA062ADE4744}" srcOrd="2" destOrd="0" parTransId="{32A08784-ACA9-4D26-8157-5B5AF6867B09}" sibTransId="{004D3DC8-ED94-4C51-B925-548D434A013D}"/>
+    <dgm:cxn modelId="{56449AFB-6263-0342-8810-8E8525160523}" type="presOf" srcId="{4BE44AB8-CD1C-3B4D-AC19-194D54FB9282}" destId="{EF5E6647-7BD1-D841-B6D4-C9F8C84E3D4A}" srcOrd="0" destOrd="3" presId="urn:microsoft.com/office/officeart/2016/7/layout/LinearBlockProcessNumbered"/>
     <dgm:cxn modelId="{F647277D-873F-7642-872E-FD0954864B31}" type="presParOf" srcId="{F0AF3780-FC4A-D941-8ACA-E7BA0BB12880}" destId="{49063AB8-6753-2943-9118-0AB1A95A435E}" srcOrd="0" destOrd="0" presId="urn:microsoft.com/office/officeart/2016/7/layout/LinearBlockProcessNumbered"/>
     <dgm:cxn modelId="{46CA8632-A940-554A-9DBE-31A5D80B9858}" type="presParOf" srcId="{49063AB8-6753-2943-9118-0AB1A95A435E}" destId="{206EF247-7A71-BB48-91E5-C5BE1AFAC29D}" srcOrd="0" destOrd="0" presId="urn:microsoft.com/office/officeart/2016/7/layout/LinearBlockProcessNumbered"/>
     <dgm:cxn modelId="{5797474C-706D-D043-BA91-3BF3110403D5}" type="presParOf" srcId="{49063AB8-6753-2943-9118-0AB1A95A435E}" destId="{9704A2B4-F9A7-FC47-88C4-27720B558268}" srcOrd="1" destOrd="0" presId="urn:microsoft.com/office/officeart/2016/7/layout/LinearBlockProcessNumbered"/>
@@ -9523,8 +9582,8 @@
       </dsp:nvSpPr>
       <dsp:spPr>
         <a:xfrm>
-          <a:off x="0" y="628628"/>
-          <a:ext cx="10952580" cy="1153602"/>
+          <a:off x="0" y="626090"/>
+          <a:ext cx="10952580" cy="1155858"/>
         </a:xfrm>
         <a:prstGeom prst="roundRect">
           <a:avLst>
@@ -9565,8 +9624,8 @@
       </dsp:nvSpPr>
       <dsp:spPr>
         <a:xfrm>
-          <a:off x="348964" y="888189"/>
-          <a:ext cx="634481" cy="634481"/>
+          <a:off x="349647" y="886158"/>
+          <a:ext cx="635722" cy="635722"/>
         </a:xfrm>
         <a:prstGeom prst="rect">
           <a:avLst/>
@@ -9615,8 +9674,8 @@
       </dsp:nvSpPr>
       <dsp:spPr>
         <a:xfrm>
-          <a:off x="1332410" y="628628"/>
-          <a:ext cx="9618867" cy="1153602"/>
+          <a:off x="1335016" y="626090"/>
+          <a:ext cx="9617563" cy="1155858"/>
         </a:xfrm>
         <a:prstGeom prst="rect">
           <a:avLst/>
@@ -9640,7 +9699,7 @@
         <a:fontRef idx="minor"/>
       </dsp:style>
       <dsp:txBody>
-        <a:bodyPr spcFirstLastPara="0" vert="horz" wrap="square" lIns="122090" tIns="122090" rIns="122090" bIns="122090" numCol="1" spcCol="1270" anchor="ctr" anchorCtr="0">
+        <a:bodyPr spcFirstLastPara="0" vert="horz" wrap="square" lIns="122328" tIns="122328" rIns="122328" bIns="122328" numCol="1" spcCol="1270" anchor="ctr" anchorCtr="0">
           <a:noAutofit/>
         </a:bodyPr>
         <a:lstStyle/>
@@ -9665,8 +9724,8 @@
         </a:p>
       </dsp:txBody>
       <dsp:txXfrm>
-        <a:off x="1332410" y="628628"/>
-        <a:ext cx="9618867" cy="1153602"/>
+        <a:off x="1335016" y="626090"/>
+        <a:ext cx="9617563" cy="1155858"/>
       </dsp:txXfrm>
     </dsp:sp>
     <dsp:sp modelId="{F3CB8E9D-EDDE-4655-B645-A53FA9E3E41A}">
@@ -9676,8 +9735,8 @@
       </dsp:nvSpPr>
       <dsp:spPr>
         <a:xfrm>
-          <a:off x="0" y="2070631"/>
-          <a:ext cx="10952580" cy="1153602"/>
+          <a:off x="0" y="2070913"/>
+          <a:ext cx="10952580" cy="1155858"/>
         </a:xfrm>
         <a:prstGeom prst="roundRect">
           <a:avLst>
@@ -9718,8 +9777,8 @@
       </dsp:nvSpPr>
       <dsp:spPr>
         <a:xfrm>
-          <a:off x="348964" y="2330191"/>
-          <a:ext cx="634481" cy="634481"/>
+          <a:off x="349647" y="2330981"/>
+          <a:ext cx="635722" cy="635722"/>
         </a:xfrm>
         <a:prstGeom prst="rect">
           <a:avLst/>
@@ -9768,8 +9827,8 @@
       </dsp:nvSpPr>
       <dsp:spPr>
         <a:xfrm>
-          <a:off x="1332410" y="2070631"/>
-          <a:ext cx="4928661" cy="1153602"/>
+          <a:off x="1335016" y="2070913"/>
+          <a:ext cx="4928661" cy="1155858"/>
         </a:xfrm>
         <a:prstGeom prst="rect">
           <a:avLst/>
@@ -9793,7 +9852,7 @@
         <a:fontRef idx="minor"/>
       </dsp:style>
       <dsp:txBody>
-        <a:bodyPr spcFirstLastPara="0" vert="horz" wrap="square" lIns="122090" tIns="122090" rIns="122090" bIns="122090" numCol="1" spcCol="1270" anchor="ctr" anchorCtr="0">
+        <a:bodyPr spcFirstLastPara="0" vert="horz" wrap="square" lIns="122328" tIns="122328" rIns="122328" bIns="122328" numCol="1" spcCol="1270" anchor="ctr" anchorCtr="0">
           <a:noAutofit/>
         </a:bodyPr>
         <a:lstStyle/>
@@ -9818,8 +9877,8 @@
         </a:p>
       </dsp:txBody>
       <dsp:txXfrm>
-        <a:off x="1332410" y="2070631"/>
-        <a:ext cx="4928661" cy="1153602"/>
+        <a:off x="1335016" y="2070913"/>
+        <a:ext cx="4928661" cy="1155858"/>
       </dsp:txXfrm>
     </dsp:sp>
     <dsp:sp modelId="{D6272175-F293-45B9-93AE-1F79D876BA68}">
@@ -9829,8 +9888,8 @@
       </dsp:nvSpPr>
       <dsp:spPr>
         <a:xfrm>
-          <a:off x="6261071" y="2070631"/>
-          <a:ext cx="4690206" cy="1153602"/>
+          <a:off x="6263677" y="2070913"/>
+          <a:ext cx="4688902" cy="1155858"/>
         </a:xfrm>
         <a:prstGeom prst="rect">
           <a:avLst/>
@@ -9854,12 +9913,12 @@
         <a:fontRef idx="minor"/>
       </dsp:style>
       <dsp:txBody>
-        <a:bodyPr spcFirstLastPara="0" vert="horz" wrap="square" lIns="122090" tIns="122090" rIns="122090" bIns="122090" numCol="1" spcCol="1270" anchor="ctr" anchorCtr="0">
+        <a:bodyPr spcFirstLastPara="0" vert="horz" wrap="square" lIns="122328" tIns="122328" rIns="122328" bIns="122328" numCol="1" spcCol="1270" anchor="ctr" anchorCtr="0">
           <a:noAutofit/>
         </a:bodyPr>
         <a:lstStyle/>
         <a:p>
-          <a:pPr marL="0" lvl="0" indent="0" algn="l" defTabSz="488950">
+          <a:pPr marL="0" lvl="0" indent="0" algn="l" defTabSz="533400">
             <a:lnSpc>
               <a:spcPct val="100000"/>
             </a:lnSpc>
@@ -9872,13 +9931,13 @@
             <a:buNone/>
           </a:pPr>
           <a:r>
-            <a:rPr lang="en-DK" sz="1100" kern="1200"/>
+            <a:rPr lang="en-DK" sz="1200" kern="1200"/>
             <a:t>What is the publish subscribe pattern?</a:t>
           </a:r>
-          <a:endParaRPr lang="en-US" sz="1100" kern="1200"/>
+          <a:endParaRPr lang="en-US" sz="1200" kern="1200"/>
         </a:p>
         <a:p>
-          <a:pPr marL="0" lvl="0" indent="0" algn="l" defTabSz="488950">
+          <a:pPr marL="0" lvl="0" indent="0" algn="l" defTabSz="533400">
             <a:lnSpc>
               <a:spcPct val="100000"/>
             </a:lnSpc>
@@ -9891,13 +9950,13 @@
             <a:buNone/>
           </a:pPr>
           <a:r>
-            <a:rPr lang="en-DK" sz="1100" kern="1200"/>
+            <a:rPr lang="en-DK" sz="1200" kern="1200" dirty="0"/>
             <a:t>What is Kafka?</a:t>
           </a:r>
-          <a:endParaRPr lang="en-US" sz="1100" kern="1200"/>
+          <a:endParaRPr lang="en-US" sz="1200" kern="1200" dirty="0"/>
         </a:p>
         <a:p>
-          <a:pPr marL="0" lvl="0" indent="0" algn="l" defTabSz="488950">
+          <a:pPr marL="0" lvl="0" indent="0" algn="l" defTabSz="533400">
             <a:lnSpc>
               <a:spcPct val="100000"/>
             </a:lnSpc>
@@ -9910,13 +9969,13 @@
             <a:buNone/>
           </a:pPr>
           <a:r>
-            <a:rPr lang="en-DK" sz="1100" kern="1200"/>
-            <a:t>Why should you care?</a:t>
+            <a:rPr lang="en-DK" sz="1200" kern="1200" dirty="0"/>
+            <a:t>How is this related to this Course?</a:t>
           </a:r>
-          <a:endParaRPr lang="en-US" sz="1100" kern="1200"/>
+          <a:endParaRPr lang="en-US" sz="1200" kern="1200" dirty="0"/>
         </a:p>
         <a:p>
-          <a:pPr marL="0" lvl="0" indent="0" algn="l" defTabSz="488950">
+          <a:pPr marL="0" lvl="0" indent="0" algn="l" defTabSz="533400">
             <a:lnSpc>
               <a:spcPct val="100000"/>
             </a:lnSpc>
@@ -9929,34 +9988,15 @@
             <a:buNone/>
           </a:pPr>
           <a:r>
-            <a:rPr lang="en-DK" sz="1100" kern="1200"/>
-            <a:t>How is this related to this Course?</a:t>
-          </a:r>
-          <a:endParaRPr lang="en-US" sz="1100" kern="1200"/>
-        </a:p>
-        <a:p>
-          <a:pPr marL="0" lvl="0" indent="0" algn="l" defTabSz="488950">
-            <a:lnSpc>
-              <a:spcPct val="100000"/>
-            </a:lnSpc>
-            <a:spcBef>
-              <a:spcPct val="0"/>
-            </a:spcBef>
-            <a:spcAft>
-              <a:spcPct val="35000"/>
-            </a:spcAft>
-            <a:buNone/>
-          </a:pPr>
-          <a:r>
-            <a:rPr lang="en-DK" sz="1100" kern="1200"/>
+            <a:rPr lang="en-DK" sz="1200" kern="1200"/>
             <a:t>Exercises! Whop whop</a:t>
           </a:r>
-          <a:endParaRPr lang="en-US" sz="1100" kern="1200"/>
+          <a:endParaRPr lang="en-US" sz="1200" kern="1200"/>
         </a:p>
       </dsp:txBody>
       <dsp:txXfrm>
-        <a:off x="6261071" y="2070631"/>
-        <a:ext cx="4690206" cy="1153602"/>
+        <a:off x="6263677" y="2070913"/>
+        <a:ext cx="4688902" cy="1155858"/>
       </dsp:txXfrm>
     </dsp:sp>
   </dsp:spTree>
@@ -11352,8 +11392,8 @@
       </dsp:nvSpPr>
       <dsp:spPr>
         <a:xfrm>
-          <a:off x="0" y="403068"/>
-          <a:ext cx="10952580" cy="1975050"/>
+          <a:off x="0" y="290230"/>
+          <a:ext cx="10952580" cy="1615950"/>
         </a:xfrm>
         <a:prstGeom prst="rect">
           <a:avLst/>
@@ -11394,12 +11434,12 @@
         <a:fontRef idx="minor"/>
       </dsp:style>
       <dsp:txBody>
-        <a:bodyPr spcFirstLastPara="0" vert="horz" wrap="square" lIns="850042" tIns="458216" rIns="850042" bIns="156464" numCol="1" spcCol="1270" anchor="t" anchorCtr="0">
+        <a:bodyPr spcFirstLastPara="0" vert="horz" wrap="square" lIns="850042" tIns="374904" rIns="850042" bIns="128016" numCol="1" spcCol="1270" anchor="t" anchorCtr="0">
           <a:noAutofit/>
         </a:bodyPr>
         <a:lstStyle/>
         <a:p>
-          <a:pPr marL="228600" lvl="1" indent="-228600" algn="l" defTabSz="977900">
+          <a:pPr marL="171450" lvl="1" indent="-171450" algn="l" defTabSz="800100">
             <a:lnSpc>
               <a:spcPct val="100000"/>
             </a:lnSpc>
@@ -11412,13 +11452,13 @@
             <a:buChar char="•"/>
           </a:pPr>
           <a:r>
-            <a:rPr lang="en-GB" sz="2200" kern="1200"/>
+            <a:rPr lang="en-GB" sz="1800" kern="1200"/>
             <a:t>It can be a system from earlier projects that you want to develop further, or a system you want to develop. </a:t>
           </a:r>
-          <a:endParaRPr lang="en-US" sz="2200" kern="1200"/>
+          <a:endParaRPr lang="en-US" sz="1800" kern="1200"/>
         </a:p>
         <a:p>
-          <a:pPr marL="228600" lvl="1" indent="-228600" algn="l" defTabSz="977900">
+          <a:pPr marL="171450" lvl="1" indent="-171450" algn="l" defTabSz="800100">
             <a:lnSpc>
               <a:spcPct val="100000"/>
             </a:lnSpc>
@@ -11431,15 +11471,15 @@
             <a:buChar char="•"/>
           </a:pPr>
           <a:r>
-            <a:rPr lang="en-GB" sz="2200" kern="1200"/>
+            <a:rPr lang="en-GB" sz="1800" kern="1200"/>
             <a:t>The main point is to have a basis for working with the architectural concepts in future exercises not develop a fully functional system.</a:t>
           </a:r>
-          <a:endParaRPr lang="en-US" sz="2200" kern="1200"/>
+          <a:endParaRPr lang="en-US" sz="1800" kern="1200"/>
         </a:p>
       </dsp:txBody>
       <dsp:txXfrm>
-        <a:off x="0" y="403068"/>
-        <a:ext cx="10952580" cy="1975050"/>
+        <a:off x="0" y="290230"/>
+        <a:ext cx="10952580" cy="1615950"/>
       </dsp:txXfrm>
     </dsp:sp>
     <dsp:sp modelId="{4C18F63B-51B7-C941-87A4-B4F52E84E253}">
@@ -11449,8 +11489,8 @@
       </dsp:nvSpPr>
       <dsp:spPr>
         <a:xfrm>
-          <a:off x="547629" y="78348"/>
-          <a:ext cx="7666806" cy="649440"/>
+          <a:off x="547629" y="24550"/>
+          <a:ext cx="7666806" cy="531360"/>
         </a:xfrm>
         <a:prstGeom prst="roundRect">
           <a:avLst/>
@@ -11497,7 +11537,7 @@
         </a:bodyPr>
         <a:lstStyle/>
         <a:p>
-          <a:pPr marL="0" lvl="0" indent="0" algn="l" defTabSz="977900">
+          <a:pPr marL="0" lvl="0" indent="0" algn="l" defTabSz="800100">
             <a:lnSpc>
               <a:spcPct val="90000"/>
             </a:lnSpc>
@@ -11510,15 +11550,15 @@
             <a:buNone/>
           </a:pPr>
           <a:r>
-            <a:rPr lang="en-GB" sz="2200" kern="1200" dirty="0"/>
+            <a:rPr lang="en-GB" sz="1800" kern="1200" dirty="0"/>
             <a:t>Select a system as a foundation for architecture practicing. </a:t>
           </a:r>
-          <a:endParaRPr lang="en-US" sz="2200" kern="1200" dirty="0"/>
+          <a:endParaRPr lang="en-US" sz="1800" kern="1200" dirty="0"/>
         </a:p>
       </dsp:txBody>
       <dsp:txXfrm>
-        <a:off x="579332" y="110051"/>
-        <a:ext cx="7603400" cy="586034"/>
+        <a:off x="573568" y="50489"/>
+        <a:ext cx="7614928" cy="479482"/>
       </dsp:txXfrm>
     </dsp:sp>
     <dsp:sp modelId="{B6246A29-E1E5-534A-B0AA-C337896FD399}">
@@ -11528,8 +11568,8 @@
       </dsp:nvSpPr>
       <dsp:spPr>
         <a:xfrm>
-          <a:off x="0" y="2821638"/>
-          <a:ext cx="10952580" cy="952875"/>
+          <a:off x="0" y="2269060"/>
+          <a:ext cx="10952580" cy="1559250"/>
         </a:xfrm>
         <a:prstGeom prst="rect">
           <a:avLst/>
@@ -11570,12 +11610,12 @@
         <a:fontRef idx="minor"/>
       </dsp:style>
       <dsp:txBody>
-        <a:bodyPr spcFirstLastPara="0" vert="horz" wrap="square" lIns="850042" tIns="458216" rIns="850042" bIns="156464" numCol="1" spcCol="1270" anchor="t" anchorCtr="0">
+        <a:bodyPr spcFirstLastPara="0" vert="horz" wrap="square" lIns="850042" tIns="374904" rIns="850042" bIns="128016" numCol="1" spcCol="1270" anchor="t" anchorCtr="0">
           <a:noAutofit/>
         </a:bodyPr>
         <a:lstStyle/>
         <a:p>
-          <a:pPr marL="228600" lvl="1" indent="-228600" algn="l" defTabSz="977900">
+          <a:pPr marL="171450" lvl="1" indent="-171450" algn="l" defTabSz="800100">
             <a:lnSpc>
               <a:spcPct val="100000"/>
             </a:lnSpc>
@@ -11588,15 +11628,23 @@
             <a:buChar char="•"/>
           </a:pPr>
           <a:r>
-            <a:rPr lang="en-GB" sz="2200" kern="1200" dirty="0"/>
-            <a:t>Example: “An Example”  </a:t>
+            <a:rPr lang="en-GB" sz="1800" kern="1200" dirty="0"/>
+            <a:t>Made up example: “</a:t>
           </a:r>
-          <a:endParaRPr lang="en-US" sz="2200" kern="1200" dirty="0"/>
+          <a:r>
+            <a:rPr lang="en-GB" sz="1800" b="0" i="0" u="none" kern="1200" dirty="0"/>
+            <a:t>Our mission is to revolutionize the way people track satellites. With our software system, anyone with a smartphone can effortlessly point their camera to the sky and receive real-time information about the satellites in their view. We aim to make space exploration accessible and fascinating for all.</a:t>
+          </a:r>
+          <a:r>
+            <a:rPr lang="en-GB" sz="1800" kern="1200" dirty="0"/>
+            <a:t>”  </a:t>
+          </a:r>
+          <a:endParaRPr lang="en-US" sz="1800" kern="1200" dirty="0"/>
         </a:p>
       </dsp:txBody>
       <dsp:txXfrm>
-        <a:off x="0" y="2821638"/>
-        <a:ext cx="10952580" cy="952875"/>
+        <a:off x="0" y="2269060"/>
+        <a:ext cx="10952580" cy="1559250"/>
       </dsp:txXfrm>
     </dsp:sp>
     <dsp:sp modelId="{46A36141-8839-344D-8F8B-846FA2E3052C}">
@@ -11606,8 +11654,8 @@
       </dsp:nvSpPr>
       <dsp:spPr>
         <a:xfrm>
-          <a:off x="547629" y="2496918"/>
-          <a:ext cx="7666806" cy="649440"/>
+          <a:off x="547629" y="2003380"/>
+          <a:ext cx="7666806" cy="531360"/>
         </a:xfrm>
         <a:prstGeom prst="roundRect">
           <a:avLst/>
@@ -11654,7 +11702,7 @@
         </a:bodyPr>
         <a:lstStyle/>
         <a:p>
-          <a:pPr marL="0" lvl="0" indent="0" algn="l" defTabSz="977900">
+          <a:pPr marL="0" lvl="0" indent="0" algn="l" defTabSz="800100">
             <a:lnSpc>
               <a:spcPct val="90000"/>
             </a:lnSpc>
@@ -11667,15 +11715,15 @@
             <a:buNone/>
           </a:pPr>
           <a:r>
-            <a:rPr lang="en-GB" sz="2200" kern="1200" dirty="0"/>
+            <a:rPr lang="en-GB" sz="1800" kern="1200" dirty="0"/>
             <a:t>Shortly describe the mission of the system in a couple of sentences.</a:t>
           </a:r>
-          <a:endParaRPr lang="en-US" sz="2200" kern="1200" dirty="0"/>
+          <a:endParaRPr lang="en-US" sz="1800" kern="1200" dirty="0"/>
         </a:p>
       </dsp:txBody>
       <dsp:txXfrm>
-        <a:off x="579332" y="2528621"/>
-        <a:ext cx="7603400" cy="586034"/>
+        <a:off x="573568" y="2029319"/>
+        <a:ext cx="7614928" cy="479482"/>
       </dsp:txXfrm>
     </dsp:sp>
   </dsp:spTree>
@@ -12352,7 +12400,7 @@
         </a:bodyPr>
         <a:lstStyle/>
         <a:p>
-          <a:pPr marL="0" lvl="0" indent="0" algn="l" defTabSz="844550">
+          <a:pPr marL="0" lvl="0" indent="0" algn="l" defTabSz="800100">
             <a:lnSpc>
               <a:spcPct val="90000"/>
             </a:lnSpc>
@@ -12365,12 +12413,12 @@
             <a:buNone/>
           </a:pPr>
           <a:r>
-            <a:rPr lang="en-US" sz="1900" kern="1200" dirty="0"/>
+            <a:rPr lang="en-US" sz="1800" kern="1200" dirty="0"/>
             <a:t>Document main outcome from task #1 and task #2 in a PowerPoint</a:t>
           </a:r>
         </a:p>
         <a:p>
-          <a:pPr marL="114300" lvl="1" indent="-114300" algn="l" defTabSz="666750">
+          <a:pPr marL="114300" lvl="1" indent="-114300" algn="l" defTabSz="622300">
             <a:lnSpc>
               <a:spcPct val="90000"/>
             </a:lnSpc>
@@ -12383,7 +12431,7 @@
             <a:buChar char="•"/>
           </a:pPr>
           <a:r>
-            <a:rPr lang="en-US" sz="1500" kern="1200"/>
+            <a:rPr lang="en-US" sz="1400" kern="1200"/>
             <a:t>i.e. A short description of your system, your mission statement and a selection of views including the design rationale </a:t>
           </a:r>
         </a:p>
@@ -12513,7 +12561,7 @@
         </a:bodyPr>
         <a:lstStyle/>
         <a:p>
-          <a:pPr marL="0" lvl="0" indent="0" algn="l" defTabSz="844550">
+          <a:pPr marL="0" lvl="0" indent="0" algn="l" defTabSz="800100">
             <a:lnSpc>
               <a:spcPct val="90000"/>
             </a:lnSpc>
@@ -12526,8 +12574,26 @@
             <a:buNone/>
           </a:pPr>
           <a:r>
-            <a:rPr lang="en-US" sz="1900" kern="1200"/>
+            <a:rPr lang="en-US" sz="1800" kern="1200" dirty="0"/>
             <a:t>Upload the PowerPoint to ItsLearning</a:t>
+          </a:r>
+        </a:p>
+        <a:p>
+          <a:pPr marL="0" lvl="0" indent="0" algn="l" defTabSz="800100">
+            <a:lnSpc>
+              <a:spcPct val="90000"/>
+            </a:lnSpc>
+            <a:spcBef>
+              <a:spcPct val="0"/>
+            </a:spcBef>
+            <a:spcAft>
+              <a:spcPct val="35000"/>
+            </a:spcAft>
+            <a:buNone/>
+          </a:pPr>
+          <a:r>
+            <a:rPr lang="en-US" sz="1800" kern="1200" dirty="0"/>
+            <a:t>Deadline: Sunday the 12.02.2023 at 23:59</a:t>
           </a:r>
         </a:p>
       </dsp:txBody>
@@ -12656,7 +12722,7 @@
         </a:bodyPr>
         <a:lstStyle/>
         <a:p>
-          <a:pPr marL="0" lvl="0" indent="0" algn="l" defTabSz="844550">
+          <a:pPr marL="0" lvl="0" indent="0" algn="l" defTabSz="800100">
             <a:lnSpc>
               <a:spcPct val="90000"/>
             </a:lnSpc>
@@ -12669,12 +12735,12 @@
             <a:buNone/>
           </a:pPr>
           <a:r>
-            <a:rPr lang="en-US" sz="1900" kern="1200"/>
+            <a:rPr lang="en-US" sz="1800" kern="1200"/>
             <a:t>Give feedback to another group using the feedback criteria on ItsLearning. </a:t>
           </a:r>
         </a:p>
         <a:p>
-          <a:pPr marL="114300" lvl="1" indent="-114300" algn="l" defTabSz="666750">
+          <a:pPr marL="114300" lvl="1" indent="-114300" algn="l" defTabSz="622300">
             <a:lnSpc>
               <a:spcPct val="90000"/>
             </a:lnSpc>
@@ -12687,8 +12753,44 @@
             <a:buChar char="•"/>
           </a:pPr>
           <a:r>
-            <a:rPr lang="en-US" sz="1500" kern="1200"/>
+            <a:rPr lang="en-US" sz="1400" kern="1200" dirty="0"/>
             <a:t>(To give feedback, open the PowerPoint of the other group, create a new slide, and insert your feedback)</a:t>
+          </a:r>
+        </a:p>
+        <a:p>
+          <a:pPr marL="114300" lvl="1" indent="-114300" algn="l" defTabSz="622300">
+            <a:lnSpc>
+              <a:spcPct val="90000"/>
+            </a:lnSpc>
+            <a:spcBef>
+              <a:spcPct val="0"/>
+            </a:spcBef>
+            <a:spcAft>
+              <a:spcPct val="15000"/>
+            </a:spcAft>
+            <a:buNone/>
+          </a:pPr>
+          <a:r>
+            <a:rPr lang="en-US" sz="1400" kern="1200" dirty="0"/>
+            <a:t>Deadline: Tuesday the 14.02.2023</a:t>
+          </a:r>
+        </a:p>
+        <a:p>
+          <a:pPr marL="114300" lvl="1" indent="-114300" algn="l" defTabSz="622300">
+            <a:lnSpc>
+              <a:spcPct val="90000"/>
+            </a:lnSpc>
+            <a:spcBef>
+              <a:spcPct val="0"/>
+            </a:spcBef>
+            <a:spcAft>
+              <a:spcPct val="15000"/>
+            </a:spcAft>
+            <a:buNone/>
+          </a:pPr>
+          <a:r>
+            <a:rPr lang="en-US" sz="1400" kern="1200" dirty="0"/>
+            <a:t>at 12:00</a:t>
           </a:r>
         </a:p>
       </dsp:txBody>
@@ -20586,7 +20688,7 @@
             <a:fld id="{CD72A38B-F9FA-4036-A084-652409E98F08}" type="datetimeFigureOut">
               <a:rPr lang="en-GB"/>
               <a:pPr/>
-              <a:t>08/02/2023</a:t>
+              <a:t>09/02/2023</a:t>
             </a:fld>
             <a:endParaRPr lang="en-GB" dirty="0"/>
           </a:p>
@@ -21099,7 +21201,7 @@
             <a:fld id="{49436F85-577F-4A92-A47F-D540A2BCC821}" type="slidenum">
               <a:rPr lang="en-GB" smtClean="0"/>
               <a:pPr/>
-              <a:t>10</a:t>
+              <a:t>11</a:t>
             </a:fld>
             <a:endParaRPr lang="en-GB" dirty="0"/>
           </a:p>
@@ -21187,7 +21289,7 @@
             <a:fld id="{49436F85-577F-4A92-A47F-D540A2BCC821}" type="slidenum">
               <a:rPr lang="en-GB" smtClean="0"/>
               <a:pPr/>
-              <a:t>15</a:t>
+              <a:t>17</a:t>
             </a:fld>
             <a:endParaRPr lang="en-GB" dirty="0"/>
           </a:p>
@@ -21275,7 +21377,7 @@
             <a:fld id="{49436F85-577F-4A92-A47F-D540A2BCC821}" type="slidenum">
               <a:rPr lang="en-GB" smtClean="0"/>
               <a:pPr/>
-              <a:t>17</a:t>
+              <a:t>19</a:t>
             </a:fld>
             <a:endParaRPr lang="en-GB" dirty="0"/>
           </a:p>
@@ -21360,7 +21462,7 @@
             <a:fld id="{49436F85-577F-4A92-A47F-D540A2BCC821}" type="slidenum">
               <a:rPr lang="en-GB" smtClean="0"/>
               <a:pPr/>
-              <a:t>21</a:t>
+              <a:t>23</a:t>
             </a:fld>
             <a:endParaRPr lang="en-GB" dirty="0"/>
           </a:p>
@@ -21445,7 +21547,7 @@
             <a:fld id="{49436F85-577F-4A92-A47F-D540A2BCC821}" type="slidenum">
               <a:rPr lang="en-GB" smtClean="0"/>
               <a:pPr/>
-              <a:t>22</a:t>
+              <a:t>24</a:t>
             </a:fld>
             <a:endParaRPr lang="en-GB" dirty="0"/>
           </a:p>
@@ -21530,7 +21632,7 @@
             <a:fld id="{49436F85-577F-4A92-A47F-D540A2BCC821}" type="slidenum">
               <a:rPr lang="en-GB" smtClean="0"/>
               <a:pPr/>
-              <a:t>24</a:t>
+              <a:t>26</a:t>
             </a:fld>
             <a:endParaRPr lang="en-GB" dirty="0"/>
           </a:p>
@@ -22151,7 +22253,7 @@
             <a:fld id="{F1A13B18-F5ED-4611-8DBB-F05123AFBA22}" type="datetimeFigureOut">
               <a:rPr lang="en-GB" smtClean="0"/>
               <a:pPr/>
-              <a:t>08/02/2023</a:t>
+              <a:t>09/02/2023</a:t>
             </a:fld>
             <a:endParaRPr lang="en-GB" dirty="0"/>
           </a:p>
@@ -22279,7 +22381,7 @@
             <a:fld id="{F1A13B18-F5ED-4611-8DBB-F05123AFBA22}" type="datetimeFigureOut">
               <a:rPr lang="en-GB" smtClean="0"/>
               <a:pPr/>
-              <a:t>08/02/2023</a:t>
+              <a:t>09/02/2023</a:t>
             </a:fld>
             <a:endParaRPr lang="en-GB" dirty="0"/>
           </a:p>
@@ -23048,7 +23150,7 @@
             <a:fld id="{F1A13B18-F5ED-4611-8DBB-F05123AFBA22}" type="datetimeFigureOut">
               <a:rPr lang="en-GB" smtClean="0"/>
               <a:pPr/>
-              <a:t>08/02/2023</a:t>
+              <a:t>09/02/2023</a:t>
             </a:fld>
             <a:endParaRPr lang="en-GB" dirty="0"/>
           </a:p>
@@ -23669,7 +23771,7 @@
             <a:fld id="{F1A13B18-F5ED-4611-8DBB-F05123AFBA22}" type="datetimeFigureOut">
               <a:rPr lang="en-GB" smtClean="0"/>
               <a:pPr/>
-              <a:t>08/02/2023</a:t>
+              <a:t>09/02/2023</a:t>
             </a:fld>
             <a:endParaRPr lang="en-GB" dirty="0"/>
           </a:p>
@@ -23699,7 +23801,7 @@
             <a:fld id="{F1A13B18-F5ED-4611-8DBB-F05123AFBA22}" type="datetimeFigureOut">
               <a:rPr lang="en-GB" smtClean="0"/>
               <a:pPr/>
-              <a:t>08/02/2023</a:t>
+              <a:t>09/02/2023</a:t>
             </a:fld>
             <a:endParaRPr lang="en-GB" dirty="0"/>
           </a:p>
@@ -24558,7 +24660,7 @@
             <a:fld id="{F1A13B18-F5ED-4611-8DBB-F05123AFBA22}" type="datetimeFigureOut">
               <a:rPr lang="en-GB" smtClean="0"/>
               <a:pPr/>
-              <a:t>08/02/2023</a:t>
+              <a:t>09/02/2023</a:t>
             </a:fld>
             <a:endParaRPr lang="en-GB" dirty="0"/>
           </a:p>
@@ -24686,7 +24788,7 @@
             <a:fld id="{F1A13B18-F5ED-4611-8DBB-F05123AFBA22}" type="datetimeFigureOut">
               <a:rPr lang="en-GB" smtClean="0"/>
               <a:pPr/>
-              <a:t>08/02/2023</a:t>
+              <a:t>09/02/2023</a:t>
             </a:fld>
             <a:endParaRPr lang="en-GB" dirty="0"/>
           </a:p>
@@ -25225,7 +25327,7 @@
             <a:fld id="{F1A13B18-F5ED-4611-8DBB-F05123AFBA22}" type="datetimeFigureOut">
               <a:rPr lang="en-GB" smtClean="0"/>
               <a:pPr/>
-              <a:t>08/02/2023</a:t>
+              <a:t>09/02/2023</a:t>
             </a:fld>
             <a:endParaRPr lang="en-GB" dirty="0"/>
           </a:p>
@@ -25458,7 +25560,7 @@
             <a:fld id="{F1A13B18-F5ED-4611-8DBB-F05123AFBA22}" type="datetimeFigureOut">
               <a:rPr lang="en-GB" smtClean="0"/>
               <a:pPr/>
-              <a:t>08/02/2023</a:t>
+              <a:t>09/02/2023</a:t>
             </a:fld>
             <a:endParaRPr lang="en-GB" dirty="0"/>
           </a:p>
@@ -25488,7 +25590,7 @@
             <a:fld id="{F1A13B18-F5ED-4611-8DBB-F05123AFBA22}" type="datetimeFigureOut">
               <a:rPr lang="en-GB" smtClean="0"/>
               <a:pPr/>
-              <a:t>08/02/2023</a:t>
+              <a:t>09/02/2023</a:t>
             </a:fld>
             <a:endParaRPr lang="en-GB" dirty="0"/>
           </a:p>
@@ -25656,7 +25758,7 @@
             <a:fld id="{F1A13B18-F5ED-4611-8DBB-F05123AFBA22}" type="datetimeFigureOut">
               <a:rPr lang="en-GB" smtClean="0"/>
               <a:pPr/>
-              <a:t>08/02/2023</a:t>
+              <a:t>09/02/2023</a:t>
             </a:fld>
             <a:endParaRPr lang="en-GB" dirty="0"/>
           </a:p>
@@ -25784,7 +25886,7 @@
             <a:fld id="{F1A13B18-F5ED-4611-8DBB-F05123AFBA22}" type="datetimeFigureOut">
               <a:rPr lang="en-GB" smtClean="0"/>
               <a:pPr/>
-              <a:t>08/02/2023</a:t>
+              <a:t>09/02/2023</a:t>
             </a:fld>
             <a:endParaRPr lang="en-GB" dirty="0"/>
           </a:p>
@@ -26423,7 +26525,7 @@
             <a:fld id="{F1A13B18-F5ED-4611-8DBB-F05123AFBA22}" type="datetimeFigureOut">
               <a:rPr lang="en-GB" smtClean="0"/>
               <a:pPr/>
-              <a:t>08/02/2023</a:t>
+              <a:t>09/02/2023</a:t>
             </a:fld>
             <a:endParaRPr lang="en-GB" dirty="0"/>
           </a:p>
@@ -26926,7 +27028,7 @@
             <a:fld id="{F1A13B18-F5ED-4611-8DBB-F05123AFBA22}" type="datetimeFigureOut">
               <a:rPr lang="en-GB" smtClean="0"/>
               <a:pPr/>
-              <a:t>08/02/2023</a:t>
+              <a:t>09/02/2023</a:t>
             </a:fld>
             <a:endParaRPr lang="en-GB" dirty="0"/>
           </a:p>
@@ -27054,7 +27156,7 @@
             <a:fld id="{F1A13B18-F5ED-4611-8DBB-F05123AFBA22}" type="datetimeFigureOut">
               <a:rPr lang="en-GB" smtClean="0"/>
               <a:pPr/>
-              <a:t>08/02/2023</a:t>
+              <a:t>09/02/2023</a:t>
             </a:fld>
             <a:endParaRPr lang="en-GB" dirty="0"/>
           </a:p>
@@ -27314,7 +27416,7 @@
             <a:fld id="{F1A13B18-F5ED-4611-8DBB-F05123AFBA22}" type="datetimeFigureOut">
               <a:rPr lang="en-GB" smtClean="0"/>
               <a:pPr/>
-              <a:t>08/02/2023</a:t>
+              <a:t>09/02/2023</a:t>
             </a:fld>
             <a:endParaRPr lang="en-GB" dirty="0"/>
           </a:p>
@@ -27442,7 +27544,7 @@
             <a:fld id="{F1A13B18-F5ED-4611-8DBB-F05123AFBA22}" type="datetimeFigureOut">
               <a:rPr lang="en-GB" smtClean="0"/>
               <a:pPr/>
-              <a:t>08/02/2023</a:t>
+              <a:t>09/02/2023</a:t>
             </a:fld>
             <a:endParaRPr lang="en-GB" dirty="0"/>
           </a:p>
@@ -28081,7 +28183,7 @@
             <a:fld id="{F1A13B18-F5ED-4611-8DBB-F05123AFBA22}" type="datetimeFigureOut">
               <a:rPr lang="en-GB" smtClean="0"/>
               <a:pPr/>
-              <a:t>08/02/2023</a:t>
+              <a:t>09/02/2023</a:t>
             </a:fld>
             <a:endParaRPr lang="en-GB" dirty="0"/>
           </a:p>
@@ -28396,7 +28498,7 @@
             <a:fld id="{F1A13B18-F5ED-4611-8DBB-F05123AFBA22}" type="datetimeFigureOut">
               <a:rPr lang="en-GB" smtClean="0"/>
               <a:pPr/>
-              <a:t>08/02/2023</a:t>
+              <a:t>09/02/2023</a:t>
             </a:fld>
             <a:endParaRPr lang="en-GB" dirty="0"/>
           </a:p>
@@ -28524,7 +28626,7 @@
             <a:fld id="{F1A13B18-F5ED-4611-8DBB-F05123AFBA22}" type="datetimeFigureOut">
               <a:rPr lang="en-GB" smtClean="0"/>
               <a:pPr/>
-              <a:t>08/02/2023</a:t>
+              <a:t>09/02/2023</a:t>
             </a:fld>
             <a:endParaRPr lang="en-GB" dirty="0"/>
           </a:p>
@@ -29262,7 +29364,7 @@
             <a:fld id="{F1A13B18-F5ED-4611-8DBB-F05123AFBA22}" type="datetimeFigureOut">
               <a:rPr lang="en-GB" smtClean="0"/>
               <a:pPr/>
-              <a:t>08/02/2023</a:t>
+              <a:t>09/02/2023</a:t>
             </a:fld>
             <a:endParaRPr lang="en-GB" dirty="0"/>
           </a:p>
@@ -29383,7 +29485,7 @@
             <a:fld id="{F1A13B18-F5ED-4611-8DBB-F05123AFBA22}" type="datetimeFigureOut">
               <a:rPr lang="en-GB" smtClean="0"/>
               <a:pPr/>
-              <a:t>08/02/2023</a:t>
+              <a:t>09/02/2023</a:t>
             </a:fld>
             <a:endParaRPr lang="en-GB" dirty="0"/>
           </a:p>
@@ -30547,7 +30649,7 @@
             <a:fld id="{F1A13B18-F5ED-4611-8DBB-F05123AFBA22}" type="datetimeFigureOut">
               <a:rPr lang="en-GB" smtClean="0"/>
               <a:pPr/>
-              <a:t>08/02/2023</a:t>
+              <a:t>09/02/2023</a:t>
             </a:fld>
             <a:endParaRPr lang="en-GB" dirty="0"/>
           </a:p>
@@ -30577,7 +30679,7 @@
             <a:fld id="{F1A13B18-F5ED-4611-8DBB-F05123AFBA22}" type="datetimeFigureOut">
               <a:rPr lang="en-GB" smtClean="0"/>
               <a:pPr/>
-              <a:t>08/02/2023</a:t>
+              <a:t>09/02/2023</a:t>
             </a:fld>
             <a:endParaRPr lang="en-GB" dirty="0"/>
           </a:p>
@@ -31050,7 +31152,7 @@
             <a:fld id="{F1A13B18-F5ED-4611-8DBB-F05123AFBA22}" type="datetimeFigureOut">
               <a:rPr lang="en-GB" smtClean="0"/>
               <a:pPr/>
-              <a:t>08/02/2023</a:t>
+              <a:t>09/02/2023</a:t>
             </a:fld>
             <a:endParaRPr lang="en-GB" dirty="0"/>
           </a:p>
@@ -31354,7 +31456,7 @@
             <a:fld id="{F1A13B18-F5ED-4611-8DBB-F05123AFBA22}" type="datetimeFigureOut">
               <a:rPr lang="en-GB" smtClean="0"/>
               <a:pPr/>
-              <a:t>08/02/2023</a:t>
+              <a:t>09/02/2023</a:t>
             </a:fld>
             <a:endParaRPr lang="en-GB" dirty="0"/>
           </a:p>
@@ -32249,7 +32351,7 @@
           <a:p>
             <a:fld id="{83C7CD7C-F7E2-4FF3-B441-BD5C13FCA230}" type="datetime1">
               <a:rPr lang="en-GB" smtClean="0"/>
-              <a:t>08/02/2023</a:t>
+              <a:t>09/02/2023</a:t>
             </a:fld>
             <a:endParaRPr lang="en-GB" dirty="0"/>
           </a:p>
@@ -32301,124 +32403,12 @@
           <a:chExt cx="0" cy="0"/>
         </a:xfrm>
       </p:grpSpPr>
-      <p:sp>
-        <p:nvSpPr>
-          <p:cNvPr id="2" name="Title 1">
+      <p:pic>
+        <p:nvPicPr>
+          <p:cNvPr id="10" name="Picture 7" descr="An arrangement of a cookie design collection">
             <a:extLst>
               <a:ext uri="{FF2B5EF4-FFF2-40B4-BE49-F238E27FC236}">
-                <a16:creationId xmlns:a16="http://schemas.microsoft.com/office/drawing/2014/main" id="{4929F187-137B-09F9-DA95-585CAD06BBE7}"/>
-              </a:ext>
-            </a:extLst>
-          </p:cNvPr>
-          <p:cNvSpPr>
-            <a:spLocks noGrp="1"/>
-          </p:cNvSpPr>
-          <p:nvPr>
-            <p:ph type="ctrTitle"/>
-          </p:nvPr>
-        </p:nvSpPr>
-        <p:spPr/>
-        <p:txBody>
-          <a:bodyPr/>
-          <a:lstStyle/>
-          <a:p>
-            <a:r>
-              <a:rPr lang="en-DK" dirty="0"/>
-              <a:t>How is it related to this course?</a:t>
-            </a:r>
-          </a:p>
-        </p:txBody>
-      </p:sp>
-      <p:sp>
-        <p:nvSpPr>
-          <p:cNvPr id="5" name="Date Placeholder 4">
-            <a:extLst>
-              <a:ext uri="{FF2B5EF4-FFF2-40B4-BE49-F238E27FC236}">
-                <a16:creationId xmlns:a16="http://schemas.microsoft.com/office/drawing/2014/main" id="{83D1C22F-4D25-B6DF-4DF8-E1D483E79E97}"/>
-              </a:ext>
-            </a:extLst>
-          </p:cNvPr>
-          <p:cNvSpPr>
-            <a:spLocks noGrp="1"/>
-          </p:cNvSpPr>
-          <p:nvPr>
-            <p:ph type="dt" sz="half" idx="2"/>
-          </p:nvPr>
-        </p:nvSpPr>
-        <p:spPr/>
-        <p:txBody>
-          <a:bodyPr/>
-          <a:lstStyle/>
-          <a:p>
-            <a:fld id="{FFC9C885-39AE-2648-B6A9-BF19BED085A3}" type="datetime1">
-              <a:rPr lang="en-GB" smtClean="0"/>
-              <a:t>08/02/2023</a:t>
-            </a:fld>
-            <a:endParaRPr lang="en-GB" dirty="0"/>
-          </a:p>
-        </p:txBody>
-      </p:sp>
-      <p:sp>
-        <p:nvSpPr>
-          <p:cNvPr id="6" name="Footer Placeholder 5">
-            <a:extLst>
-              <a:ext uri="{FF2B5EF4-FFF2-40B4-BE49-F238E27FC236}">
-                <a16:creationId xmlns:a16="http://schemas.microsoft.com/office/drawing/2014/main" id="{AC4A3535-9EAF-439B-89F9-877FC7B044B2}"/>
-              </a:ext>
-            </a:extLst>
-          </p:cNvPr>
-          <p:cNvSpPr>
-            <a:spLocks noGrp="1"/>
-          </p:cNvSpPr>
-          <p:nvPr>
-            <p:ph type="ftr" sz="quarter" idx="14"/>
-          </p:nvPr>
-        </p:nvSpPr>
-        <p:spPr/>
-        <p:txBody>
-          <a:bodyPr/>
-          <a:lstStyle/>
-          <a:p>
-            <a:endParaRPr lang="en-GB" dirty="0"/>
-          </a:p>
-        </p:txBody>
-      </p:sp>
-      <p:sp>
-        <p:nvSpPr>
-          <p:cNvPr id="7" name="Slide Number Placeholder 6">
-            <a:extLst>
-              <a:ext uri="{FF2B5EF4-FFF2-40B4-BE49-F238E27FC236}">
-                <a16:creationId xmlns:a16="http://schemas.microsoft.com/office/drawing/2014/main" id="{8522C9E3-71F3-53D4-3200-0EB2E6A82E13}"/>
-              </a:ext>
-            </a:extLst>
-          </p:cNvPr>
-          <p:cNvSpPr>
-            <a:spLocks noGrp="1"/>
-          </p:cNvSpPr>
-          <p:nvPr>
-            <p:ph type="sldNum" sz="quarter" idx="15"/>
-          </p:nvPr>
-        </p:nvSpPr>
-        <p:spPr/>
-        <p:txBody>
-          <a:bodyPr/>
-          <a:lstStyle/>
-          <a:p>
-            <a:fld id="{45D37B1E-C366-494F-A587-962AD9AABC83}" type="slidenum">
-              <a:rPr lang="en-GB" smtClean="0"/>
-              <a:pPr/>
-              <a:t>10</a:t>
-            </a:fld>
-            <a:endParaRPr lang="en-GB" dirty="0"/>
-          </a:p>
-        </p:txBody>
-      </p:sp>
-      <p:pic>
-        <p:nvPicPr>
-          <p:cNvPr id="3" name="Picture 2">
-            <a:extLst>
-              <a:ext uri="{FF2B5EF4-FFF2-40B4-BE49-F238E27FC236}">
-                <a16:creationId xmlns:a16="http://schemas.microsoft.com/office/drawing/2014/main" id="{E6A55749-0250-F6FF-367A-C9BBDEE46243}"/>
+                <a16:creationId xmlns:a16="http://schemas.microsoft.com/office/drawing/2014/main" id="{CC724A58-E84A-8704-6D5A-27274B292CD6}"/>
               </a:ext>
             </a:extLst>
           </p:cNvPr>
@@ -32427,28 +32417,28 @@
           </p:cNvPicPr>
           <p:nvPr/>
         </p:nvPicPr>
-        <p:blipFill>
-          <a:blip r:embed="rId3"/>
-          <a:stretch>
-            <a:fillRect/>
-          </a:stretch>
+        <p:blipFill rotWithShape="1">
+          <a:blip r:embed="rId2"/>
+          <a:srcRect l="17047" r="20698" b="1"/>
+          <a:stretch/>
         </p:blipFill>
         <p:spPr>
           <a:xfrm>
-            <a:off x="5787576" y="2094931"/>
-            <a:ext cx="5221472" cy="3260840"/>
+            <a:off x="20" y="10"/>
+            <a:ext cx="6099280" cy="6857990"/>
           </a:xfrm>
           <a:prstGeom prst="rect">
             <a:avLst/>
           </a:prstGeom>
+          <a:noFill/>
         </p:spPr>
       </p:pic>
       <p:sp>
         <p:nvSpPr>
-          <p:cNvPr id="10" name="Content Placeholder 9">
+          <p:cNvPr id="2" name="Title 1">
             <a:extLst>
               <a:ext uri="{FF2B5EF4-FFF2-40B4-BE49-F238E27FC236}">
-                <a16:creationId xmlns:a16="http://schemas.microsoft.com/office/drawing/2014/main" id="{33DA9118-07F2-E824-DC8F-9FF358C855DA}"/>
+                <a16:creationId xmlns:a16="http://schemas.microsoft.com/office/drawing/2014/main" id="{0B60C389-9C37-9473-2D2E-F099E74D6402}"/>
               </a:ext>
             </a:extLst>
           </p:cNvPr>
@@ -32456,147 +32446,184 @@
             <a:spLocks noGrp="1"/>
           </p:cNvSpPr>
           <p:nvPr>
-            <p:ph sz="quarter" idx="13"/>
+            <p:ph type="title"/>
           </p:nvPr>
         </p:nvSpPr>
         <p:spPr>
           <a:xfrm>
-            <a:off x="414696" y="1989138"/>
-            <a:ext cx="4168190" cy="3852862"/>
+            <a:off x="6692401" y="1076109"/>
+            <a:ext cx="4680000" cy="1822734"/>
+          </a:xfrm>
+        </p:spPr>
+        <p:txBody>
+          <a:bodyPr anchor="t">
+            <a:normAutofit/>
+          </a:bodyPr>
+          <a:lstStyle/>
+          <a:p>
+            <a:r>
+              <a:rPr lang="en-DK" dirty="0"/>
+              <a:t>Example! </a:t>
+            </a:r>
+          </a:p>
+        </p:txBody>
+      </p:sp>
+      <p:sp>
+        <p:nvSpPr>
+          <p:cNvPr id="3" name="Content Placeholder 2">
+            <a:extLst>
+              <a:ext uri="{FF2B5EF4-FFF2-40B4-BE49-F238E27FC236}">
+                <a16:creationId xmlns:a16="http://schemas.microsoft.com/office/drawing/2014/main" id="{F80B8BA8-AA87-B732-3214-8348A173C897}"/>
+              </a:ext>
+            </a:extLst>
+          </p:cNvPr>
+          <p:cNvSpPr>
+            <a:spLocks noGrp="1"/>
+          </p:cNvSpPr>
+          <p:nvPr>
+            <p:ph sz="quarter" idx="19"/>
+          </p:nvPr>
+        </p:nvSpPr>
+        <p:spPr>
+          <a:xfrm>
+            <a:off x="6692202" y="3387600"/>
+            <a:ext cx="4680000" cy="2466000"/>
+          </a:xfrm>
+        </p:spPr>
+        <p:txBody>
+          <a:bodyPr>
+            <a:normAutofit/>
+          </a:bodyPr>
+          <a:lstStyle/>
+          <a:p>
+            <a:pPr>
+              <a:spcAft>
+                <a:spcPts val="600"/>
+              </a:spcAft>
+            </a:pPr>
+            <a:r>
+              <a:rPr lang="en-GB" dirty="0"/>
+              <a:t>A Quality Control system to check the product quality of tea bags</a:t>
+            </a:r>
+          </a:p>
+          <a:p>
+            <a:pPr>
+              <a:spcAft>
+                <a:spcPts val="600"/>
+              </a:spcAft>
+            </a:pPr>
+            <a:endParaRPr lang="en-GB" dirty="0"/>
+          </a:p>
+          <a:p>
+            <a:pPr>
+              <a:spcAft>
+                <a:spcPts val="600"/>
+              </a:spcAft>
+            </a:pPr>
+            <a:endParaRPr lang="en-DK" dirty="0"/>
+          </a:p>
+          <a:p>
+            <a:pPr>
+              <a:spcAft>
+                <a:spcPts val="600"/>
+              </a:spcAft>
+            </a:pPr>
+            <a:endParaRPr lang="en-DK" dirty="0"/>
+          </a:p>
+        </p:txBody>
+      </p:sp>
+      <p:sp>
+        <p:nvSpPr>
+          <p:cNvPr id="4" name="Date Placeholder 3">
+            <a:extLst>
+              <a:ext uri="{FF2B5EF4-FFF2-40B4-BE49-F238E27FC236}">
+                <a16:creationId xmlns:a16="http://schemas.microsoft.com/office/drawing/2014/main" id="{01BE5405-004C-B4F4-D97F-1AB1B915EB13}"/>
+              </a:ext>
+            </a:extLst>
+          </p:cNvPr>
+          <p:cNvSpPr>
+            <a:spLocks noGrp="1"/>
+          </p:cNvSpPr>
+          <p:nvPr>
+            <p:ph type="dt" sz="half" idx="4294967295"/>
+          </p:nvPr>
+        </p:nvSpPr>
+        <p:spPr>
+          <a:xfrm>
+            <a:off x="0" y="6912000"/>
+            <a:ext cx="0" cy="0"/>
           </a:xfrm>
         </p:spPr>
         <p:txBody>
           <a:bodyPr/>
           <a:lstStyle/>
           <a:p>
-            <a:r>
-              <a:rPr lang="en-DK" dirty="0"/>
-              <a:t>Apache Kafka implements a series of tactics to accommodate Quality Attributes</a:t>
-            </a:r>
-          </a:p>
-          <a:p>
-            <a:r>
-              <a:rPr lang="en-DK" dirty="0"/>
-              <a:t>Quality attributes are used to define software qualities like performance or availability</a:t>
-            </a:r>
-          </a:p>
-          <a:p>
-            <a:r>
-              <a:rPr lang="en-DK" dirty="0"/>
-              <a:t>Tactics are ways of implementing these qualities</a:t>
-            </a:r>
-          </a:p>
-          <a:p>
-            <a:r>
-              <a:rPr lang="en-DK" dirty="0"/>
-              <a:t>Use an Intermediary</a:t>
-            </a:r>
-          </a:p>
-          <a:p>
-            <a:pPr lvl="1"/>
-            <a:r>
-              <a:rPr lang="en-DK" dirty="0"/>
-              <a:t>Kafka can act as an intermediary between services </a:t>
-            </a:r>
-          </a:p>
-          <a:p>
-            <a:pPr lvl="1"/>
-            <a:r>
-              <a:rPr lang="en-DK" dirty="0"/>
-              <a:t>limit dependencies </a:t>
-            </a:r>
-          </a:p>
-          <a:p>
-            <a:pPr lvl="1"/>
-            <a:r>
-              <a:rPr lang="en-DK" dirty="0"/>
-              <a:t>make it easier to integrate new services</a:t>
-            </a:r>
-          </a:p>
-          <a:p>
-            <a:r>
-              <a:rPr lang="en-DK" dirty="0"/>
-              <a:t>Restrict communication paths</a:t>
-            </a:r>
-          </a:p>
-          <a:p>
-            <a:pPr lvl="1"/>
-            <a:r>
-              <a:rPr lang="en-DK" dirty="0"/>
-              <a:t>Kafka reduces communication complexity, as every service communicates through kafka</a:t>
-            </a:r>
-          </a:p>
-          <a:p>
-            <a:pPr lvl="1"/>
-            <a:r>
-              <a:rPr lang="en-DK" dirty="0"/>
-              <a:t>Although topics have to managed</a:t>
-            </a:r>
-          </a:p>
-          <a:p>
-            <a:pPr marL="252000" lvl="1" indent="0">
-              <a:buNone/>
+            <a:pPr>
+              <a:spcAft>
+                <a:spcPts val="600"/>
+              </a:spcAft>
             </a:pPr>
-            <a:endParaRPr lang="en-DK" dirty="0"/>
+            <a:fld id="{B1B29A3F-3481-9343-9F0B-56985C5B4E9E}" type="datetime1">
+              <a:rPr lang="en-GB" smtClean="0"/>
+              <a:pPr>
+                <a:spcAft>
+                  <a:spcPts val="600"/>
+                </a:spcAft>
+              </a:pPr>
+              <a:t>09/02/2023</a:t>
+            </a:fld>
+            <a:endParaRPr lang="en-GB"/>
           </a:p>
         </p:txBody>
       </p:sp>
       <p:sp>
         <p:nvSpPr>
-          <p:cNvPr id="16" name="Rounded Rectangle 15">
+          <p:cNvPr id="6" name="Slide Number Placeholder 5">
             <a:extLst>
               <a:ext uri="{FF2B5EF4-FFF2-40B4-BE49-F238E27FC236}">
-                <a16:creationId xmlns:a16="http://schemas.microsoft.com/office/drawing/2014/main" id="{5D360038-1011-C668-A2F9-1074A5B4DB9B}"/>
+                <a16:creationId xmlns:a16="http://schemas.microsoft.com/office/drawing/2014/main" id="{6B2B4BD9-1AFD-31E1-FCC3-0045CD4B034E}"/>
               </a:ext>
             </a:extLst>
           </p:cNvPr>
-          <p:cNvSpPr/>
-          <p:nvPr/>
+          <p:cNvSpPr>
+            <a:spLocks noGrp="1"/>
+          </p:cNvSpPr>
+          <p:nvPr>
+            <p:ph type="sldNum" sz="quarter" idx="4294967295"/>
+          </p:nvPr>
         </p:nvSpPr>
         <p:spPr>
           <a:xfrm>
-            <a:off x="5787575" y="3969998"/>
-            <a:ext cx="2180767" cy="701040"/>
+            <a:off x="0" y="6912000"/>
+            <a:ext cx="0" cy="0"/>
           </a:xfrm>
-          <a:prstGeom prst="roundRect">
-            <a:avLst/>
-          </a:prstGeom>
-          <a:noFill/>
-          <a:ln w="57150">
-            <a:solidFill>
-              <a:schemeClr val="accent1"/>
-            </a:solidFill>
-          </a:ln>
         </p:spPr>
-        <p:style>
-          <a:lnRef idx="2">
-            <a:schemeClr val="accent1">
-              <a:shade val="50000"/>
-            </a:schemeClr>
-          </a:lnRef>
-          <a:fillRef idx="1">
-            <a:schemeClr val="accent1"/>
-          </a:fillRef>
-          <a:effectRef idx="0">
-            <a:schemeClr val="accent1"/>
-          </a:effectRef>
-          <a:fontRef idx="minor">
-            <a:schemeClr val="lt1"/>
-          </a:fontRef>
-        </p:style>
         <p:txBody>
-          <a:bodyPr lIns="72000" tIns="72000" rIns="72000" bIns="72000" rtlCol="0" anchor="ctr"/>
+          <a:bodyPr/>
           <a:lstStyle/>
           <a:p>
-            <a:pPr algn="ctr"/>
-            <a:endParaRPr lang="en-DK" sz="1600" dirty="0" err="1"/>
+            <a:pPr>
+              <a:spcAft>
+                <a:spcPts val="600"/>
+              </a:spcAft>
+            </a:pPr>
+            <a:fld id="{45D37B1E-C366-494F-A587-962AD9AABC83}" type="slidenum">
+              <a:rPr lang="en-GB" smtClean="0"/>
+              <a:pPr>
+                <a:spcAft>
+                  <a:spcPts val="600"/>
+                </a:spcAft>
+              </a:pPr>
+              <a:t>10</a:t>
+            </a:fld>
+            <a:endParaRPr lang="en-GB"/>
           </a:p>
         </p:txBody>
       </p:sp>
     </p:spTree>
     <p:extLst>
       <p:ext uri="{BB962C8B-B14F-4D97-AF65-F5344CB8AC3E}">
-        <p14:creationId xmlns:p14="http://schemas.microsoft.com/office/powerpoint/2010/main" val="3601057507"/>
+        <p14:creationId xmlns:p14="http://schemas.microsoft.com/office/powerpoint/2010/main" val="1529206110"/>
       </p:ext>
     </p:extLst>
   </p:cSld>
@@ -32686,7 +32713,7 @@
           <a:p>
             <a:fld id="{FFC9C885-39AE-2648-B6A9-BF19BED085A3}" type="datetime1">
               <a:rPr lang="en-GB" smtClean="0"/>
-              <a:t>08/02/2023</a:t>
+              <a:t>09/02/2023</a:t>
             </a:fld>
             <a:endParaRPr lang="en-GB" dirty="0"/>
           </a:p>
@@ -32742,6 +32769,340 @@
               <a:rPr lang="en-GB" smtClean="0"/>
               <a:pPr/>
               <a:t>11</a:t>
+            </a:fld>
+            <a:endParaRPr lang="en-GB" dirty="0"/>
+          </a:p>
+        </p:txBody>
+      </p:sp>
+      <p:pic>
+        <p:nvPicPr>
+          <p:cNvPr id="3" name="Picture 2">
+            <a:extLst>
+              <a:ext uri="{FF2B5EF4-FFF2-40B4-BE49-F238E27FC236}">
+                <a16:creationId xmlns:a16="http://schemas.microsoft.com/office/drawing/2014/main" id="{E6A55749-0250-F6FF-367A-C9BBDEE46243}"/>
+              </a:ext>
+            </a:extLst>
+          </p:cNvPr>
+          <p:cNvPicPr>
+            <a:picLocks noChangeAspect="1"/>
+          </p:cNvPicPr>
+          <p:nvPr/>
+        </p:nvPicPr>
+        <p:blipFill>
+          <a:blip r:embed="rId3"/>
+          <a:stretch>
+            <a:fillRect/>
+          </a:stretch>
+        </p:blipFill>
+        <p:spPr>
+          <a:xfrm>
+            <a:off x="5787576" y="2094931"/>
+            <a:ext cx="5221472" cy="3260840"/>
+          </a:xfrm>
+          <a:prstGeom prst="rect">
+            <a:avLst/>
+          </a:prstGeom>
+        </p:spPr>
+      </p:pic>
+      <p:sp>
+        <p:nvSpPr>
+          <p:cNvPr id="10" name="Content Placeholder 9">
+            <a:extLst>
+              <a:ext uri="{FF2B5EF4-FFF2-40B4-BE49-F238E27FC236}">
+                <a16:creationId xmlns:a16="http://schemas.microsoft.com/office/drawing/2014/main" id="{33DA9118-07F2-E824-DC8F-9FF358C855DA}"/>
+              </a:ext>
+            </a:extLst>
+          </p:cNvPr>
+          <p:cNvSpPr>
+            <a:spLocks noGrp="1"/>
+          </p:cNvSpPr>
+          <p:nvPr>
+            <p:ph sz="quarter" idx="13"/>
+          </p:nvPr>
+        </p:nvSpPr>
+        <p:spPr>
+          <a:xfrm>
+            <a:off x="414696" y="1989138"/>
+            <a:ext cx="4168190" cy="3852862"/>
+          </a:xfrm>
+        </p:spPr>
+        <p:txBody>
+          <a:bodyPr/>
+          <a:lstStyle/>
+          <a:p>
+            <a:r>
+              <a:rPr lang="en-DK" dirty="0"/>
+              <a:t>Apache Kafka implements a series of tactics to accommodate Quality Attributes</a:t>
+            </a:r>
+          </a:p>
+          <a:p>
+            <a:r>
+              <a:rPr lang="en-DK" dirty="0"/>
+              <a:t>Quality attributes are used to define software qualities like performance or availability</a:t>
+            </a:r>
+          </a:p>
+          <a:p>
+            <a:r>
+              <a:rPr lang="en-DK" dirty="0"/>
+              <a:t>Tactics are ways of implementing these qualities</a:t>
+            </a:r>
+          </a:p>
+          <a:p>
+            <a:r>
+              <a:rPr lang="en-DK" dirty="0"/>
+              <a:t>Use an Intermediary</a:t>
+            </a:r>
+          </a:p>
+          <a:p>
+            <a:pPr lvl="1"/>
+            <a:r>
+              <a:rPr lang="en-DK" dirty="0"/>
+              <a:t>Kafka can act as an intermediary between services </a:t>
+            </a:r>
+          </a:p>
+          <a:p>
+            <a:pPr lvl="1"/>
+            <a:r>
+              <a:rPr lang="en-DK" dirty="0"/>
+              <a:t>limit dependencies </a:t>
+            </a:r>
+          </a:p>
+          <a:p>
+            <a:pPr lvl="1"/>
+            <a:r>
+              <a:rPr lang="en-DK" dirty="0"/>
+              <a:t>make it easier to integrate new services</a:t>
+            </a:r>
+          </a:p>
+          <a:p>
+            <a:r>
+              <a:rPr lang="en-DK" dirty="0"/>
+              <a:t>Restrict communication paths</a:t>
+            </a:r>
+          </a:p>
+          <a:p>
+            <a:pPr lvl="1"/>
+            <a:r>
+              <a:rPr lang="en-DK" dirty="0"/>
+              <a:t>Kafka reduces communication complexity, as every service communicates through kafka</a:t>
+            </a:r>
+          </a:p>
+          <a:p>
+            <a:pPr lvl="1"/>
+            <a:r>
+              <a:rPr lang="en-DK" dirty="0"/>
+              <a:t>Although topics have to managed</a:t>
+            </a:r>
+          </a:p>
+          <a:p>
+            <a:pPr marL="252000" lvl="1" indent="0">
+              <a:buNone/>
+            </a:pPr>
+            <a:endParaRPr lang="en-DK" dirty="0"/>
+          </a:p>
+        </p:txBody>
+      </p:sp>
+      <p:sp>
+        <p:nvSpPr>
+          <p:cNvPr id="16" name="Rounded Rectangle 15">
+            <a:extLst>
+              <a:ext uri="{FF2B5EF4-FFF2-40B4-BE49-F238E27FC236}">
+                <a16:creationId xmlns:a16="http://schemas.microsoft.com/office/drawing/2014/main" id="{5D360038-1011-C668-A2F9-1074A5B4DB9B}"/>
+              </a:ext>
+            </a:extLst>
+          </p:cNvPr>
+          <p:cNvSpPr/>
+          <p:nvPr/>
+        </p:nvSpPr>
+        <p:spPr>
+          <a:xfrm>
+            <a:off x="5787575" y="3969998"/>
+            <a:ext cx="2180767" cy="701040"/>
+          </a:xfrm>
+          <a:prstGeom prst="roundRect">
+            <a:avLst/>
+          </a:prstGeom>
+          <a:noFill/>
+          <a:ln w="57150">
+            <a:solidFill>
+              <a:schemeClr val="accent1"/>
+            </a:solidFill>
+          </a:ln>
+        </p:spPr>
+        <p:style>
+          <a:lnRef idx="2">
+            <a:schemeClr val="accent1">
+              <a:shade val="50000"/>
+            </a:schemeClr>
+          </a:lnRef>
+          <a:fillRef idx="1">
+            <a:schemeClr val="accent1"/>
+          </a:fillRef>
+          <a:effectRef idx="0">
+            <a:schemeClr val="accent1"/>
+          </a:effectRef>
+          <a:fontRef idx="minor">
+            <a:schemeClr val="lt1"/>
+          </a:fontRef>
+        </p:style>
+        <p:txBody>
+          <a:bodyPr lIns="72000" tIns="72000" rIns="72000" bIns="72000" rtlCol="0" anchor="ctr"/>
+          <a:lstStyle/>
+          <a:p>
+            <a:pPr algn="ctr"/>
+            <a:endParaRPr lang="en-DK" sz="1600" dirty="0" err="1"/>
+          </a:p>
+        </p:txBody>
+      </p:sp>
+    </p:spTree>
+    <p:extLst>
+      <p:ext uri="{BB962C8B-B14F-4D97-AF65-F5344CB8AC3E}">
+        <p14:creationId xmlns:p14="http://schemas.microsoft.com/office/powerpoint/2010/main" val="3601057507"/>
+      </p:ext>
+    </p:extLst>
+  </p:cSld>
+  <p:clrMapOvr>
+    <a:masterClrMapping/>
+  </p:clrMapOvr>
+  <mc:AlternateContent xmlns:mc="http://schemas.openxmlformats.org/markup-compatibility/2006" xmlns:p159="http://schemas.microsoft.com/office/powerpoint/2015/09/main">
+    <mc:Choice Requires="p159">
+      <p:transition spd="med">
+        <p159:morph option="byObject"/>
+      </p:transition>
+    </mc:Choice>
+    <mc:Fallback xmlns="">
+      <p:transition spd="med">
+        <p:fade/>
+      </p:transition>
+    </mc:Fallback>
+  </mc:AlternateContent>
+</p:sld>
+</file>
+
+<file path=ppt/slides/slide12.xml><?xml version="1.0" encoding="utf-8"?>
+<p:sld xmlns:a="http://schemas.openxmlformats.org/drawingml/2006/main" xmlns:r="http://schemas.openxmlformats.org/officeDocument/2006/relationships" xmlns:p="http://schemas.openxmlformats.org/presentationml/2006/main">
+  <p:cSld>
+    <p:spTree>
+      <p:nvGrpSpPr>
+        <p:cNvPr id="1" name=""/>
+        <p:cNvGrpSpPr/>
+        <p:nvPr/>
+      </p:nvGrpSpPr>
+      <p:grpSpPr>
+        <a:xfrm>
+          <a:off x="0" y="0"/>
+          <a:ext cx="0" cy="0"/>
+          <a:chOff x="0" y="0"/>
+          <a:chExt cx="0" cy="0"/>
+        </a:xfrm>
+      </p:grpSpPr>
+      <p:sp>
+        <p:nvSpPr>
+          <p:cNvPr id="2" name="Title 1">
+            <a:extLst>
+              <a:ext uri="{FF2B5EF4-FFF2-40B4-BE49-F238E27FC236}">
+                <a16:creationId xmlns:a16="http://schemas.microsoft.com/office/drawing/2014/main" id="{4929F187-137B-09F9-DA95-585CAD06BBE7}"/>
+              </a:ext>
+            </a:extLst>
+          </p:cNvPr>
+          <p:cNvSpPr>
+            <a:spLocks noGrp="1"/>
+          </p:cNvSpPr>
+          <p:nvPr>
+            <p:ph type="ctrTitle"/>
+          </p:nvPr>
+        </p:nvSpPr>
+        <p:spPr/>
+        <p:txBody>
+          <a:bodyPr/>
+          <a:lstStyle/>
+          <a:p>
+            <a:r>
+              <a:rPr lang="en-DK" dirty="0"/>
+              <a:t>How is it related to this course?</a:t>
+            </a:r>
+          </a:p>
+        </p:txBody>
+      </p:sp>
+      <p:sp>
+        <p:nvSpPr>
+          <p:cNvPr id="5" name="Date Placeholder 4">
+            <a:extLst>
+              <a:ext uri="{FF2B5EF4-FFF2-40B4-BE49-F238E27FC236}">
+                <a16:creationId xmlns:a16="http://schemas.microsoft.com/office/drawing/2014/main" id="{83D1C22F-4D25-B6DF-4DF8-E1D483E79E97}"/>
+              </a:ext>
+            </a:extLst>
+          </p:cNvPr>
+          <p:cNvSpPr>
+            <a:spLocks noGrp="1"/>
+          </p:cNvSpPr>
+          <p:nvPr>
+            <p:ph type="dt" sz="half" idx="2"/>
+          </p:nvPr>
+        </p:nvSpPr>
+        <p:spPr/>
+        <p:txBody>
+          <a:bodyPr/>
+          <a:lstStyle/>
+          <a:p>
+            <a:fld id="{FFC9C885-39AE-2648-B6A9-BF19BED085A3}" type="datetime1">
+              <a:rPr lang="en-GB" smtClean="0"/>
+              <a:t>09/02/2023</a:t>
+            </a:fld>
+            <a:endParaRPr lang="en-GB" dirty="0"/>
+          </a:p>
+        </p:txBody>
+      </p:sp>
+      <p:sp>
+        <p:nvSpPr>
+          <p:cNvPr id="6" name="Footer Placeholder 5">
+            <a:extLst>
+              <a:ext uri="{FF2B5EF4-FFF2-40B4-BE49-F238E27FC236}">
+                <a16:creationId xmlns:a16="http://schemas.microsoft.com/office/drawing/2014/main" id="{AC4A3535-9EAF-439B-89F9-877FC7B044B2}"/>
+              </a:ext>
+            </a:extLst>
+          </p:cNvPr>
+          <p:cNvSpPr>
+            <a:spLocks noGrp="1"/>
+          </p:cNvSpPr>
+          <p:nvPr>
+            <p:ph type="ftr" sz="quarter" idx="14"/>
+          </p:nvPr>
+        </p:nvSpPr>
+        <p:spPr/>
+        <p:txBody>
+          <a:bodyPr/>
+          <a:lstStyle/>
+          <a:p>
+            <a:endParaRPr lang="en-GB" dirty="0"/>
+          </a:p>
+        </p:txBody>
+      </p:sp>
+      <p:sp>
+        <p:nvSpPr>
+          <p:cNvPr id="7" name="Slide Number Placeholder 6">
+            <a:extLst>
+              <a:ext uri="{FF2B5EF4-FFF2-40B4-BE49-F238E27FC236}">
+                <a16:creationId xmlns:a16="http://schemas.microsoft.com/office/drawing/2014/main" id="{8522C9E3-71F3-53D4-3200-0EB2E6A82E13}"/>
+              </a:ext>
+            </a:extLst>
+          </p:cNvPr>
+          <p:cNvSpPr>
+            <a:spLocks noGrp="1"/>
+          </p:cNvSpPr>
+          <p:nvPr>
+            <p:ph type="sldNum" sz="quarter" idx="15"/>
+          </p:nvPr>
+        </p:nvSpPr>
+        <p:spPr/>
+        <p:txBody>
+          <a:bodyPr/>
+          <a:lstStyle/>
+          <a:p>
+            <a:fld id="{45D37B1E-C366-494F-A587-962AD9AABC83}" type="slidenum">
+              <a:rPr lang="en-GB" smtClean="0"/>
+              <a:pPr/>
+              <a:t>12</a:t>
             </a:fld>
             <a:endParaRPr lang="en-GB" dirty="0"/>
           </a:p>
@@ -32936,7 +33297,7 @@
 </p:sld>
 </file>
 
-<file path=ppt/slides/slide12.xml><?xml version="1.0" encoding="utf-8"?>
+<file path=ppt/slides/slide13.xml><?xml version="1.0" encoding="utf-8"?>
 <p:sld xmlns:a="http://schemas.openxmlformats.org/drawingml/2006/main" xmlns:r="http://schemas.openxmlformats.org/officeDocument/2006/relationships" xmlns:p="http://schemas.openxmlformats.org/presentationml/2006/main">
   <p:cSld>
     <p:spTree>
@@ -33004,7 +33365,7 @@
           <a:p>
             <a:fld id="{FFC9C885-39AE-2648-B6A9-BF19BED085A3}" type="datetime1">
               <a:rPr lang="en-GB" smtClean="0"/>
-              <a:t>08/02/2023</a:t>
+              <a:t>09/02/2023</a:t>
             </a:fld>
             <a:endParaRPr lang="en-GB" dirty="0"/>
           </a:p>
@@ -33059,7 +33420,7 @@
             <a:fld id="{45D37B1E-C366-494F-A587-962AD9AABC83}" type="slidenum">
               <a:rPr lang="en-GB" smtClean="0"/>
               <a:pPr/>
-              <a:t>12</a:t>
+              <a:t>13</a:t>
             </a:fld>
             <a:endParaRPr lang="en-GB" dirty="0"/>
           </a:p>
@@ -33291,7 +33652,245 @@
 </p:sld>
 </file>
 
-<file path=ppt/slides/slide13.xml><?xml version="1.0" encoding="utf-8"?>
+<file path=ppt/slides/slide14.xml><?xml version="1.0" encoding="utf-8"?>
+<p:sld xmlns:a="http://schemas.openxmlformats.org/drawingml/2006/main" xmlns:r="http://schemas.openxmlformats.org/officeDocument/2006/relationships" xmlns:p="http://schemas.openxmlformats.org/presentationml/2006/main">
+  <p:cSld>
+    <p:spTree>
+      <p:nvGrpSpPr>
+        <p:cNvPr id="1" name=""/>
+        <p:cNvGrpSpPr/>
+        <p:nvPr/>
+      </p:nvGrpSpPr>
+      <p:grpSpPr>
+        <a:xfrm>
+          <a:off x="0" y="0"/>
+          <a:ext cx="0" cy="0"/>
+          <a:chOff x="0" y="0"/>
+          <a:chExt cx="0" cy="0"/>
+        </a:xfrm>
+      </p:grpSpPr>
+      <p:pic>
+        <p:nvPicPr>
+          <p:cNvPr id="12" name="Picture 11" descr="3D black question marks with one yellow question mark">
+            <a:extLst>
+              <a:ext uri="{FF2B5EF4-FFF2-40B4-BE49-F238E27FC236}">
+                <a16:creationId xmlns:a16="http://schemas.microsoft.com/office/drawing/2014/main" id="{789C5D9C-046B-CEF1-271F-5F3A16837C23}"/>
+              </a:ext>
+            </a:extLst>
+          </p:cNvPr>
+          <p:cNvPicPr>
+            <a:picLocks noChangeAspect="1"/>
+          </p:cNvPicPr>
+          <p:nvPr/>
+        </p:nvPicPr>
+        <p:blipFill rotWithShape="1">
+          <a:blip r:embed="rId2"/>
+          <a:srcRect l="45203" r="22335" b="1"/>
+          <a:stretch/>
+        </p:blipFill>
+        <p:spPr>
+          <a:xfrm>
+            <a:off x="20" y="10"/>
+            <a:ext cx="6099280" cy="6857990"/>
+          </a:xfrm>
+          <a:prstGeom prst="rect">
+            <a:avLst/>
+          </a:prstGeom>
+          <a:noFill/>
+        </p:spPr>
+      </p:pic>
+      <p:sp>
+        <p:nvSpPr>
+          <p:cNvPr id="2" name="Title 1">
+            <a:extLst>
+              <a:ext uri="{FF2B5EF4-FFF2-40B4-BE49-F238E27FC236}">
+                <a16:creationId xmlns:a16="http://schemas.microsoft.com/office/drawing/2014/main" id="{4929F187-137B-09F9-DA95-585CAD06BBE7}"/>
+              </a:ext>
+            </a:extLst>
+          </p:cNvPr>
+          <p:cNvSpPr>
+            <a:spLocks noGrp="1"/>
+          </p:cNvSpPr>
+          <p:nvPr>
+            <p:ph type="title"/>
+          </p:nvPr>
+        </p:nvSpPr>
+        <p:spPr>
+          <a:xfrm>
+            <a:off x="6692401" y="1076109"/>
+            <a:ext cx="4680000" cy="1822734"/>
+          </a:xfrm>
+        </p:spPr>
+        <p:txBody>
+          <a:bodyPr anchor="t">
+            <a:normAutofit/>
+          </a:bodyPr>
+          <a:lstStyle/>
+          <a:p>
+            <a:r>
+              <a:rPr lang="en-DK" dirty="0"/>
+              <a:t>Any Questions?</a:t>
+            </a:r>
+          </a:p>
+        </p:txBody>
+      </p:sp>
+      <p:sp>
+        <p:nvSpPr>
+          <p:cNvPr id="13" name="Content Placeholder 3">
+            <a:extLst>
+              <a:ext uri="{FF2B5EF4-FFF2-40B4-BE49-F238E27FC236}">
+                <a16:creationId xmlns:a16="http://schemas.microsoft.com/office/drawing/2014/main" id="{1E453E44-3CFD-BCD2-185B-361801598E97}"/>
+              </a:ext>
+            </a:extLst>
+          </p:cNvPr>
+          <p:cNvSpPr>
+            <a:spLocks noGrp="1"/>
+          </p:cNvSpPr>
+          <p:nvPr>
+            <p:ph sz="quarter" idx="19"/>
+          </p:nvPr>
+        </p:nvSpPr>
+        <p:spPr>
+          <a:xfrm>
+            <a:off x="6692400" y="3387600"/>
+            <a:ext cx="4680000" cy="2466000"/>
+          </a:xfrm>
+        </p:spPr>
+        <p:txBody>
+          <a:bodyPr/>
+          <a:lstStyle/>
+          <a:p>
+            <a:r>
+              <a:rPr lang="en-US" dirty="0"/>
+              <a:t>Optional: For a more detailed introduction, a Kafka 101 course by Confluent: </a:t>
+            </a:r>
+            <a:r>
+              <a:rPr lang="en-US" dirty="0">
+                <a:hlinkClick r:id="rId3"/>
+              </a:rPr>
+              <a:t>https://www.youtube.com/playlist?list=PLa7VYi0yPIH0KbnJQcMv5N9iW8HkZHztH</a:t>
+            </a:r>
+            <a:r>
+              <a:rPr lang="en-US" dirty="0"/>
+              <a:t> </a:t>
+            </a:r>
+          </a:p>
+        </p:txBody>
+      </p:sp>
+      <p:sp>
+        <p:nvSpPr>
+          <p:cNvPr id="5" name="Date Placeholder 4">
+            <a:extLst>
+              <a:ext uri="{FF2B5EF4-FFF2-40B4-BE49-F238E27FC236}">
+                <a16:creationId xmlns:a16="http://schemas.microsoft.com/office/drawing/2014/main" id="{83D1C22F-4D25-B6DF-4DF8-E1D483E79E97}"/>
+              </a:ext>
+            </a:extLst>
+          </p:cNvPr>
+          <p:cNvSpPr>
+            <a:spLocks noGrp="1"/>
+          </p:cNvSpPr>
+          <p:nvPr>
+            <p:ph type="dt" sz="half" idx="4294967295"/>
+          </p:nvPr>
+        </p:nvSpPr>
+        <p:spPr>
+          <a:xfrm>
+            <a:off x="0" y="6912000"/>
+            <a:ext cx="0" cy="0"/>
+          </a:xfrm>
+        </p:spPr>
+        <p:txBody>
+          <a:bodyPr/>
+          <a:lstStyle/>
+          <a:p>
+            <a:pPr>
+              <a:spcAft>
+                <a:spcPts val="600"/>
+              </a:spcAft>
+            </a:pPr>
+            <a:fld id="{FFC9C885-39AE-2648-B6A9-BF19BED085A3}" type="datetime1">
+              <a:rPr lang="en-GB" smtClean="0"/>
+              <a:pPr>
+                <a:spcAft>
+                  <a:spcPts val="600"/>
+                </a:spcAft>
+              </a:pPr>
+              <a:t>09/02/2023</a:t>
+            </a:fld>
+            <a:endParaRPr lang="en-GB"/>
+          </a:p>
+        </p:txBody>
+      </p:sp>
+      <p:sp>
+        <p:nvSpPr>
+          <p:cNvPr id="7" name="Slide Number Placeholder 6">
+            <a:extLst>
+              <a:ext uri="{FF2B5EF4-FFF2-40B4-BE49-F238E27FC236}">
+                <a16:creationId xmlns:a16="http://schemas.microsoft.com/office/drawing/2014/main" id="{8522C9E3-71F3-53D4-3200-0EB2E6A82E13}"/>
+              </a:ext>
+            </a:extLst>
+          </p:cNvPr>
+          <p:cNvSpPr>
+            <a:spLocks noGrp="1"/>
+          </p:cNvSpPr>
+          <p:nvPr>
+            <p:ph type="sldNum" sz="quarter" idx="4294967295"/>
+          </p:nvPr>
+        </p:nvSpPr>
+        <p:spPr>
+          <a:xfrm>
+            <a:off x="0" y="6912000"/>
+            <a:ext cx="0" cy="0"/>
+          </a:xfrm>
+        </p:spPr>
+        <p:txBody>
+          <a:bodyPr/>
+          <a:lstStyle/>
+          <a:p>
+            <a:pPr>
+              <a:spcAft>
+                <a:spcPts val="600"/>
+              </a:spcAft>
+            </a:pPr>
+            <a:fld id="{45D37B1E-C366-494F-A587-962AD9AABC83}" type="slidenum">
+              <a:rPr lang="en-GB" smtClean="0"/>
+              <a:pPr>
+                <a:spcAft>
+                  <a:spcPts val="600"/>
+                </a:spcAft>
+              </a:pPr>
+              <a:t>14</a:t>
+            </a:fld>
+            <a:endParaRPr lang="en-GB"/>
+          </a:p>
+        </p:txBody>
+      </p:sp>
+    </p:spTree>
+    <p:extLst>
+      <p:ext uri="{BB962C8B-B14F-4D97-AF65-F5344CB8AC3E}">
+        <p14:creationId xmlns:p14="http://schemas.microsoft.com/office/powerpoint/2010/main" val="3696644787"/>
+      </p:ext>
+    </p:extLst>
+  </p:cSld>
+  <p:clrMapOvr>
+    <a:masterClrMapping/>
+  </p:clrMapOvr>
+  <mc:AlternateContent xmlns:mc="http://schemas.openxmlformats.org/markup-compatibility/2006" xmlns:p159="http://schemas.microsoft.com/office/powerpoint/2015/09/main">
+    <mc:Choice Requires="p159">
+      <p:transition spd="med">
+        <p159:morph option="byObject"/>
+      </p:transition>
+    </mc:Choice>
+    <mc:Fallback xmlns="">
+      <p:transition spd="med">
+        <p:fade/>
+      </p:transition>
+    </mc:Fallback>
+  </mc:AlternateContent>
+</p:sld>
+</file>
+
+<file path=ppt/slides/slide15.xml><?xml version="1.0" encoding="utf-8"?>
 <p:sld xmlns:a="http://schemas.openxmlformats.org/drawingml/2006/main" xmlns:r="http://schemas.openxmlformats.org/officeDocument/2006/relationships" xmlns:p="http://schemas.openxmlformats.org/presentationml/2006/main">
   <p:cSld>
     <p:spTree>
@@ -33549,7 +34148,7 @@
                   <a:spcPts val="600"/>
                 </a:spcAft>
               </a:pPr>
-              <a:t>08/02/2023</a:t>
+              <a:t>09/02/2023</a:t>
             </a:fld>
             <a:endParaRPr lang="en-GB"/>
           </a:p>
@@ -33593,7 +34192,7 @@
                   <a:spcPts val="600"/>
                 </a:spcAft>
               </a:pPr>
-              <a:t>13</a:t>
+              <a:t>15</a:t>
             </a:fld>
             <a:endParaRPr lang="en-GB"/>
           </a:p>
@@ -33624,7 +34223,7 @@
 </p:sld>
 </file>
 
-<file path=ppt/slides/slide14.xml><?xml version="1.0" encoding="utf-8"?>
+<file path=ppt/slides/slide16.xml><?xml version="1.0" encoding="utf-8"?>
 <p:sld xmlns:a="http://schemas.openxmlformats.org/drawingml/2006/main" xmlns:r="http://schemas.openxmlformats.org/officeDocument/2006/relationships" xmlns:p="http://schemas.openxmlformats.org/presentationml/2006/main">
   <p:cSld>
     <p:spTree>
@@ -33739,7 +34338,7 @@
                   <a:spcPts val="600"/>
                 </a:spcAft>
               </a:pPr>
-              <a:t>08/02/2023</a:t>
+              <a:t>09/02/2023</a:t>
             </a:fld>
             <a:endParaRPr lang="en-GB"/>
           </a:p>
@@ -33778,7 +34377,7 @@
                   <a:spcPts val="600"/>
                 </a:spcAft>
               </a:pPr>
-              <a:t>14</a:t>
+              <a:t>16</a:t>
             </a:fld>
             <a:endParaRPr lang="en-GB"/>
           </a:p>
@@ -33840,7 +34439,7 @@
 </p:sld>
 </file>
 
-<file path=ppt/slides/slide15.xml><?xml version="1.0" encoding="utf-8"?>
+<file path=ppt/slides/slide17.xml><?xml version="1.0" encoding="utf-8"?>
 <p:sld xmlns:a="http://schemas.openxmlformats.org/drawingml/2006/main" xmlns:r="http://schemas.openxmlformats.org/officeDocument/2006/relationships" xmlns:p="http://schemas.openxmlformats.org/presentationml/2006/main">
   <p:cSld>
     <p:spTree>
@@ -33955,7 +34554,7 @@
                   <a:spcPts val="600"/>
                 </a:spcAft>
               </a:pPr>
-              <a:t>08/02/2023</a:t>
+              <a:t>09/02/2023</a:t>
             </a:fld>
             <a:endParaRPr lang="en-GB"/>
           </a:p>
@@ -33994,7 +34593,7 @@
                   <a:spcPts val="600"/>
                 </a:spcAft>
               </a:pPr>
-              <a:t>15</a:t>
+              <a:t>17</a:t>
             </a:fld>
             <a:endParaRPr lang="en-GB"/>
           </a:p>
@@ -34056,504 +34655,6 @@
 </p:sld>
 </file>
 
-<file path=ppt/slides/slide16.xml><?xml version="1.0" encoding="utf-8"?>
-<p:sld xmlns:a="http://schemas.openxmlformats.org/drawingml/2006/main" xmlns:r="http://schemas.openxmlformats.org/officeDocument/2006/relationships" xmlns:p="http://schemas.openxmlformats.org/presentationml/2006/main">
-  <p:cSld>
-    <p:spTree>
-      <p:nvGrpSpPr>
-        <p:cNvPr id="1" name=""/>
-        <p:cNvGrpSpPr/>
-        <p:nvPr/>
-      </p:nvGrpSpPr>
-      <p:grpSpPr>
-        <a:xfrm>
-          <a:off x="0" y="0"/>
-          <a:ext cx="0" cy="0"/>
-          <a:chOff x="0" y="0"/>
-          <a:chExt cx="0" cy="0"/>
-        </a:xfrm>
-      </p:grpSpPr>
-      <p:sp>
-        <p:nvSpPr>
-          <p:cNvPr id="2" name="Title 1">
-            <a:extLst>
-              <a:ext uri="{FF2B5EF4-FFF2-40B4-BE49-F238E27FC236}">
-                <a16:creationId xmlns:a16="http://schemas.microsoft.com/office/drawing/2014/main" id="{0041CB44-F1D6-A4F5-AE7F-D53D9F721DA3}"/>
-              </a:ext>
-            </a:extLst>
-          </p:cNvPr>
-          <p:cNvSpPr>
-            <a:spLocks noGrp="1"/>
-          </p:cNvSpPr>
-          <p:nvPr>
-            <p:ph type="ctrTitle"/>
-          </p:nvPr>
-        </p:nvSpPr>
-        <p:spPr/>
-        <p:txBody>
-          <a:bodyPr/>
-          <a:lstStyle/>
-          <a:p>
-            <a:r>
-              <a:rPr lang="en-DK" dirty="0"/>
-              <a:t>Kafka Exercise #3 - The First Message!</a:t>
-            </a:r>
-          </a:p>
-        </p:txBody>
-      </p:sp>
-      <p:sp>
-        <p:nvSpPr>
-          <p:cNvPr id="3" name="Content Placeholder 2">
-            <a:extLst>
-              <a:ext uri="{FF2B5EF4-FFF2-40B4-BE49-F238E27FC236}">
-                <a16:creationId xmlns:a16="http://schemas.microsoft.com/office/drawing/2014/main" id="{8DD58D5C-5916-E306-32AF-BE3F1F5A2FC4}"/>
-              </a:ext>
-            </a:extLst>
-          </p:cNvPr>
-          <p:cNvSpPr>
-            <a:spLocks noGrp="1"/>
-          </p:cNvSpPr>
-          <p:nvPr>
-            <p:ph sz="quarter" idx="13"/>
-          </p:nvPr>
-        </p:nvSpPr>
-        <p:spPr/>
-        <p:txBody>
-          <a:bodyPr/>
-          <a:lstStyle/>
-          <a:p>
-            <a:r>
-              <a:rPr lang="en-DK" b="1" dirty="0"/>
-              <a:t>Do you choose .Net or Python? </a:t>
-            </a:r>
-          </a:p>
-          <a:p>
-            <a:r>
-              <a:rPr lang="en-GB" dirty="0"/>
-              <a:t>Publish one message per second, containing "{'test_key':'</a:t>
-            </a:r>
-            <a:r>
-              <a:rPr lang="en-GB" dirty="0" err="1"/>
-              <a:t>test_value</a:t>
-            </a:r>
-            <a:r>
-              <a:rPr lang="en-GB" dirty="0"/>
-              <a:t>'}"</a:t>
-            </a:r>
-          </a:p>
-          <a:p>
-            <a:r>
-              <a:rPr lang="en-GB" dirty="0"/>
-              <a:t>Use the template for the producer to send your input to a </a:t>
-            </a:r>
-            <a:r>
-              <a:rPr lang="en-GB" dirty="0" err="1"/>
-              <a:t>kafka</a:t>
-            </a:r>
-            <a:r>
-              <a:rPr lang="en-GB" dirty="0"/>
-              <a:t> topic</a:t>
-            </a:r>
-          </a:p>
-          <a:p>
-            <a:r>
-              <a:rPr lang="en-GB" dirty="0"/>
-              <a:t>Start the producer with the following commands: (assuming your terminal is located inside the producer directory)</a:t>
-            </a:r>
-          </a:p>
-          <a:p>
-            <a:pPr lvl="1"/>
-            <a:r>
-              <a:rPr lang="en-GB" dirty="0"/>
-              <a:t>Build the docker image</a:t>
-            </a:r>
-          </a:p>
-          <a:p>
-            <a:pPr lvl="2"/>
-            <a:r>
-              <a:rPr lang="en-GB" dirty="0"/>
-              <a:t>docker build . -t </a:t>
-            </a:r>
-            <a:r>
-              <a:rPr lang="en-GB" dirty="0" err="1"/>
-              <a:t>producer-client:latest</a:t>
-            </a:r>
-            <a:endParaRPr lang="en-GB" dirty="0"/>
-          </a:p>
-          <a:p>
-            <a:pPr lvl="1"/>
-            <a:r>
-              <a:rPr lang="en-GB" dirty="0"/>
-              <a:t>run the docker image</a:t>
-            </a:r>
-          </a:p>
-          <a:p>
-            <a:pPr lvl="2"/>
-            <a:r>
-              <a:rPr lang="en-GB" dirty="0"/>
-              <a:t>docker run --rm -it --network </a:t>
-            </a:r>
-            <a:r>
-              <a:rPr lang="en-GB" dirty="0" err="1"/>
-              <a:t>shared_network</a:t>
-            </a:r>
-            <a:r>
-              <a:rPr lang="en-GB" dirty="0"/>
-              <a:t> --name producer producer-client</a:t>
-            </a:r>
-          </a:p>
-          <a:p>
-            <a:endParaRPr lang="en-DK" dirty="0"/>
-          </a:p>
-        </p:txBody>
-      </p:sp>
-      <p:sp>
-        <p:nvSpPr>
-          <p:cNvPr id="4" name="Date Placeholder 3">
-            <a:extLst>
-              <a:ext uri="{FF2B5EF4-FFF2-40B4-BE49-F238E27FC236}">
-                <a16:creationId xmlns:a16="http://schemas.microsoft.com/office/drawing/2014/main" id="{5A6F871F-AC70-9871-1B04-6A40348051C6}"/>
-              </a:ext>
-            </a:extLst>
-          </p:cNvPr>
-          <p:cNvSpPr>
-            <a:spLocks noGrp="1"/>
-          </p:cNvSpPr>
-          <p:nvPr>
-            <p:ph type="dt" sz="half" idx="2"/>
-          </p:nvPr>
-        </p:nvSpPr>
-        <p:spPr/>
-        <p:txBody>
-          <a:bodyPr/>
-          <a:lstStyle/>
-          <a:p>
-            <a:fld id="{1372A5CE-9B28-3845-AFE6-A0F41B32F731}" type="datetime1">
-              <a:rPr lang="en-GB" smtClean="0"/>
-              <a:t>08/02/2023</a:t>
-            </a:fld>
-            <a:endParaRPr lang="en-GB" dirty="0"/>
-          </a:p>
-        </p:txBody>
-      </p:sp>
-      <p:sp>
-        <p:nvSpPr>
-          <p:cNvPr id="5" name="Footer Placeholder 4">
-            <a:extLst>
-              <a:ext uri="{FF2B5EF4-FFF2-40B4-BE49-F238E27FC236}">
-                <a16:creationId xmlns:a16="http://schemas.microsoft.com/office/drawing/2014/main" id="{447915CE-61EA-AA4A-D09A-16959D0A3076}"/>
-              </a:ext>
-            </a:extLst>
-          </p:cNvPr>
-          <p:cNvSpPr>
-            <a:spLocks noGrp="1"/>
-          </p:cNvSpPr>
-          <p:nvPr>
-            <p:ph type="ftr" sz="quarter" idx="14"/>
-          </p:nvPr>
-        </p:nvSpPr>
-        <p:spPr/>
-        <p:txBody>
-          <a:bodyPr/>
-          <a:lstStyle/>
-          <a:p>
-            <a:endParaRPr lang="en-GB" dirty="0"/>
-          </a:p>
-        </p:txBody>
-      </p:sp>
-      <p:sp>
-        <p:nvSpPr>
-          <p:cNvPr id="6" name="Slide Number Placeholder 5">
-            <a:extLst>
-              <a:ext uri="{FF2B5EF4-FFF2-40B4-BE49-F238E27FC236}">
-                <a16:creationId xmlns:a16="http://schemas.microsoft.com/office/drawing/2014/main" id="{DFA21465-B927-3AC3-B2B1-C3E91B54E315}"/>
-              </a:ext>
-            </a:extLst>
-          </p:cNvPr>
-          <p:cNvSpPr>
-            <a:spLocks noGrp="1"/>
-          </p:cNvSpPr>
-          <p:nvPr>
-            <p:ph type="sldNum" sz="quarter" idx="15"/>
-          </p:nvPr>
-        </p:nvSpPr>
-        <p:spPr/>
-        <p:txBody>
-          <a:bodyPr/>
-          <a:lstStyle/>
-          <a:p>
-            <a:fld id="{45D37B1E-C366-494F-A587-962AD9AABC83}" type="slidenum">
-              <a:rPr lang="en-GB" smtClean="0"/>
-              <a:pPr/>
-              <a:t>16</a:t>
-            </a:fld>
-            <a:endParaRPr lang="en-GB" dirty="0"/>
-          </a:p>
-        </p:txBody>
-      </p:sp>
-    </p:spTree>
-    <p:extLst>
-      <p:ext uri="{BB962C8B-B14F-4D97-AF65-F5344CB8AC3E}">
-        <p14:creationId xmlns:p14="http://schemas.microsoft.com/office/powerpoint/2010/main" val="3563189546"/>
-      </p:ext>
-    </p:extLst>
-  </p:cSld>
-  <p:clrMapOvr>
-    <a:masterClrMapping/>
-  </p:clrMapOvr>
-  <mc:AlternateContent xmlns:mc="http://schemas.openxmlformats.org/markup-compatibility/2006" xmlns:p159="http://schemas.microsoft.com/office/powerpoint/2015/09/main">
-    <mc:Choice Requires="p159">
-      <p:transition spd="med">
-        <p159:morph option="byObject"/>
-      </p:transition>
-    </mc:Choice>
-    <mc:Fallback xmlns="">
-      <p:transition spd="med">
-        <p:fade/>
-      </p:transition>
-    </mc:Fallback>
-  </mc:AlternateContent>
-</p:sld>
-</file>
-
-<file path=ppt/slides/slide17.xml><?xml version="1.0" encoding="utf-8"?>
-<p:sld xmlns:a="http://schemas.openxmlformats.org/drawingml/2006/main" xmlns:r="http://schemas.openxmlformats.org/officeDocument/2006/relationships" xmlns:p="http://schemas.openxmlformats.org/presentationml/2006/main">
-  <p:cSld>
-    <p:spTree>
-      <p:nvGrpSpPr>
-        <p:cNvPr id="1" name=""/>
-        <p:cNvGrpSpPr/>
-        <p:nvPr/>
-      </p:nvGrpSpPr>
-      <p:grpSpPr>
-        <a:xfrm>
-          <a:off x="0" y="0"/>
-          <a:ext cx="0" cy="0"/>
-          <a:chOff x="0" y="0"/>
-          <a:chExt cx="0" cy="0"/>
-        </a:xfrm>
-      </p:grpSpPr>
-      <p:sp>
-        <p:nvSpPr>
-          <p:cNvPr id="2" name="Title 1">
-            <a:extLst>
-              <a:ext uri="{FF2B5EF4-FFF2-40B4-BE49-F238E27FC236}">
-                <a16:creationId xmlns:a16="http://schemas.microsoft.com/office/drawing/2014/main" id="{0041CB44-F1D6-A4F5-AE7F-D53D9F721DA3}"/>
-              </a:ext>
-            </a:extLst>
-          </p:cNvPr>
-          <p:cNvSpPr>
-            <a:spLocks noGrp="1"/>
-          </p:cNvSpPr>
-          <p:nvPr>
-            <p:ph type="ctrTitle"/>
-          </p:nvPr>
-        </p:nvSpPr>
-        <p:spPr/>
-        <p:txBody>
-          <a:bodyPr/>
-          <a:lstStyle/>
-          <a:p>
-            <a:r>
-              <a:rPr lang="en-DK" dirty="0"/>
-              <a:t>Kafka Exercise #4 - The First Message, Received!</a:t>
-            </a:r>
-          </a:p>
-        </p:txBody>
-      </p:sp>
-      <p:sp>
-        <p:nvSpPr>
-          <p:cNvPr id="3" name="Content Placeholder 2">
-            <a:extLst>
-              <a:ext uri="{FF2B5EF4-FFF2-40B4-BE49-F238E27FC236}">
-                <a16:creationId xmlns:a16="http://schemas.microsoft.com/office/drawing/2014/main" id="{8DD58D5C-5916-E306-32AF-BE3F1F5A2FC4}"/>
-              </a:ext>
-            </a:extLst>
-          </p:cNvPr>
-          <p:cNvSpPr>
-            <a:spLocks noGrp="1"/>
-          </p:cNvSpPr>
-          <p:nvPr>
-            <p:ph sz="quarter" idx="13"/>
-          </p:nvPr>
-        </p:nvSpPr>
-        <p:spPr/>
-        <p:txBody>
-          <a:bodyPr/>
-          <a:lstStyle/>
-          <a:p>
-            <a:r>
-              <a:rPr lang="en-GB" dirty="0"/>
-              <a:t>Subscribe to the topic you are publishing messages to!</a:t>
-            </a:r>
-          </a:p>
-          <a:p>
-            <a:r>
-              <a:rPr lang="en-GB" dirty="0"/>
-              <a:t>Modify the subscriber template to subscribe to the topic where your producer publishes the messages</a:t>
-            </a:r>
-          </a:p>
-          <a:p>
-            <a:r>
-              <a:rPr lang="en-GB" dirty="0"/>
-              <a:t>Start the consumer with the following commands (assuming your terminal is located inside the consumer directory)</a:t>
-            </a:r>
-          </a:p>
-          <a:p>
-            <a:pPr lvl="1"/>
-            <a:r>
-              <a:rPr lang="en-GB" dirty="0"/>
-              <a:t>Build the docker image</a:t>
-            </a:r>
-          </a:p>
-          <a:p>
-            <a:pPr lvl="2"/>
-            <a:r>
-              <a:rPr lang="en-GB" dirty="0"/>
-              <a:t>docker build . -t </a:t>
-            </a:r>
-            <a:r>
-              <a:rPr lang="en-GB" dirty="0" err="1"/>
-              <a:t>consumer-client:latest</a:t>
-            </a:r>
-            <a:endParaRPr lang="en-GB" dirty="0"/>
-          </a:p>
-          <a:p>
-            <a:pPr lvl="1"/>
-            <a:r>
-              <a:rPr lang="en-GB" dirty="0"/>
-              <a:t>run the docker image</a:t>
-            </a:r>
-          </a:p>
-          <a:p>
-            <a:pPr lvl="2"/>
-            <a:r>
-              <a:rPr lang="en-GB" dirty="0"/>
-              <a:t>docker run --rm -it --network </a:t>
-            </a:r>
-            <a:r>
-              <a:rPr lang="en-GB" dirty="0" err="1"/>
-              <a:t>shared_network</a:t>
-            </a:r>
-            <a:r>
-              <a:rPr lang="en-GB" dirty="0"/>
-              <a:t> --name consumer consumer-client</a:t>
-            </a:r>
-          </a:p>
-          <a:p>
-            <a:endParaRPr lang="en-DK" dirty="0"/>
-          </a:p>
-        </p:txBody>
-      </p:sp>
-      <p:sp>
-        <p:nvSpPr>
-          <p:cNvPr id="4" name="Date Placeholder 3">
-            <a:extLst>
-              <a:ext uri="{FF2B5EF4-FFF2-40B4-BE49-F238E27FC236}">
-                <a16:creationId xmlns:a16="http://schemas.microsoft.com/office/drawing/2014/main" id="{5A6F871F-AC70-9871-1B04-6A40348051C6}"/>
-              </a:ext>
-            </a:extLst>
-          </p:cNvPr>
-          <p:cNvSpPr>
-            <a:spLocks noGrp="1"/>
-          </p:cNvSpPr>
-          <p:nvPr>
-            <p:ph type="dt" sz="half" idx="2"/>
-          </p:nvPr>
-        </p:nvSpPr>
-        <p:spPr/>
-        <p:txBody>
-          <a:bodyPr/>
-          <a:lstStyle/>
-          <a:p>
-            <a:fld id="{1372A5CE-9B28-3845-AFE6-A0F41B32F731}" type="datetime1">
-              <a:rPr lang="en-GB" smtClean="0"/>
-              <a:t>08/02/2023</a:t>
-            </a:fld>
-            <a:endParaRPr lang="en-GB" dirty="0"/>
-          </a:p>
-        </p:txBody>
-      </p:sp>
-      <p:sp>
-        <p:nvSpPr>
-          <p:cNvPr id="5" name="Footer Placeholder 4">
-            <a:extLst>
-              <a:ext uri="{FF2B5EF4-FFF2-40B4-BE49-F238E27FC236}">
-                <a16:creationId xmlns:a16="http://schemas.microsoft.com/office/drawing/2014/main" id="{447915CE-61EA-AA4A-D09A-16959D0A3076}"/>
-              </a:ext>
-            </a:extLst>
-          </p:cNvPr>
-          <p:cNvSpPr>
-            <a:spLocks noGrp="1"/>
-          </p:cNvSpPr>
-          <p:nvPr>
-            <p:ph type="ftr" sz="quarter" idx="14"/>
-          </p:nvPr>
-        </p:nvSpPr>
-        <p:spPr/>
-        <p:txBody>
-          <a:bodyPr/>
-          <a:lstStyle/>
-          <a:p>
-            <a:endParaRPr lang="en-GB" dirty="0"/>
-          </a:p>
-        </p:txBody>
-      </p:sp>
-      <p:sp>
-        <p:nvSpPr>
-          <p:cNvPr id="6" name="Slide Number Placeholder 5">
-            <a:extLst>
-              <a:ext uri="{FF2B5EF4-FFF2-40B4-BE49-F238E27FC236}">
-                <a16:creationId xmlns:a16="http://schemas.microsoft.com/office/drawing/2014/main" id="{DFA21465-B927-3AC3-B2B1-C3E91B54E315}"/>
-              </a:ext>
-            </a:extLst>
-          </p:cNvPr>
-          <p:cNvSpPr>
-            <a:spLocks noGrp="1"/>
-          </p:cNvSpPr>
-          <p:nvPr>
-            <p:ph type="sldNum" sz="quarter" idx="15"/>
-          </p:nvPr>
-        </p:nvSpPr>
-        <p:spPr/>
-        <p:txBody>
-          <a:bodyPr/>
-          <a:lstStyle/>
-          <a:p>
-            <a:fld id="{45D37B1E-C366-494F-A587-962AD9AABC83}" type="slidenum">
-              <a:rPr lang="en-GB" smtClean="0"/>
-              <a:pPr/>
-              <a:t>17</a:t>
-            </a:fld>
-            <a:endParaRPr lang="en-GB" dirty="0"/>
-          </a:p>
-        </p:txBody>
-      </p:sp>
-    </p:spTree>
-    <p:extLst>
-      <p:ext uri="{BB962C8B-B14F-4D97-AF65-F5344CB8AC3E}">
-        <p14:creationId xmlns:p14="http://schemas.microsoft.com/office/powerpoint/2010/main" val="3259614896"/>
-      </p:ext>
-    </p:extLst>
-  </p:cSld>
-  <p:clrMapOvr>
-    <a:masterClrMapping/>
-  </p:clrMapOvr>
-  <mc:AlternateContent xmlns:mc="http://schemas.openxmlformats.org/markup-compatibility/2006" xmlns:p159="http://schemas.microsoft.com/office/powerpoint/2015/09/main">
-    <mc:Choice Requires="p159">
-      <p:transition spd="med">
-        <p159:morph option="byObject"/>
-      </p:transition>
-    </mc:Choice>
-    <mc:Fallback xmlns="">
-      <p:transition spd="med">
-        <p:fade/>
-      </p:transition>
-    </mc:Fallback>
-  </mc:AlternateContent>
-</p:sld>
-</file>
-
 <file path=ppt/slides/slide18.xml><?xml version="1.0" encoding="utf-8"?>
 <p:sld xmlns:a="http://schemas.openxmlformats.org/drawingml/2006/main" xmlns:r="http://schemas.openxmlformats.org/officeDocument/2006/relationships" xmlns:p="http://schemas.openxmlformats.org/presentationml/2006/main">
   <p:cSld>
@@ -34594,7 +34695,7 @@
           <a:p>
             <a:r>
               <a:rPr lang="en-DK" dirty="0"/>
-              <a:t>Kafka Exercise #5 (Optional) - The First Book!</a:t>
+              <a:t>Kafka Exercise #3 - The First Message!</a:t>
             </a:r>
           </a:p>
         </p:txBody>
@@ -34621,31 +34722,28 @@
           <a:lstStyle/>
           <a:p>
             <a:r>
+              <a:rPr lang="en-DK" b="1" dirty="0"/>
+              <a:t>Do you choose .Net or Python? </a:t>
+            </a:r>
+          </a:p>
+          <a:p>
+            <a:r>
               <a:rPr lang="en-GB" dirty="0"/>
-              <a:t>Change the producer to read from a file and publish one line per second</a:t>
-            </a:r>
-            <a:endParaRPr lang="en-DK" dirty="0"/>
-          </a:p>
-          <a:p>
+              <a:t>Publish one message per second, containing "{'test_key':'</a:t>
+            </a:r>
+            <a:r>
+              <a:rPr lang="en-GB" dirty="0" err="1"/>
+              <a:t>test_value</a:t>
+            </a:r>
             <a:r>
               <a:rPr lang="en-GB" dirty="0"/>
-              <a:t>Modify the producer template to read from </a:t>
-            </a:r>
-            <a:r>
-              <a:rPr lang="en-GB" dirty="0" err="1"/>
-              <a:t>alice</a:t>
-            </a:r>
+              <a:t>'}"</a:t>
+            </a:r>
+          </a:p>
+          <a:p>
             <a:r>
               <a:rPr lang="en-GB" dirty="0"/>
-              <a:t>-in-</a:t>
-            </a:r>
-            <a:r>
-              <a:rPr lang="en-GB" dirty="0" err="1"/>
-              <a:t>wonderland.txt</a:t>
-            </a:r>
-            <a:r>
-              <a:rPr lang="en-GB" dirty="0"/>
-              <a:t> file and publish the content one line at a time to a </a:t>
+              <a:t>Use the template for the producer to send your input to a </a:t>
             </a:r>
             <a:r>
               <a:rPr lang="en-GB" dirty="0" err="1"/>
@@ -34653,18 +34751,58 @@
             </a:r>
             <a:r>
               <a:rPr lang="en-GB" dirty="0"/>
-              <a:t> topic.</a:t>
+              <a:t> topic</a:t>
+            </a:r>
+          </a:p>
+          <a:p>
+            <a:r>
+              <a:rPr lang="en-GB" dirty="0"/>
+              <a:t>Start the producer with the following commands: (assuming your terminal is located inside the producer directory)</a:t>
             </a:r>
           </a:p>
           <a:p>
             <a:pPr lvl="1"/>
             <a:r>
               <a:rPr lang="en-GB" dirty="0"/>
-              <a:t>modify it to publish 1 line per second. </a:t>
-            </a:r>
-          </a:p>
-          <a:p>
+              <a:t>Build the docker image</a:t>
+            </a:r>
+          </a:p>
+          <a:p>
+            <a:pPr lvl="2"/>
+            <a:r>
+              <a:rPr lang="en-GB" dirty="0"/>
+              <a:t>docker build . -t </a:t>
+            </a:r>
+            <a:r>
+              <a:rPr lang="en-GB" dirty="0" err="1"/>
+              <a:t>producer-client:latest</a:t>
+            </a:r>
             <a:endParaRPr lang="en-GB" dirty="0"/>
+          </a:p>
+          <a:p>
+            <a:pPr lvl="1"/>
+            <a:r>
+              <a:rPr lang="en-GB" dirty="0"/>
+              <a:t>run the docker image</a:t>
+            </a:r>
+          </a:p>
+          <a:p>
+            <a:pPr lvl="2"/>
+            <a:r>
+              <a:rPr lang="en-GB" dirty="0"/>
+              <a:t>docker run --rm -it --network </a:t>
+            </a:r>
+            <a:r>
+              <a:rPr lang="en-GB" dirty="0" err="1"/>
+              <a:t>shared_network</a:t>
+            </a:r>
+            <a:r>
+              <a:rPr lang="en-GB" dirty="0"/>
+              <a:t> --name producer producer-client</a:t>
+            </a:r>
+          </a:p>
+          <a:p>
+            <a:endParaRPr lang="en-DK" dirty="0"/>
           </a:p>
         </p:txBody>
       </p:sp>
@@ -34691,7 +34829,7 @@
           <a:p>
             <a:fld id="{1372A5CE-9B28-3845-AFE6-A0F41B32F731}" type="datetime1">
               <a:rPr lang="en-GB" smtClean="0"/>
-              <a:t>08/02/2023</a:t>
+              <a:t>09/02/2023</a:t>
             </a:fld>
             <a:endParaRPr lang="en-GB" dirty="0"/>
           </a:p>
@@ -34755,7 +34893,7 @@
     </p:spTree>
     <p:extLst>
       <p:ext uri="{BB962C8B-B14F-4D97-AF65-F5344CB8AC3E}">
-        <p14:creationId xmlns:p14="http://schemas.microsoft.com/office/powerpoint/2010/main" val="557068128"/>
+        <p14:creationId xmlns:p14="http://schemas.microsoft.com/office/powerpoint/2010/main" val="3563189546"/>
       </p:ext>
     </p:extLst>
   </p:cSld>
@@ -34817,7 +34955,7 @@
           <a:p>
             <a:r>
               <a:rPr lang="en-DK" dirty="0"/>
-              <a:t>Kafka Exercise #6 (Optional) - The First Book, Received!</a:t>
+              <a:t>Kafka Exercise #4 - The First Message, Received!</a:t>
             </a:r>
           </a:p>
         </p:txBody>
@@ -34838,37 +34976,71 @@
             <p:ph sz="quarter" idx="13"/>
           </p:nvPr>
         </p:nvSpPr>
-        <p:spPr>
-          <a:xfrm>
-            <a:off x="414696" y="2258080"/>
-            <a:ext cx="10952580" cy="3852862"/>
-          </a:xfrm>
-        </p:spPr>
+        <p:spPr/>
         <p:txBody>
           <a:bodyPr/>
           <a:lstStyle/>
           <a:p>
             <a:r>
               <a:rPr lang="en-GB" dirty="0"/>
-              <a:t>Write the received data to a file.</a:t>
+              <a:t>Subscribe to the topic you are publishing messages to!</a:t>
             </a:r>
           </a:p>
           <a:p>
             <a:r>
               <a:rPr lang="en-GB" dirty="0"/>
-              <a:t>Modify the subscriber template to write the received data into a file called 'the-rabbit-</a:t>
+              <a:t>Modify the subscriber template to subscribe to the topic where your producer publishes the messages</a:t>
+            </a:r>
+          </a:p>
+          <a:p>
+            <a:r>
+              <a:rPr lang="en-GB" dirty="0"/>
+              <a:t>Start the consumer with the following commands (assuming your terminal is located inside the consumer directory)</a:t>
+            </a:r>
+          </a:p>
+          <a:p>
+            <a:pPr lvl="1"/>
+            <a:r>
+              <a:rPr lang="en-GB" dirty="0"/>
+              <a:t>Build the docker image</a:t>
+            </a:r>
+          </a:p>
+          <a:p>
+            <a:pPr lvl="2"/>
+            <a:r>
+              <a:rPr lang="en-GB" dirty="0"/>
+              <a:t>docker build . -t </a:t>
             </a:r>
             <a:r>
               <a:rPr lang="en-GB" dirty="0" err="1"/>
-              <a:t>hole.txt</a:t>
-            </a:r>
+              <a:t>consumer-client:latest</a:t>
+            </a:r>
+            <a:endParaRPr lang="en-GB" dirty="0"/>
+          </a:p>
+          <a:p>
+            <a:pPr lvl="1"/>
             <a:r>
               <a:rPr lang="en-GB" dirty="0"/>
-              <a:t>'</a:t>
-            </a:r>
-          </a:p>
-          <a:p>
-            <a:endParaRPr lang="en-GB" dirty="0"/>
+              <a:t>run the docker image</a:t>
+            </a:r>
+          </a:p>
+          <a:p>
+            <a:pPr lvl="2"/>
+            <a:r>
+              <a:rPr lang="en-GB" dirty="0"/>
+              <a:t>docker run --rm -it --network </a:t>
+            </a:r>
+            <a:r>
+              <a:rPr lang="en-GB" dirty="0" err="1"/>
+              <a:t>shared_network</a:t>
+            </a:r>
+            <a:r>
+              <a:rPr lang="en-GB" dirty="0"/>
+              <a:t> --name consumer consumer-client</a:t>
+            </a:r>
+          </a:p>
+          <a:p>
+            <a:endParaRPr lang="en-DK" dirty="0"/>
           </a:p>
         </p:txBody>
       </p:sp>
@@ -34895,7 +35067,7 @@
           <a:p>
             <a:fld id="{1372A5CE-9B28-3845-AFE6-A0F41B32F731}" type="datetime1">
               <a:rPr lang="en-GB" smtClean="0"/>
-              <a:t>08/02/2023</a:t>
+              <a:t>09/02/2023</a:t>
             </a:fld>
             <a:endParaRPr lang="en-GB" dirty="0"/>
           </a:p>
@@ -34959,7 +35131,7 @@
     </p:spTree>
     <p:extLst>
       <p:ext uri="{BB962C8B-B14F-4D97-AF65-F5344CB8AC3E}">
-        <p14:creationId xmlns:p14="http://schemas.microsoft.com/office/powerpoint/2010/main" val="3000699520"/>
+        <p14:creationId xmlns:p14="http://schemas.microsoft.com/office/powerpoint/2010/main" val="3259614896"/>
       </p:ext>
     </p:extLst>
   </p:cSld>
@@ -35196,7 +35368,7 @@
                   <a:spcPts val="600"/>
                 </a:spcAft>
               </a:pPr>
-              <a:t>08/02/2023</a:t>
+              <a:t>09/02/2023</a:t>
             </a:fld>
             <a:endParaRPr lang="en-GB"/>
           </a:p>
@@ -35311,7 +35483,7 @@
           <a:p>
             <a:r>
               <a:rPr lang="en-DK" dirty="0"/>
-              <a:t>Kafka Exercise #7 – Oh no, too many messages! We need help!</a:t>
+              <a:t>Kafka Exercise #5 (Optional) - The First Book!</a:t>
             </a:r>
           </a:p>
         </p:txBody>
@@ -35332,170 +35504,53 @@
             <p:ph sz="quarter" idx="13"/>
           </p:nvPr>
         </p:nvSpPr>
-        <p:spPr>
-          <a:xfrm>
-            <a:off x="414696" y="2258080"/>
-            <a:ext cx="10952580" cy="3852862"/>
-          </a:xfrm>
-        </p:spPr>
+        <p:spPr/>
         <p:txBody>
           <a:bodyPr/>
           <a:lstStyle/>
           <a:p>
             <a:r>
               <a:rPr lang="en-GB" dirty="0"/>
-              <a:t>Go into the Kafka UI (localhost:8088) and if it exists, delete the topic </a:t>
+              <a:t>Change the producer to read from a file and publish one line per second</a:t>
+            </a:r>
+            <a:endParaRPr lang="en-DK" dirty="0"/>
+          </a:p>
+          <a:p>
+            <a:r>
+              <a:rPr lang="en-GB" dirty="0"/>
+              <a:t>Modify the producer template to read from </a:t>
             </a:r>
             <a:r>
               <a:rPr lang="en-GB" dirty="0" err="1"/>
-              <a:t>foobar</a:t>
-            </a:r>
-            <a:endParaRPr lang="en-GB" dirty="0"/>
-          </a:p>
-          <a:p>
+              <a:t>alice</a:t>
+            </a:r>
             <a:r>
               <a:rPr lang="en-GB" dirty="0"/>
-              <a:t>Then create a new topic called </a:t>
+              <a:t>-in-</a:t>
             </a:r>
             <a:r>
               <a:rPr lang="en-GB" dirty="0" err="1"/>
-              <a:t>foobar</a:t>
+              <a:t>wonderland.txt</a:t>
             </a:r>
             <a:r>
               <a:rPr lang="en-GB" dirty="0"/>
-              <a:t>, but this time, set “partitions” to 3</a:t>
+              <a:t> file and publish the content one line at a time to a </a:t>
+            </a:r>
+            <a:r>
+              <a:rPr lang="en-GB" dirty="0" err="1"/>
+              <a:t>kafka</a:t>
+            </a:r>
+            <a:r>
+              <a:rPr lang="en-GB" dirty="0"/>
+              <a:t> topic.</a:t>
             </a:r>
           </a:p>
           <a:p>
             <a:pPr lvl="1"/>
             <a:r>
               <a:rPr lang="en-GB" dirty="0"/>
-              <a:t>Why do we have to do that?</a:t>
-            </a:r>
-          </a:p>
-          <a:p>
-            <a:r>
-              <a:rPr lang="en-GB" dirty="0"/>
-              <a:t>Create two consumers, that are in the same consumer group</a:t>
-            </a:r>
-          </a:p>
-          <a:p>
-            <a:r>
-              <a:rPr lang="en-GB" dirty="0"/>
-              <a:t>You can do this by starting two consumer docker containers of the consumer you just created</a:t>
-            </a:r>
-          </a:p>
-          <a:p>
-            <a:r>
-              <a:rPr lang="en-GB" dirty="0"/>
-              <a:t>Start consumer #1 with the following commands (assuming your terminal is located inside the consumer directory)</a:t>
-            </a:r>
-          </a:p>
-          <a:p>
-            <a:pPr lvl="1"/>
-            <a:r>
-              <a:rPr lang="en-GB" dirty="0"/>
-              <a:t>Build the docker image</a:t>
-            </a:r>
-          </a:p>
-          <a:p>
-            <a:pPr lvl="2"/>
-            <a:r>
-              <a:rPr lang="en-GB" dirty="0"/>
-              <a:t>docker build . -t </a:t>
-            </a:r>
-            <a:r>
-              <a:rPr lang="en-GB" dirty="0" err="1"/>
-              <a:t>consumer-client:latest</a:t>
-            </a:r>
-            <a:endParaRPr lang="en-GB" dirty="0"/>
-          </a:p>
-          <a:p>
-            <a:pPr lvl="1"/>
-            <a:r>
-              <a:rPr lang="en-GB" dirty="0"/>
-              <a:t>run the docker image</a:t>
-            </a:r>
-          </a:p>
-          <a:p>
-            <a:pPr lvl="2"/>
-            <a:r>
-              <a:rPr lang="en-GB" dirty="0"/>
-              <a:t>docker run --rm -it --network </a:t>
-            </a:r>
-            <a:r>
-              <a:rPr lang="en-GB" dirty="0" err="1"/>
-              <a:t>shared_network</a:t>
-            </a:r>
-            <a:r>
-              <a:rPr lang="en-GB" dirty="0"/>
-              <a:t> --name consumer consumer-client</a:t>
-            </a:r>
-          </a:p>
-          <a:p>
-            <a:r>
-              <a:rPr lang="en-GB" dirty="0"/>
-              <a:t>Start consumer #2 with the following commands (assuming your terminal is located inside the consumer directory)</a:t>
-            </a:r>
-          </a:p>
-          <a:p>
-            <a:pPr lvl="1"/>
-            <a:r>
-              <a:rPr lang="en-GB" dirty="0"/>
-              <a:t>run the docker image</a:t>
-            </a:r>
-          </a:p>
-          <a:p>
-            <a:pPr lvl="2"/>
-            <a:r>
-              <a:rPr lang="en-GB" dirty="0"/>
-              <a:t>docker run --rm -it --network </a:t>
-            </a:r>
-            <a:r>
-              <a:rPr lang="en-GB" dirty="0" err="1"/>
-              <a:t>shared_network</a:t>
-            </a:r>
-            <a:r>
-              <a:rPr lang="en-GB" dirty="0"/>
-              <a:t> --name consumer2 consumer-client</a:t>
-            </a:r>
-          </a:p>
-          <a:p>
-            <a:r>
-              <a:rPr lang="en-GB" dirty="0"/>
-              <a:t>Manipulate the producer to send a continuous stream of data, e.g. numbers, to the </a:t>
-            </a:r>
-            <a:r>
-              <a:rPr lang="en-GB" dirty="0" err="1"/>
-              <a:t>foobar</a:t>
-            </a:r>
-            <a:r>
-              <a:rPr lang="en-GB" dirty="0"/>
-              <a:t> topic</a:t>
-            </a:r>
-          </a:p>
-          <a:p>
-            <a:r>
-              <a:rPr lang="en-GB" dirty="0"/>
-              <a:t>Look at the output of the consumers, what happens?</a:t>
-            </a:r>
-          </a:p>
-          <a:p>
-            <a:r>
-              <a:rPr lang="en-GB" dirty="0"/>
-              <a:t>Why is this important/relevant?</a:t>
-            </a:r>
-          </a:p>
-          <a:p>
-            <a:pPr lvl="1"/>
-            <a:endParaRPr lang="en-GB" dirty="0"/>
-          </a:p>
-          <a:p>
-            <a:endParaRPr lang="en-GB" dirty="0"/>
-          </a:p>
-          <a:p>
-            <a:pPr lvl="1"/>
-            <a:endParaRPr lang="en-GB" dirty="0"/>
+              <a:t>modify it to publish 1 line per second. </a:t>
+            </a:r>
           </a:p>
           <a:p>
             <a:endParaRPr lang="en-GB" dirty="0"/>
@@ -35525,7 +35580,7 @@
           <a:p>
             <a:fld id="{1372A5CE-9B28-3845-AFE6-A0F41B32F731}" type="datetime1">
               <a:rPr lang="en-GB" smtClean="0"/>
-              <a:t>08/02/2023</a:t>
+              <a:t>09/02/2023</a:t>
             </a:fld>
             <a:endParaRPr lang="en-GB" dirty="0"/>
           </a:p>
@@ -35589,7 +35644,7 @@
     </p:spTree>
     <p:extLst>
       <p:ext uri="{BB962C8B-B14F-4D97-AF65-F5344CB8AC3E}">
-        <p14:creationId xmlns:p14="http://schemas.microsoft.com/office/powerpoint/2010/main" val="2066089242"/>
+        <p14:creationId xmlns:p14="http://schemas.microsoft.com/office/powerpoint/2010/main" val="557068128"/>
       </p:ext>
     </p:extLst>
   </p:cSld>
@@ -35651,21 +35706,8 @@
           <a:p>
             <a:r>
               <a:rPr lang="en-DK" dirty="0"/>
-              <a:t>Kafka Exercise #6 – Oh no, a broker died! </a:t>
-            </a:r>
-            <a:r>
-              <a:rPr lang="en-GB" dirty="0"/>
-              <a:t>W</a:t>
-            </a:r>
-            <a:r>
-              <a:rPr lang="en-DK" dirty="0"/>
-              <a:t>hat happen</a:t>
-            </a:r>
-            <a:r>
-              <a:rPr lang="en-GB" dirty="0"/>
-              <a:t>s now?</a:t>
-            </a:r>
-            <a:endParaRPr lang="en-DK" dirty="0"/>
+              <a:t>Kafka Exercise #6 (Optional) - The First Book, Received!</a:t>
+            </a:r>
           </a:p>
         </p:txBody>
       </p:sp>
@@ -35697,123 +35739,21 @@
           <a:p>
             <a:r>
               <a:rPr lang="en-GB" dirty="0"/>
-              <a:t>This scenario will primarily use the UI tool to visualize the effect.</a:t>
+              <a:t>Write the received data to a file.</a:t>
             </a:r>
           </a:p>
           <a:p>
             <a:r>
               <a:rPr lang="en-GB" dirty="0"/>
-              <a:t>Start by deleting the </a:t>
+              <a:t>Modify the subscriber template to write the received data into a file called 'the-rabbit-</a:t>
             </a:r>
             <a:r>
               <a:rPr lang="en-GB" dirty="0" err="1"/>
-              <a:t>foobar</a:t>
+              <a:t>hole.txt</a:t>
             </a:r>
             <a:r>
               <a:rPr lang="en-GB" dirty="0"/>
-              <a:t> topic created earlier</a:t>
-            </a:r>
-          </a:p>
-          <a:p>
-            <a:r>
-              <a:rPr lang="en-GB" dirty="0"/>
-              <a:t>Now create the </a:t>
-            </a:r>
-            <a:r>
-              <a:rPr lang="en-GB" dirty="0" err="1"/>
-              <a:t>foobar</a:t>
-            </a:r>
-            <a:r>
-              <a:rPr lang="en-GB" dirty="0"/>
-              <a:t> topic again, but with 3 partitions and 3 replicas.</a:t>
-            </a:r>
-          </a:p>
-          <a:p>
-            <a:r>
-              <a:rPr lang="en-GB" dirty="0"/>
-              <a:t>Now the topic is replicated across all brokers</a:t>
-            </a:r>
-          </a:p>
-          <a:p>
-            <a:pPr lvl="1"/>
-            <a:r>
-              <a:rPr lang="en-GB" dirty="0"/>
-              <a:t>Can you have more replicas? Why? Why not? Try it out!</a:t>
-            </a:r>
-          </a:p>
-          <a:p>
-            <a:r>
-              <a:rPr lang="en-GB" dirty="0"/>
-              <a:t>Now look at the topic and specifically the partitions (in the partitions tab)</a:t>
-            </a:r>
-          </a:p>
-          <a:p>
-            <a:pPr lvl="1"/>
-            <a:r>
-              <a:rPr lang="en-GB" dirty="0"/>
-              <a:t>Who are the leading brokers for each partition?</a:t>
-            </a:r>
-          </a:p>
-          <a:p>
-            <a:r>
-              <a:rPr lang="en-GB" dirty="0"/>
-              <a:t>Try to create some messages</a:t>
-            </a:r>
-          </a:p>
-          <a:p>
-            <a:r>
-              <a:rPr lang="en-GB" dirty="0"/>
-              <a:t>Now kill a broker!</a:t>
-            </a:r>
-          </a:p>
-          <a:p>
-            <a:pPr lvl="1"/>
-            <a:r>
-              <a:rPr lang="en-GB" dirty="0"/>
-              <a:t>Open your </a:t>
-            </a:r>
-            <a:r>
-              <a:rPr lang="en-GB" dirty="0" err="1"/>
-              <a:t>favorite</a:t>
-            </a:r>
-            <a:r>
-              <a:rPr lang="en-GB" dirty="0"/>
-              <a:t> command line tool</a:t>
-            </a:r>
-          </a:p>
-          <a:p>
-            <a:pPr lvl="1"/>
-            <a:r>
-              <a:rPr lang="en-GB" dirty="0"/>
-              <a:t>Insert: </a:t>
-            </a:r>
-          </a:p>
-          <a:p>
-            <a:pPr lvl="2"/>
-            <a:r>
-              <a:rPr lang="en-GB" dirty="0"/>
-              <a:t>Docker stop kafka3</a:t>
-            </a:r>
-          </a:p>
-          <a:p>
-            <a:pPr lvl="1"/>
-            <a:r>
-              <a:rPr lang="en-GB" dirty="0"/>
-              <a:t>Now one of the three </a:t>
-            </a:r>
-            <a:r>
-              <a:rPr lang="en-GB" dirty="0" err="1"/>
-              <a:t>kafka</a:t>
-            </a:r>
-            <a:r>
-              <a:rPr lang="en-GB" dirty="0"/>
-              <a:t> instances will die</a:t>
-            </a:r>
-          </a:p>
-          <a:p>
-            <a:r>
-              <a:rPr lang="en-GB" dirty="0"/>
-              <a:t>Are your messages still available?</a:t>
+              <a:t>'</a:t>
             </a:r>
           </a:p>
           <a:p>
@@ -35844,7 +35784,7 @@
           <a:p>
             <a:fld id="{1372A5CE-9B28-3845-AFE6-A0F41B32F731}" type="datetime1">
               <a:rPr lang="en-GB" smtClean="0"/>
-              <a:t>08/02/2023</a:t>
+              <a:t>09/02/2023</a:t>
             </a:fld>
             <a:endParaRPr lang="en-GB" dirty="0"/>
           </a:p>
@@ -35908,7 +35848,7 @@
     </p:spTree>
     <p:extLst>
       <p:ext uri="{BB962C8B-B14F-4D97-AF65-F5344CB8AC3E}">
-        <p14:creationId xmlns:p14="http://schemas.microsoft.com/office/powerpoint/2010/main" val="3442386485"/>
+        <p14:creationId xmlns:p14="http://schemas.microsoft.com/office/powerpoint/2010/main" val="3000699520"/>
       </p:ext>
     </p:extLst>
   </p:cSld>
@@ -35952,7 +35892,7 @@
           <p:cNvPr id="2" name="Title 1">
             <a:extLst>
               <a:ext uri="{FF2B5EF4-FFF2-40B4-BE49-F238E27FC236}">
-                <a16:creationId xmlns:a16="http://schemas.microsoft.com/office/drawing/2014/main" id="{842E55BB-0792-9491-F5A8-61B88A153F05}"/>
+                <a16:creationId xmlns:a16="http://schemas.microsoft.com/office/drawing/2014/main" id="{0041CB44-F1D6-A4F5-AE7F-D53D9F721DA3}"/>
               </a:ext>
             </a:extLst>
           </p:cNvPr>
@@ -35963,31 +35903,239 @@
             <p:ph type="ctrTitle"/>
           </p:nvPr>
         </p:nvSpPr>
-        <p:spPr>
-          <a:xfrm>
-            <a:off x="414696" y="999173"/>
-            <a:ext cx="10952579" cy="701040"/>
-          </a:xfrm>
-        </p:spPr>
+        <p:spPr/>
         <p:txBody>
-          <a:bodyPr anchor="t">
-            <a:normAutofit/>
-          </a:bodyPr>
+          <a:bodyPr/>
           <a:lstStyle/>
           <a:p>
             <a:r>
               <a:rPr lang="en-DK" dirty="0"/>
-              <a:t>Architecture Exercise #1</a:t>
+              <a:t>Kafka Exercise #7 – Oh no, too many messages! We need help!</a:t>
             </a:r>
           </a:p>
         </p:txBody>
       </p:sp>
       <p:sp>
         <p:nvSpPr>
-          <p:cNvPr id="19" name="Footer Placeholder 4">
+          <p:cNvPr id="3" name="Content Placeholder 2">
             <a:extLst>
               <a:ext uri="{FF2B5EF4-FFF2-40B4-BE49-F238E27FC236}">
-                <a16:creationId xmlns:a16="http://schemas.microsoft.com/office/drawing/2014/main" id="{64772A74-08D3-1122-2C2D-2740EB32158E}"/>
+                <a16:creationId xmlns:a16="http://schemas.microsoft.com/office/drawing/2014/main" id="{8DD58D5C-5916-E306-32AF-BE3F1F5A2FC4}"/>
+              </a:ext>
+            </a:extLst>
+          </p:cNvPr>
+          <p:cNvSpPr>
+            <a:spLocks noGrp="1"/>
+          </p:cNvSpPr>
+          <p:nvPr>
+            <p:ph sz="quarter" idx="13"/>
+          </p:nvPr>
+        </p:nvSpPr>
+        <p:spPr>
+          <a:xfrm>
+            <a:off x="414696" y="2258080"/>
+            <a:ext cx="10952580" cy="3852862"/>
+          </a:xfrm>
+        </p:spPr>
+        <p:txBody>
+          <a:bodyPr/>
+          <a:lstStyle/>
+          <a:p>
+            <a:r>
+              <a:rPr lang="en-GB" dirty="0"/>
+              <a:t>Go into the Kafka UI (localhost:8088) and if it exists, delete the topic </a:t>
+            </a:r>
+            <a:r>
+              <a:rPr lang="en-GB" dirty="0" err="1"/>
+              <a:t>foobar</a:t>
+            </a:r>
+            <a:endParaRPr lang="en-GB" dirty="0"/>
+          </a:p>
+          <a:p>
+            <a:r>
+              <a:rPr lang="en-GB" dirty="0"/>
+              <a:t>Then create a new topic called </a:t>
+            </a:r>
+            <a:r>
+              <a:rPr lang="en-GB" dirty="0" err="1"/>
+              <a:t>foobar</a:t>
+            </a:r>
+            <a:r>
+              <a:rPr lang="en-GB" dirty="0"/>
+              <a:t>, but this time, set “partitions” to 3</a:t>
+            </a:r>
+          </a:p>
+          <a:p>
+            <a:pPr lvl="1"/>
+            <a:r>
+              <a:rPr lang="en-GB" dirty="0"/>
+              <a:t>Why do we have to do that?</a:t>
+            </a:r>
+          </a:p>
+          <a:p>
+            <a:r>
+              <a:rPr lang="en-GB" dirty="0"/>
+              <a:t>Create two consumers, that are in the same consumer group</a:t>
+            </a:r>
+          </a:p>
+          <a:p>
+            <a:r>
+              <a:rPr lang="en-GB" dirty="0"/>
+              <a:t>You can do this by starting two consumer docker containers of the consumer you just created</a:t>
+            </a:r>
+          </a:p>
+          <a:p>
+            <a:r>
+              <a:rPr lang="en-GB" dirty="0"/>
+              <a:t>Start consumer #1 with the following commands (assuming your terminal is located inside the consumer directory)</a:t>
+            </a:r>
+          </a:p>
+          <a:p>
+            <a:pPr lvl="1"/>
+            <a:r>
+              <a:rPr lang="en-GB" dirty="0"/>
+              <a:t>Build the docker image</a:t>
+            </a:r>
+          </a:p>
+          <a:p>
+            <a:pPr lvl="2"/>
+            <a:r>
+              <a:rPr lang="en-GB" dirty="0"/>
+              <a:t>docker build . -t </a:t>
+            </a:r>
+            <a:r>
+              <a:rPr lang="en-GB" dirty="0" err="1"/>
+              <a:t>consumer-client:latest</a:t>
+            </a:r>
+            <a:endParaRPr lang="en-GB" dirty="0"/>
+          </a:p>
+          <a:p>
+            <a:pPr lvl="1"/>
+            <a:r>
+              <a:rPr lang="en-GB" dirty="0"/>
+              <a:t>run the docker image</a:t>
+            </a:r>
+          </a:p>
+          <a:p>
+            <a:pPr lvl="2"/>
+            <a:r>
+              <a:rPr lang="en-GB" dirty="0"/>
+              <a:t>docker run --rm -it --network </a:t>
+            </a:r>
+            <a:r>
+              <a:rPr lang="en-GB" dirty="0" err="1"/>
+              <a:t>shared_network</a:t>
+            </a:r>
+            <a:r>
+              <a:rPr lang="en-GB" dirty="0"/>
+              <a:t> --name consumer consumer-client</a:t>
+            </a:r>
+          </a:p>
+          <a:p>
+            <a:r>
+              <a:rPr lang="en-GB" dirty="0"/>
+              <a:t>Start consumer #2 with the following commands (assuming your terminal is located inside the consumer directory)</a:t>
+            </a:r>
+          </a:p>
+          <a:p>
+            <a:pPr lvl="1"/>
+            <a:r>
+              <a:rPr lang="en-GB" dirty="0"/>
+              <a:t>run the docker image</a:t>
+            </a:r>
+          </a:p>
+          <a:p>
+            <a:pPr lvl="2"/>
+            <a:r>
+              <a:rPr lang="en-GB" dirty="0"/>
+              <a:t>docker run --rm -it --network </a:t>
+            </a:r>
+            <a:r>
+              <a:rPr lang="en-GB" dirty="0" err="1"/>
+              <a:t>shared_network</a:t>
+            </a:r>
+            <a:r>
+              <a:rPr lang="en-GB" dirty="0"/>
+              <a:t> --name consumer2 consumer-client</a:t>
+            </a:r>
+          </a:p>
+          <a:p>
+            <a:r>
+              <a:rPr lang="en-GB" dirty="0"/>
+              <a:t>Manipulate the producer to send a continuous stream of data, e.g. numbers, to the </a:t>
+            </a:r>
+            <a:r>
+              <a:rPr lang="en-GB" dirty="0" err="1"/>
+              <a:t>foobar</a:t>
+            </a:r>
+            <a:r>
+              <a:rPr lang="en-GB" dirty="0"/>
+              <a:t> topic</a:t>
+            </a:r>
+          </a:p>
+          <a:p>
+            <a:r>
+              <a:rPr lang="en-GB" dirty="0"/>
+              <a:t>Look at the output of the consumers, what happens?</a:t>
+            </a:r>
+          </a:p>
+          <a:p>
+            <a:r>
+              <a:rPr lang="en-GB" dirty="0"/>
+              <a:t>Why is this important/relevant?</a:t>
+            </a:r>
+          </a:p>
+          <a:p>
+            <a:pPr lvl="1"/>
+            <a:endParaRPr lang="en-GB" dirty="0"/>
+          </a:p>
+          <a:p>
+            <a:endParaRPr lang="en-GB" dirty="0"/>
+          </a:p>
+          <a:p>
+            <a:pPr lvl="1"/>
+            <a:endParaRPr lang="en-GB" dirty="0"/>
+          </a:p>
+          <a:p>
+            <a:endParaRPr lang="en-GB" dirty="0"/>
+          </a:p>
+        </p:txBody>
+      </p:sp>
+      <p:sp>
+        <p:nvSpPr>
+          <p:cNvPr id="4" name="Date Placeholder 3">
+            <a:extLst>
+              <a:ext uri="{FF2B5EF4-FFF2-40B4-BE49-F238E27FC236}">
+                <a16:creationId xmlns:a16="http://schemas.microsoft.com/office/drawing/2014/main" id="{5A6F871F-AC70-9871-1B04-6A40348051C6}"/>
+              </a:ext>
+            </a:extLst>
+          </p:cNvPr>
+          <p:cNvSpPr>
+            <a:spLocks noGrp="1"/>
+          </p:cNvSpPr>
+          <p:nvPr>
+            <p:ph type="dt" sz="half" idx="2"/>
+          </p:nvPr>
+        </p:nvSpPr>
+        <p:spPr/>
+        <p:txBody>
+          <a:bodyPr/>
+          <a:lstStyle/>
+          <a:p>
+            <a:fld id="{1372A5CE-9B28-3845-AFE6-A0F41B32F731}" type="datetime1">
+              <a:rPr lang="en-GB" smtClean="0"/>
+              <a:t>09/02/2023</a:t>
+            </a:fld>
+            <a:endParaRPr lang="en-GB" dirty="0"/>
+          </a:p>
+        </p:txBody>
+      </p:sp>
+      <p:sp>
+        <p:nvSpPr>
+          <p:cNvPr id="5" name="Footer Placeholder 4">
+            <a:extLst>
+              <a:ext uri="{FF2B5EF4-FFF2-40B4-BE49-F238E27FC236}">
+                <a16:creationId xmlns:a16="http://schemas.microsoft.com/office/drawing/2014/main" id="{447915CE-61EA-AA4A-D09A-16959D0A3076}"/>
               </a:ext>
             </a:extLst>
           </p:cNvPr>
@@ -35998,26 +36146,21 @@
             <p:ph type="ftr" sz="quarter" idx="14"/>
           </p:nvPr>
         </p:nvSpPr>
-        <p:spPr>
-          <a:xfrm>
-            <a:off x="6915600" y="6376129"/>
-            <a:ext cx="2240432" cy="180000"/>
-          </a:xfrm>
-        </p:spPr>
+        <p:spPr/>
         <p:txBody>
           <a:bodyPr/>
           <a:lstStyle/>
           <a:p>
-            <a:endParaRPr lang="en-GB"/>
+            <a:endParaRPr lang="en-GB" dirty="0"/>
           </a:p>
         </p:txBody>
       </p:sp>
       <p:sp>
         <p:nvSpPr>
-          <p:cNvPr id="4" name="Date Placeholder 3">
+          <p:cNvPr id="6" name="Slide Number Placeholder 5">
             <a:extLst>
               <a:ext uri="{FF2B5EF4-FFF2-40B4-BE49-F238E27FC236}">
-                <a16:creationId xmlns:a16="http://schemas.microsoft.com/office/drawing/2014/main" id="{F21D33AE-951F-FCB4-C3B5-A59BCB519747}"/>
+                <a16:creationId xmlns:a16="http://schemas.microsoft.com/office/drawing/2014/main" id="{DFA21465-B927-3AC3-B2B1-C3E91B54E315}"/>
               </a:ext>
             </a:extLst>
           </p:cNvPr>
@@ -36025,116 +36168,27 @@
             <a:spLocks noGrp="1"/>
           </p:cNvSpPr>
           <p:nvPr>
-            <p:ph type="dt" sz="half" idx="4294967295"/>
+            <p:ph type="sldNum" sz="quarter" idx="15"/>
           </p:nvPr>
         </p:nvSpPr>
-        <p:spPr>
-          <a:xfrm>
-            <a:off x="0" y="6912000"/>
-            <a:ext cx="0" cy="0"/>
-          </a:xfrm>
-        </p:spPr>
+        <p:spPr/>
         <p:txBody>
           <a:bodyPr/>
           <a:lstStyle/>
           <a:p>
-            <a:pPr>
-              <a:spcAft>
-                <a:spcPts val="600"/>
-              </a:spcAft>
-            </a:pPr>
-            <a:fld id="{0A0091F4-19FF-CB44-B7C6-8370C738D4C0}" type="datetime1">
+            <a:fld id="{45D37B1E-C366-494F-A587-962AD9AABC83}" type="slidenum">
               <a:rPr lang="en-GB" smtClean="0"/>
-              <a:pPr>
-                <a:spcAft>
-                  <a:spcPts val="600"/>
-                </a:spcAft>
-              </a:pPr>
-              <a:t>08/02/2023</a:t>
+              <a:pPr/>
+              <a:t>22</a:t>
             </a:fld>
-            <a:endParaRPr lang="en-GB"/>
+            <a:endParaRPr lang="en-GB" dirty="0"/>
           </a:p>
         </p:txBody>
       </p:sp>
-      <p:sp>
-        <p:nvSpPr>
-          <p:cNvPr id="6" name="Slide Number Placeholder 5">
-            <a:extLst>
-              <a:ext uri="{FF2B5EF4-FFF2-40B4-BE49-F238E27FC236}">
-                <a16:creationId xmlns:a16="http://schemas.microsoft.com/office/drawing/2014/main" id="{20EBFDB3-4D25-BBB2-05B8-54EC4F5C9D95}"/>
-              </a:ext>
-            </a:extLst>
-          </p:cNvPr>
-          <p:cNvSpPr>
-            <a:spLocks noGrp="1"/>
-          </p:cNvSpPr>
-          <p:nvPr>
-            <p:ph type="sldNum" sz="quarter" idx="4294967295"/>
-          </p:nvPr>
-        </p:nvSpPr>
-        <p:spPr>
-          <a:xfrm>
-            <a:off x="0" y="6912000"/>
-            <a:ext cx="0" cy="0"/>
-          </a:xfrm>
-        </p:spPr>
-        <p:txBody>
-          <a:bodyPr/>
-          <a:lstStyle/>
-          <a:p>
-            <a:pPr>
-              <a:spcAft>
-                <a:spcPts val="600"/>
-              </a:spcAft>
-            </a:pPr>
-            <a:fld id="{45D37B1E-C366-494F-A587-962AD9AABC83}" type="slidenum">
-              <a:rPr lang="en-GB" smtClean="0"/>
-              <a:pPr>
-                <a:spcAft>
-                  <a:spcPts val="600"/>
-                </a:spcAft>
-              </a:pPr>
-              <a:t>22</a:t>
-            </a:fld>
-            <a:endParaRPr lang="en-GB"/>
-          </a:p>
-        </p:txBody>
-      </p:sp>
-      <p:graphicFrame>
-        <p:nvGraphicFramePr>
-          <p:cNvPr id="17" name="Content Placeholder 2">
-            <a:extLst>
-              <a:ext uri="{FF2B5EF4-FFF2-40B4-BE49-F238E27FC236}">
-                <a16:creationId xmlns:a16="http://schemas.microsoft.com/office/drawing/2014/main" id="{01D50451-D6F8-DC65-FE34-727970880B18}"/>
-              </a:ext>
-            </a:extLst>
-          </p:cNvPr>
-          <p:cNvGraphicFramePr>
-            <a:graphicFrameLocks noGrp="1"/>
-          </p:cNvGraphicFramePr>
-          <p:nvPr>
-            <p:ph sz="quarter" idx="13"/>
-            <p:extLst>
-              <p:ext uri="{D42A27DB-BD31-4B8C-83A1-F6EECF244321}">
-                <p14:modId xmlns:p14="http://schemas.microsoft.com/office/powerpoint/2010/main" val="3257422058"/>
-              </p:ext>
-            </p:extLst>
-          </p:nvPr>
-        </p:nvGraphicFramePr>
-        <p:xfrm>
-          <a:off x="414696" y="1989138"/>
-          <a:ext cx="10952580" cy="3852862"/>
-        </p:xfrm>
-        <a:graphic>
-          <a:graphicData uri="http://schemas.openxmlformats.org/drawingml/2006/diagram">
-            <dgm:relIds xmlns:dgm="http://schemas.openxmlformats.org/drawingml/2006/diagram" xmlns:r="http://schemas.openxmlformats.org/officeDocument/2006/relationships" r:dm="rId3" r:lo="rId4" r:qs="rId5" r:cs="rId6"/>
-          </a:graphicData>
-        </a:graphic>
-      </p:graphicFrame>
     </p:spTree>
     <p:extLst>
       <p:ext uri="{BB962C8B-B14F-4D97-AF65-F5344CB8AC3E}">
-        <p14:creationId xmlns:p14="http://schemas.microsoft.com/office/powerpoint/2010/main" val="1189092524"/>
+        <p14:creationId xmlns:p14="http://schemas.microsoft.com/office/powerpoint/2010/main" val="2066089242"/>
       </p:ext>
     </p:extLst>
   </p:cSld>
@@ -36178,7 +36232,7 @@
           <p:cNvPr id="2" name="Title 1">
             <a:extLst>
               <a:ext uri="{FF2B5EF4-FFF2-40B4-BE49-F238E27FC236}">
-                <a16:creationId xmlns:a16="http://schemas.microsoft.com/office/drawing/2014/main" id="{842E55BB-0792-9491-F5A8-61B88A153F05}"/>
+                <a16:creationId xmlns:a16="http://schemas.microsoft.com/office/drawing/2014/main" id="{0041CB44-F1D6-A4F5-AE7F-D53D9F721DA3}"/>
               </a:ext>
             </a:extLst>
           </p:cNvPr>
@@ -36189,31 +36243,218 @@
             <p:ph type="ctrTitle"/>
           </p:nvPr>
         </p:nvSpPr>
-        <p:spPr>
-          <a:xfrm>
-            <a:off x="414696" y="999173"/>
-            <a:ext cx="10952579" cy="701040"/>
-          </a:xfrm>
-        </p:spPr>
+        <p:spPr/>
         <p:txBody>
-          <a:bodyPr anchor="t">
-            <a:normAutofit/>
-          </a:bodyPr>
+          <a:bodyPr/>
           <a:lstStyle/>
           <a:p>
             <a:r>
               <a:rPr lang="en-DK" dirty="0"/>
-              <a:t>Architecture Exercise #2</a:t>
-            </a:r>
+              <a:t>Kafka Exercise #6 – Oh no, a broker died! </a:t>
+            </a:r>
+            <a:r>
+              <a:rPr lang="en-GB" dirty="0"/>
+              <a:t>W</a:t>
+            </a:r>
+            <a:r>
+              <a:rPr lang="en-DK" dirty="0"/>
+              <a:t>hat happen</a:t>
+            </a:r>
+            <a:r>
+              <a:rPr lang="en-GB" dirty="0"/>
+              <a:t>s now?</a:t>
+            </a:r>
+            <a:endParaRPr lang="en-DK" dirty="0"/>
           </a:p>
         </p:txBody>
       </p:sp>
       <p:sp>
         <p:nvSpPr>
-          <p:cNvPr id="23" name="Footer Placeholder 4">
+          <p:cNvPr id="3" name="Content Placeholder 2">
             <a:extLst>
               <a:ext uri="{FF2B5EF4-FFF2-40B4-BE49-F238E27FC236}">
-                <a16:creationId xmlns:a16="http://schemas.microsoft.com/office/drawing/2014/main" id="{C4EA1488-B887-DD33-1E2B-4FB5A7A0F730}"/>
+                <a16:creationId xmlns:a16="http://schemas.microsoft.com/office/drawing/2014/main" id="{8DD58D5C-5916-E306-32AF-BE3F1F5A2FC4}"/>
+              </a:ext>
+            </a:extLst>
+          </p:cNvPr>
+          <p:cNvSpPr>
+            <a:spLocks noGrp="1"/>
+          </p:cNvSpPr>
+          <p:nvPr>
+            <p:ph sz="quarter" idx="13"/>
+          </p:nvPr>
+        </p:nvSpPr>
+        <p:spPr>
+          <a:xfrm>
+            <a:off x="414696" y="2258080"/>
+            <a:ext cx="10952580" cy="3852862"/>
+          </a:xfrm>
+        </p:spPr>
+        <p:txBody>
+          <a:bodyPr/>
+          <a:lstStyle/>
+          <a:p>
+            <a:r>
+              <a:rPr lang="en-GB" dirty="0"/>
+              <a:t>This scenario will primarily use the UI tool to visualize the effect.</a:t>
+            </a:r>
+          </a:p>
+          <a:p>
+            <a:r>
+              <a:rPr lang="en-GB" dirty="0"/>
+              <a:t>Start by deleting the </a:t>
+            </a:r>
+            <a:r>
+              <a:rPr lang="en-GB" dirty="0" err="1"/>
+              <a:t>foobar</a:t>
+            </a:r>
+            <a:r>
+              <a:rPr lang="en-GB" dirty="0"/>
+              <a:t> topic created earlier</a:t>
+            </a:r>
+          </a:p>
+          <a:p>
+            <a:r>
+              <a:rPr lang="en-GB" dirty="0"/>
+              <a:t>Now create the </a:t>
+            </a:r>
+            <a:r>
+              <a:rPr lang="en-GB" dirty="0" err="1"/>
+              <a:t>foobar</a:t>
+            </a:r>
+            <a:r>
+              <a:rPr lang="en-GB" dirty="0"/>
+              <a:t> topic again, but with 3 partitions and 3 replicas.</a:t>
+            </a:r>
+          </a:p>
+          <a:p>
+            <a:r>
+              <a:rPr lang="en-GB" dirty="0"/>
+              <a:t>Now the topic is replicated across all brokers</a:t>
+            </a:r>
+          </a:p>
+          <a:p>
+            <a:pPr lvl="1"/>
+            <a:r>
+              <a:rPr lang="en-GB" dirty="0"/>
+              <a:t>Can you have more replicas? Why? Why not? Try it out!</a:t>
+            </a:r>
+          </a:p>
+          <a:p>
+            <a:r>
+              <a:rPr lang="en-GB" dirty="0"/>
+              <a:t>Now look at the topic and specifically the partitions (in the partitions tab)</a:t>
+            </a:r>
+          </a:p>
+          <a:p>
+            <a:pPr lvl="1"/>
+            <a:r>
+              <a:rPr lang="en-GB" dirty="0"/>
+              <a:t>Who are the leading brokers for each partition?</a:t>
+            </a:r>
+          </a:p>
+          <a:p>
+            <a:r>
+              <a:rPr lang="en-GB" dirty="0"/>
+              <a:t>Try to create some messages</a:t>
+            </a:r>
+          </a:p>
+          <a:p>
+            <a:r>
+              <a:rPr lang="en-GB" dirty="0"/>
+              <a:t>Now kill a broker!</a:t>
+            </a:r>
+          </a:p>
+          <a:p>
+            <a:pPr lvl="1"/>
+            <a:r>
+              <a:rPr lang="en-GB" dirty="0"/>
+              <a:t>Open your </a:t>
+            </a:r>
+            <a:r>
+              <a:rPr lang="en-GB" dirty="0" err="1"/>
+              <a:t>favorite</a:t>
+            </a:r>
+            <a:r>
+              <a:rPr lang="en-GB" dirty="0"/>
+              <a:t> command line tool</a:t>
+            </a:r>
+          </a:p>
+          <a:p>
+            <a:pPr lvl="1"/>
+            <a:r>
+              <a:rPr lang="en-GB" dirty="0"/>
+              <a:t>Insert: </a:t>
+            </a:r>
+          </a:p>
+          <a:p>
+            <a:pPr lvl="2"/>
+            <a:r>
+              <a:rPr lang="en-GB" dirty="0"/>
+              <a:t>Docker stop kafka3</a:t>
+            </a:r>
+          </a:p>
+          <a:p>
+            <a:pPr lvl="1"/>
+            <a:r>
+              <a:rPr lang="en-GB" dirty="0"/>
+              <a:t>Now one of the three </a:t>
+            </a:r>
+            <a:r>
+              <a:rPr lang="en-GB" dirty="0" err="1"/>
+              <a:t>kafka</a:t>
+            </a:r>
+            <a:r>
+              <a:rPr lang="en-GB" dirty="0"/>
+              <a:t> instances will die</a:t>
+            </a:r>
+          </a:p>
+          <a:p>
+            <a:r>
+              <a:rPr lang="en-GB" dirty="0"/>
+              <a:t>Are your messages still available?</a:t>
+            </a:r>
+          </a:p>
+          <a:p>
+            <a:endParaRPr lang="en-GB" dirty="0"/>
+          </a:p>
+        </p:txBody>
+      </p:sp>
+      <p:sp>
+        <p:nvSpPr>
+          <p:cNvPr id="4" name="Date Placeholder 3">
+            <a:extLst>
+              <a:ext uri="{FF2B5EF4-FFF2-40B4-BE49-F238E27FC236}">
+                <a16:creationId xmlns:a16="http://schemas.microsoft.com/office/drawing/2014/main" id="{5A6F871F-AC70-9871-1B04-6A40348051C6}"/>
+              </a:ext>
+            </a:extLst>
+          </p:cNvPr>
+          <p:cNvSpPr>
+            <a:spLocks noGrp="1"/>
+          </p:cNvSpPr>
+          <p:nvPr>
+            <p:ph type="dt" sz="half" idx="2"/>
+          </p:nvPr>
+        </p:nvSpPr>
+        <p:spPr/>
+        <p:txBody>
+          <a:bodyPr/>
+          <a:lstStyle/>
+          <a:p>
+            <a:fld id="{1372A5CE-9B28-3845-AFE6-A0F41B32F731}" type="datetime1">
+              <a:rPr lang="en-GB" smtClean="0"/>
+              <a:t>09/02/2023</a:t>
+            </a:fld>
+            <a:endParaRPr lang="en-GB" dirty="0"/>
+          </a:p>
+        </p:txBody>
+      </p:sp>
+      <p:sp>
+        <p:nvSpPr>
+          <p:cNvPr id="5" name="Footer Placeholder 4">
+            <a:extLst>
+              <a:ext uri="{FF2B5EF4-FFF2-40B4-BE49-F238E27FC236}">
+                <a16:creationId xmlns:a16="http://schemas.microsoft.com/office/drawing/2014/main" id="{447915CE-61EA-AA4A-D09A-16959D0A3076}"/>
               </a:ext>
             </a:extLst>
           </p:cNvPr>
@@ -36224,26 +36465,21 @@
             <p:ph type="ftr" sz="quarter" idx="14"/>
           </p:nvPr>
         </p:nvSpPr>
-        <p:spPr>
-          <a:xfrm>
-            <a:off x="6915600" y="6376129"/>
-            <a:ext cx="2240432" cy="180000"/>
-          </a:xfrm>
-        </p:spPr>
+        <p:spPr/>
         <p:txBody>
           <a:bodyPr/>
           <a:lstStyle/>
           <a:p>
-            <a:endParaRPr lang="en-GB"/>
+            <a:endParaRPr lang="en-GB" dirty="0"/>
           </a:p>
         </p:txBody>
       </p:sp>
       <p:sp>
         <p:nvSpPr>
-          <p:cNvPr id="4" name="Date Placeholder 3">
+          <p:cNvPr id="6" name="Slide Number Placeholder 5">
             <a:extLst>
               <a:ext uri="{FF2B5EF4-FFF2-40B4-BE49-F238E27FC236}">
-                <a16:creationId xmlns:a16="http://schemas.microsoft.com/office/drawing/2014/main" id="{F21D33AE-951F-FCB4-C3B5-A59BCB519747}"/>
+                <a16:creationId xmlns:a16="http://schemas.microsoft.com/office/drawing/2014/main" id="{DFA21465-B927-3AC3-B2B1-C3E91B54E315}"/>
               </a:ext>
             </a:extLst>
           </p:cNvPr>
@@ -36251,115 +36487,27 @@
             <a:spLocks noGrp="1"/>
           </p:cNvSpPr>
           <p:nvPr>
-            <p:ph type="dt" sz="half" idx="4294967295"/>
+            <p:ph type="sldNum" sz="quarter" idx="15"/>
           </p:nvPr>
         </p:nvSpPr>
-        <p:spPr>
-          <a:xfrm>
-            <a:off x="0" y="6912000"/>
-            <a:ext cx="0" cy="0"/>
-          </a:xfrm>
-        </p:spPr>
+        <p:spPr/>
         <p:txBody>
           <a:bodyPr/>
           <a:lstStyle/>
           <a:p>
-            <a:pPr>
-              <a:spcAft>
-                <a:spcPts val="600"/>
-              </a:spcAft>
-            </a:pPr>
-            <a:fld id="{0A0091F4-19FF-CB44-B7C6-8370C738D4C0}" type="datetime1">
+            <a:fld id="{45D37B1E-C366-494F-A587-962AD9AABC83}" type="slidenum">
               <a:rPr lang="en-GB" smtClean="0"/>
-              <a:pPr>
-                <a:spcAft>
-                  <a:spcPts val="600"/>
-                </a:spcAft>
-              </a:pPr>
-              <a:t>08/02/2023</a:t>
+              <a:pPr/>
+              <a:t>23</a:t>
             </a:fld>
-            <a:endParaRPr lang="en-GB"/>
+            <a:endParaRPr lang="en-GB" dirty="0"/>
           </a:p>
         </p:txBody>
       </p:sp>
-      <p:sp>
-        <p:nvSpPr>
-          <p:cNvPr id="6" name="Slide Number Placeholder 5">
-            <a:extLst>
-              <a:ext uri="{FF2B5EF4-FFF2-40B4-BE49-F238E27FC236}">
-                <a16:creationId xmlns:a16="http://schemas.microsoft.com/office/drawing/2014/main" id="{20EBFDB3-4D25-BBB2-05B8-54EC4F5C9D95}"/>
-              </a:ext>
-            </a:extLst>
-          </p:cNvPr>
-          <p:cNvSpPr>
-            <a:spLocks noGrp="1"/>
-          </p:cNvSpPr>
-          <p:nvPr>
-            <p:ph type="sldNum" sz="quarter" idx="4294967295"/>
-          </p:nvPr>
-        </p:nvSpPr>
-        <p:spPr>
-          <a:xfrm>
-            <a:off x="0" y="6912000"/>
-            <a:ext cx="0" cy="0"/>
-          </a:xfrm>
-        </p:spPr>
-        <p:txBody>
-          <a:bodyPr/>
-          <a:lstStyle/>
-          <a:p>
-            <a:pPr>
-              <a:spcAft>
-                <a:spcPts val="600"/>
-              </a:spcAft>
-            </a:pPr>
-            <a:fld id="{45D37B1E-C366-494F-A587-962AD9AABC83}" type="slidenum">
-              <a:rPr lang="en-GB" smtClean="0"/>
-              <a:pPr>
-                <a:spcAft>
-                  <a:spcPts val="600"/>
-                </a:spcAft>
-              </a:pPr>
-              <a:t>23</a:t>
-            </a:fld>
-            <a:endParaRPr lang="en-GB"/>
-          </a:p>
-        </p:txBody>
-      </p:sp>
-      <p:graphicFrame>
-        <p:nvGraphicFramePr>
-          <p:cNvPr id="7" name="Content Placeholder 2">
-            <a:extLst>
-              <a:ext uri="{FF2B5EF4-FFF2-40B4-BE49-F238E27FC236}">
-                <a16:creationId xmlns:a16="http://schemas.microsoft.com/office/drawing/2014/main" id="{541C33F7-3874-B4AE-0497-95E9E9CE91AA}"/>
-              </a:ext>
-            </a:extLst>
-          </p:cNvPr>
-          <p:cNvGraphicFramePr>
-            <a:graphicFrameLocks/>
-          </p:cNvGraphicFramePr>
-          <p:nvPr>
-            <p:extLst>
-              <p:ext uri="{D42A27DB-BD31-4B8C-83A1-F6EECF244321}">
-                <p14:modId xmlns:p14="http://schemas.microsoft.com/office/powerpoint/2010/main" val="3325443682"/>
-              </p:ext>
-            </p:extLst>
-          </p:nvPr>
-        </p:nvGraphicFramePr>
-        <p:xfrm>
-          <a:off x="414696" y="1700213"/>
-          <a:ext cx="10952580" cy="4141787"/>
-        </p:xfrm>
-        <a:graphic>
-          <a:graphicData uri="http://schemas.openxmlformats.org/drawingml/2006/diagram">
-            <dgm:relIds xmlns:dgm="http://schemas.openxmlformats.org/drawingml/2006/diagram" xmlns:r="http://schemas.openxmlformats.org/officeDocument/2006/relationships" r:dm="rId2" r:lo="rId3" r:qs="rId4" r:cs="rId5"/>
-          </a:graphicData>
-        </a:graphic>
-      </p:graphicFrame>
     </p:spTree>
     <p:extLst>
       <p:ext uri="{BB962C8B-B14F-4D97-AF65-F5344CB8AC3E}">
-        <p14:creationId xmlns:p14="http://schemas.microsoft.com/office/powerpoint/2010/main" val="883644932"/>
+        <p14:creationId xmlns:p14="http://schemas.microsoft.com/office/powerpoint/2010/main" val="3442386485"/>
       </p:ext>
     </p:extLst>
   </p:cSld>
@@ -36428,17 +36576,17 @@
           <a:p>
             <a:r>
               <a:rPr lang="en-DK" dirty="0"/>
-              <a:t>Architecture Exercise #3</a:t>
+              <a:t>Architecture Exercise #1</a:t>
             </a:r>
           </a:p>
         </p:txBody>
       </p:sp>
       <p:sp>
         <p:nvSpPr>
-          <p:cNvPr id="14" name="Footer Placeholder 4">
+          <p:cNvPr id="19" name="Footer Placeholder 4">
             <a:extLst>
               <a:ext uri="{FF2B5EF4-FFF2-40B4-BE49-F238E27FC236}">
-                <a16:creationId xmlns:a16="http://schemas.microsoft.com/office/drawing/2014/main" id="{0B5ED656-C0B0-B175-585B-C2638CCA13FD}"/>
+                <a16:creationId xmlns:a16="http://schemas.microsoft.com/office/drawing/2014/main" id="{64772A74-08D3-1122-2C2D-2740EB32158E}"/>
               </a:ext>
             </a:extLst>
           </p:cNvPr>
@@ -36476,10 +36624,15 @@
             <a:spLocks noGrp="1"/>
           </p:cNvSpPr>
           <p:nvPr>
-            <p:ph type="dt" sz="half" idx="2"/>
+            <p:ph type="dt" sz="half" idx="4294967295"/>
           </p:nvPr>
         </p:nvSpPr>
-        <p:spPr/>
+        <p:spPr>
+          <a:xfrm>
+            <a:off x="0" y="6912000"/>
+            <a:ext cx="0" cy="0"/>
+          </a:xfrm>
+        </p:spPr>
         <p:txBody>
           <a:bodyPr/>
           <a:lstStyle/>
@@ -36496,7 +36649,7 @@
                   <a:spcPts val="600"/>
                 </a:spcAft>
               </a:pPr>
-              <a:t>08/02/2023</a:t>
+              <a:t>09/02/2023</a:t>
             </a:fld>
             <a:endParaRPr lang="en-GB"/>
           </a:p>
@@ -36515,10 +36668,15 @@
             <a:spLocks noGrp="1"/>
           </p:cNvSpPr>
           <p:nvPr>
-            <p:ph type="sldNum" sz="quarter" idx="15"/>
+            <p:ph type="sldNum" sz="quarter" idx="4294967295"/>
           </p:nvPr>
         </p:nvSpPr>
-        <p:spPr/>
+        <p:spPr>
+          <a:xfrm>
+            <a:off x="0" y="6912000"/>
+            <a:ext cx="0" cy="0"/>
+          </a:xfrm>
+        </p:spPr>
         <p:txBody>
           <a:bodyPr/>
           <a:lstStyle/>
@@ -36543,10 +36701,10 @@
       </p:sp>
       <p:graphicFrame>
         <p:nvGraphicFramePr>
-          <p:cNvPr id="15" name="Content Placeholder 2">
+          <p:cNvPr id="17" name="Content Placeholder 2">
             <a:extLst>
               <a:ext uri="{FF2B5EF4-FFF2-40B4-BE49-F238E27FC236}">
-                <a16:creationId xmlns:a16="http://schemas.microsoft.com/office/drawing/2014/main" id="{74437F3C-C343-0DA4-AF9D-806D5825891C}"/>
+                <a16:creationId xmlns:a16="http://schemas.microsoft.com/office/drawing/2014/main" id="{01D50451-D6F8-DC65-FE34-727970880B18}"/>
               </a:ext>
             </a:extLst>
           </p:cNvPr>
@@ -36557,7 +36715,7 @@
             <p:ph sz="quarter" idx="13"/>
             <p:extLst>
               <p:ext uri="{D42A27DB-BD31-4B8C-83A1-F6EECF244321}">
-                <p14:modId xmlns:p14="http://schemas.microsoft.com/office/powerpoint/2010/main" val="3032130679"/>
+                <p14:modId xmlns:p14="http://schemas.microsoft.com/office/powerpoint/2010/main" val="1185261425"/>
               </p:ext>
             </p:extLst>
           </p:nvPr>
@@ -36575,7 +36733,7 @@
     </p:spTree>
     <p:extLst>
       <p:ext uri="{BB962C8B-B14F-4D97-AF65-F5344CB8AC3E}">
-        <p14:creationId xmlns:p14="http://schemas.microsoft.com/office/powerpoint/2010/main" val="2621684050"/>
+        <p14:creationId xmlns:p14="http://schemas.microsoft.com/office/powerpoint/2010/main" val="1189092524"/>
       </p:ext>
     </p:extLst>
   </p:cSld>
@@ -36616,6 +36774,447 @@
       </p:grpSpPr>
       <p:sp>
         <p:nvSpPr>
+          <p:cNvPr id="2" name="Title 1">
+            <a:extLst>
+              <a:ext uri="{FF2B5EF4-FFF2-40B4-BE49-F238E27FC236}">
+                <a16:creationId xmlns:a16="http://schemas.microsoft.com/office/drawing/2014/main" id="{842E55BB-0792-9491-F5A8-61B88A153F05}"/>
+              </a:ext>
+            </a:extLst>
+          </p:cNvPr>
+          <p:cNvSpPr>
+            <a:spLocks noGrp="1"/>
+          </p:cNvSpPr>
+          <p:nvPr>
+            <p:ph type="ctrTitle"/>
+          </p:nvPr>
+        </p:nvSpPr>
+        <p:spPr>
+          <a:xfrm>
+            <a:off x="414696" y="999173"/>
+            <a:ext cx="10952579" cy="701040"/>
+          </a:xfrm>
+        </p:spPr>
+        <p:txBody>
+          <a:bodyPr anchor="t">
+            <a:normAutofit/>
+          </a:bodyPr>
+          <a:lstStyle/>
+          <a:p>
+            <a:r>
+              <a:rPr lang="en-DK" dirty="0"/>
+              <a:t>Architecture Exercise #2</a:t>
+            </a:r>
+          </a:p>
+        </p:txBody>
+      </p:sp>
+      <p:sp>
+        <p:nvSpPr>
+          <p:cNvPr id="23" name="Footer Placeholder 4">
+            <a:extLst>
+              <a:ext uri="{FF2B5EF4-FFF2-40B4-BE49-F238E27FC236}">
+                <a16:creationId xmlns:a16="http://schemas.microsoft.com/office/drawing/2014/main" id="{C4EA1488-B887-DD33-1E2B-4FB5A7A0F730}"/>
+              </a:ext>
+            </a:extLst>
+          </p:cNvPr>
+          <p:cNvSpPr>
+            <a:spLocks noGrp="1"/>
+          </p:cNvSpPr>
+          <p:nvPr>
+            <p:ph type="ftr" sz="quarter" idx="14"/>
+          </p:nvPr>
+        </p:nvSpPr>
+        <p:spPr>
+          <a:xfrm>
+            <a:off x="6915600" y="6376129"/>
+            <a:ext cx="2240432" cy="180000"/>
+          </a:xfrm>
+        </p:spPr>
+        <p:txBody>
+          <a:bodyPr/>
+          <a:lstStyle/>
+          <a:p>
+            <a:endParaRPr lang="en-GB"/>
+          </a:p>
+        </p:txBody>
+      </p:sp>
+      <p:sp>
+        <p:nvSpPr>
+          <p:cNvPr id="4" name="Date Placeholder 3">
+            <a:extLst>
+              <a:ext uri="{FF2B5EF4-FFF2-40B4-BE49-F238E27FC236}">
+                <a16:creationId xmlns:a16="http://schemas.microsoft.com/office/drawing/2014/main" id="{F21D33AE-951F-FCB4-C3B5-A59BCB519747}"/>
+              </a:ext>
+            </a:extLst>
+          </p:cNvPr>
+          <p:cNvSpPr>
+            <a:spLocks noGrp="1"/>
+          </p:cNvSpPr>
+          <p:nvPr>
+            <p:ph type="dt" sz="half" idx="4294967295"/>
+          </p:nvPr>
+        </p:nvSpPr>
+        <p:spPr>
+          <a:xfrm>
+            <a:off x="0" y="6912000"/>
+            <a:ext cx="0" cy="0"/>
+          </a:xfrm>
+        </p:spPr>
+        <p:txBody>
+          <a:bodyPr/>
+          <a:lstStyle/>
+          <a:p>
+            <a:pPr>
+              <a:spcAft>
+                <a:spcPts val="600"/>
+              </a:spcAft>
+            </a:pPr>
+            <a:fld id="{0A0091F4-19FF-CB44-B7C6-8370C738D4C0}" type="datetime1">
+              <a:rPr lang="en-GB" smtClean="0"/>
+              <a:pPr>
+                <a:spcAft>
+                  <a:spcPts val="600"/>
+                </a:spcAft>
+              </a:pPr>
+              <a:t>09/02/2023</a:t>
+            </a:fld>
+            <a:endParaRPr lang="en-GB"/>
+          </a:p>
+        </p:txBody>
+      </p:sp>
+      <p:sp>
+        <p:nvSpPr>
+          <p:cNvPr id="6" name="Slide Number Placeholder 5">
+            <a:extLst>
+              <a:ext uri="{FF2B5EF4-FFF2-40B4-BE49-F238E27FC236}">
+                <a16:creationId xmlns:a16="http://schemas.microsoft.com/office/drawing/2014/main" id="{20EBFDB3-4D25-BBB2-05B8-54EC4F5C9D95}"/>
+              </a:ext>
+            </a:extLst>
+          </p:cNvPr>
+          <p:cNvSpPr>
+            <a:spLocks noGrp="1"/>
+          </p:cNvSpPr>
+          <p:nvPr>
+            <p:ph type="sldNum" sz="quarter" idx="4294967295"/>
+          </p:nvPr>
+        </p:nvSpPr>
+        <p:spPr>
+          <a:xfrm>
+            <a:off x="0" y="6912000"/>
+            <a:ext cx="0" cy="0"/>
+          </a:xfrm>
+        </p:spPr>
+        <p:txBody>
+          <a:bodyPr/>
+          <a:lstStyle/>
+          <a:p>
+            <a:pPr>
+              <a:spcAft>
+                <a:spcPts val="600"/>
+              </a:spcAft>
+            </a:pPr>
+            <a:fld id="{45D37B1E-C366-494F-A587-962AD9AABC83}" type="slidenum">
+              <a:rPr lang="en-GB" smtClean="0"/>
+              <a:pPr>
+                <a:spcAft>
+                  <a:spcPts val="600"/>
+                </a:spcAft>
+              </a:pPr>
+              <a:t>25</a:t>
+            </a:fld>
+            <a:endParaRPr lang="en-GB"/>
+          </a:p>
+        </p:txBody>
+      </p:sp>
+      <p:graphicFrame>
+        <p:nvGraphicFramePr>
+          <p:cNvPr id="7" name="Content Placeholder 2">
+            <a:extLst>
+              <a:ext uri="{FF2B5EF4-FFF2-40B4-BE49-F238E27FC236}">
+                <a16:creationId xmlns:a16="http://schemas.microsoft.com/office/drawing/2014/main" id="{541C33F7-3874-B4AE-0497-95E9E9CE91AA}"/>
+              </a:ext>
+            </a:extLst>
+          </p:cNvPr>
+          <p:cNvGraphicFramePr>
+            <a:graphicFrameLocks/>
+          </p:cNvGraphicFramePr>
+          <p:nvPr>
+            <p:extLst>
+              <p:ext uri="{D42A27DB-BD31-4B8C-83A1-F6EECF244321}">
+                <p14:modId xmlns:p14="http://schemas.microsoft.com/office/powerpoint/2010/main" val="3325443682"/>
+              </p:ext>
+            </p:extLst>
+          </p:nvPr>
+        </p:nvGraphicFramePr>
+        <p:xfrm>
+          <a:off x="414696" y="1700213"/>
+          <a:ext cx="10952580" cy="4141787"/>
+        </p:xfrm>
+        <a:graphic>
+          <a:graphicData uri="http://schemas.openxmlformats.org/drawingml/2006/diagram">
+            <dgm:relIds xmlns:dgm="http://schemas.openxmlformats.org/drawingml/2006/diagram" xmlns:r="http://schemas.openxmlformats.org/officeDocument/2006/relationships" r:dm="rId2" r:lo="rId3" r:qs="rId4" r:cs="rId5"/>
+          </a:graphicData>
+        </a:graphic>
+      </p:graphicFrame>
+    </p:spTree>
+    <p:extLst>
+      <p:ext uri="{BB962C8B-B14F-4D97-AF65-F5344CB8AC3E}">
+        <p14:creationId xmlns:p14="http://schemas.microsoft.com/office/powerpoint/2010/main" val="883644932"/>
+      </p:ext>
+    </p:extLst>
+  </p:cSld>
+  <p:clrMapOvr>
+    <a:masterClrMapping/>
+  </p:clrMapOvr>
+  <mc:AlternateContent xmlns:mc="http://schemas.openxmlformats.org/markup-compatibility/2006" xmlns:p159="http://schemas.microsoft.com/office/powerpoint/2015/09/main">
+    <mc:Choice Requires="p159">
+      <p:transition spd="med">
+        <p159:morph option="byObject"/>
+      </p:transition>
+    </mc:Choice>
+    <mc:Fallback xmlns="">
+      <p:transition spd="med">
+        <p:fade/>
+      </p:transition>
+    </mc:Fallback>
+  </mc:AlternateContent>
+</p:sld>
+</file>
+
+<file path=ppt/slides/slide26.xml><?xml version="1.0" encoding="utf-8"?>
+<p:sld xmlns:a="http://schemas.openxmlformats.org/drawingml/2006/main" xmlns:r="http://schemas.openxmlformats.org/officeDocument/2006/relationships" xmlns:p="http://schemas.openxmlformats.org/presentationml/2006/main">
+  <p:cSld>
+    <p:spTree>
+      <p:nvGrpSpPr>
+        <p:cNvPr id="1" name=""/>
+        <p:cNvGrpSpPr/>
+        <p:nvPr/>
+      </p:nvGrpSpPr>
+      <p:grpSpPr>
+        <a:xfrm>
+          <a:off x="0" y="0"/>
+          <a:ext cx="0" cy="0"/>
+          <a:chOff x="0" y="0"/>
+          <a:chExt cx="0" cy="0"/>
+        </a:xfrm>
+      </p:grpSpPr>
+      <p:sp>
+        <p:nvSpPr>
+          <p:cNvPr id="2" name="Title 1">
+            <a:extLst>
+              <a:ext uri="{FF2B5EF4-FFF2-40B4-BE49-F238E27FC236}">
+                <a16:creationId xmlns:a16="http://schemas.microsoft.com/office/drawing/2014/main" id="{842E55BB-0792-9491-F5A8-61B88A153F05}"/>
+              </a:ext>
+            </a:extLst>
+          </p:cNvPr>
+          <p:cNvSpPr>
+            <a:spLocks noGrp="1"/>
+          </p:cNvSpPr>
+          <p:nvPr>
+            <p:ph type="ctrTitle"/>
+          </p:nvPr>
+        </p:nvSpPr>
+        <p:spPr>
+          <a:xfrm>
+            <a:off x="414696" y="999173"/>
+            <a:ext cx="10952579" cy="701040"/>
+          </a:xfrm>
+        </p:spPr>
+        <p:txBody>
+          <a:bodyPr anchor="t">
+            <a:normAutofit/>
+          </a:bodyPr>
+          <a:lstStyle/>
+          <a:p>
+            <a:r>
+              <a:rPr lang="en-DK" dirty="0"/>
+              <a:t>Architecture Exercise #3</a:t>
+            </a:r>
+          </a:p>
+        </p:txBody>
+      </p:sp>
+      <p:sp>
+        <p:nvSpPr>
+          <p:cNvPr id="14" name="Footer Placeholder 4">
+            <a:extLst>
+              <a:ext uri="{FF2B5EF4-FFF2-40B4-BE49-F238E27FC236}">
+                <a16:creationId xmlns:a16="http://schemas.microsoft.com/office/drawing/2014/main" id="{0B5ED656-C0B0-B175-585B-C2638CCA13FD}"/>
+              </a:ext>
+            </a:extLst>
+          </p:cNvPr>
+          <p:cNvSpPr>
+            <a:spLocks noGrp="1"/>
+          </p:cNvSpPr>
+          <p:nvPr>
+            <p:ph type="ftr" sz="quarter" idx="14"/>
+          </p:nvPr>
+        </p:nvSpPr>
+        <p:spPr>
+          <a:xfrm>
+            <a:off x="6915600" y="6376129"/>
+            <a:ext cx="2240432" cy="180000"/>
+          </a:xfrm>
+        </p:spPr>
+        <p:txBody>
+          <a:bodyPr/>
+          <a:lstStyle/>
+          <a:p>
+            <a:endParaRPr lang="en-GB"/>
+          </a:p>
+        </p:txBody>
+      </p:sp>
+      <p:sp>
+        <p:nvSpPr>
+          <p:cNvPr id="4" name="Date Placeholder 3">
+            <a:extLst>
+              <a:ext uri="{FF2B5EF4-FFF2-40B4-BE49-F238E27FC236}">
+                <a16:creationId xmlns:a16="http://schemas.microsoft.com/office/drawing/2014/main" id="{F21D33AE-951F-FCB4-C3B5-A59BCB519747}"/>
+              </a:ext>
+            </a:extLst>
+          </p:cNvPr>
+          <p:cNvSpPr>
+            <a:spLocks noGrp="1"/>
+          </p:cNvSpPr>
+          <p:nvPr>
+            <p:ph type="dt" sz="half" idx="2"/>
+          </p:nvPr>
+        </p:nvSpPr>
+        <p:spPr/>
+        <p:txBody>
+          <a:bodyPr/>
+          <a:lstStyle/>
+          <a:p>
+            <a:pPr>
+              <a:spcAft>
+                <a:spcPts val="600"/>
+              </a:spcAft>
+            </a:pPr>
+            <a:fld id="{0A0091F4-19FF-CB44-B7C6-8370C738D4C0}" type="datetime1">
+              <a:rPr lang="en-GB" smtClean="0"/>
+              <a:pPr>
+                <a:spcAft>
+                  <a:spcPts val="600"/>
+                </a:spcAft>
+              </a:pPr>
+              <a:t>09/02/2023</a:t>
+            </a:fld>
+            <a:endParaRPr lang="en-GB"/>
+          </a:p>
+        </p:txBody>
+      </p:sp>
+      <p:sp>
+        <p:nvSpPr>
+          <p:cNvPr id="6" name="Slide Number Placeholder 5">
+            <a:extLst>
+              <a:ext uri="{FF2B5EF4-FFF2-40B4-BE49-F238E27FC236}">
+                <a16:creationId xmlns:a16="http://schemas.microsoft.com/office/drawing/2014/main" id="{20EBFDB3-4D25-BBB2-05B8-54EC4F5C9D95}"/>
+              </a:ext>
+            </a:extLst>
+          </p:cNvPr>
+          <p:cNvSpPr>
+            <a:spLocks noGrp="1"/>
+          </p:cNvSpPr>
+          <p:nvPr>
+            <p:ph type="sldNum" sz="quarter" idx="15"/>
+          </p:nvPr>
+        </p:nvSpPr>
+        <p:spPr/>
+        <p:txBody>
+          <a:bodyPr/>
+          <a:lstStyle/>
+          <a:p>
+            <a:pPr>
+              <a:spcAft>
+                <a:spcPts val="600"/>
+              </a:spcAft>
+            </a:pPr>
+            <a:fld id="{45D37B1E-C366-494F-A587-962AD9AABC83}" type="slidenum">
+              <a:rPr lang="en-GB" smtClean="0"/>
+              <a:pPr>
+                <a:spcAft>
+                  <a:spcPts val="600"/>
+                </a:spcAft>
+              </a:pPr>
+              <a:t>26</a:t>
+            </a:fld>
+            <a:endParaRPr lang="en-GB"/>
+          </a:p>
+        </p:txBody>
+      </p:sp>
+      <p:graphicFrame>
+        <p:nvGraphicFramePr>
+          <p:cNvPr id="15" name="Content Placeholder 2">
+            <a:extLst>
+              <a:ext uri="{FF2B5EF4-FFF2-40B4-BE49-F238E27FC236}">
+                <a16:creationId xmlns:a16="http://schemas.microsoft.com/office/drawing/2014/main" id="{74437F3C-C343-0DA4-AF9D-806D5825891C}"/>
+              </a:ext>
+            </a:extLst>
+          </p:cNvPr>
+          <p:cNvGraphicFramePr>
+            <a:graphicFrameLocks noGrp="1"/>
+          </p:cNvGraphicFramePr>
+          <p:nvPr>
+            <p:ph sz="quarter" idx="13"/>
+            <p:extLst>
+              <p:ext uri="{D42A27DB-BD31-4B8C-83A1-F6EECF244321}">
+                <p14:modId xmlns:p14="http://schemas.microsoft.com/office/powerpoint/2010/main" val="3551836339"/>
+              </p:ext>
+            </p:extLst>
+          </p:nvPr>
+        </p:nvGraphicFramePr>
+        <p:xfrm>
+          <a:off x="414696" y="1989138"/>
+          <a:ext cx="10952580" cy="3852862"/>
+        </p:xfrm>
+        <a:graphic>
+          <a:graphicData uri="http://schemas.openxmlformats.org/drawingml/2006/diagram">
+            <dgm:relIds xmlns:dgm="http://schemas.openxmlformats.org/drawingml/2006/diagram" xmlns:r="http://schemas.openxmlformats.org/officeDocument/2006/relationships" r:dm="rId3" r:lo="rId4" r:qs="rId5" r:cs="rId6"/>
+          </a:graphicData>
+        </a:graphic>
+      </p:graphicFrame>
+    </p:spTree>
+    <p:extLst>
+      <p:ext uri="{BB962C8B-B14F-4D97-AF65-F5344CB8AC3E}">
+        <p14:creationId xmlns:p14="http://schemas.microsoft.com/office/powerpoint/2010/main" val="2621684050"/>
+      </p:ext>
+    </p:extLst>
+  </p:cSld>
+  <p:clrMapOvr>
+    <a:masterClrMapping/>
+  </p:clrMapOvr>
+  <mc:AlternateContent xmlns:mc="http://schemas.openxmlformats.org/markup-compatibility/2006" xmlns:p159="http://schemas.microsoft.com/office/powerpoint/2015/09/main">
+    <mc:Choice Requires="p159">
+      <p:transition spd="med">
+        <p159:morph option="byObject"/>
+      </p:transition>
+    </mc:Choice>
+    <mc:Fallback xmlns="">
+      <p:transition spd="med">
+        <p:fade/>
+      </p:transition>
+    </mc:Fallback>
+  </mc:AlternateContent>
+</p:sld>
+</file>
+
+<file path=ppt/slides/slide27.xml><?xml version="1.0" encoding="utf-8"?>
+<p:sld xmlns:a="http://schemas.openxmlformats.org/drawingml/2006/main" xmlns:r="http://schemas.openxmlformats.org/officeDocument/2006/relationships" xmlns:p="http://schemas.openxmlformats.org/presentationml/2006/main">
+  <p:cSld>
+    <p:spTree>
+      <p:nvGrpSpPr>
+        <p:cNvPr id="1" name=""/>
+        <p:cNvGrpSpPr/>
+        <p:nvPr/>
+      </p:nvGrpSpPr>
+      <p:grpSpPr>
+        <a:xfrm>
+          <a:off x="0" y="0"/>
+          <a:ext cx="0" cy="0"/>
+          <a:chOff x="0" y="0"/>
+          <a:chExt cx="0" cy="0"/>
+        </a:xfrm>
+      </p:grpSpPr>
+      <p:sp>
+        <p:nvSpPr>
           <p:cNvPr id="2" name="Titel 1">
             <a:extLst>
               <a:ext uri="{FF2B5EF4-FFF2-40B4-BE49-F238E27FC236}">
@@ -36665,7 +37264,7 @@
           <a:p>
             <a:fld id="{D79DA285-5F6C-4FD7-9C68-91CEDE0D25AD}" type="datetime1">
               <a:rPr lang="en-GB" smtClean="0"/>
-              <a:t>08/02/2023</a:t>
+              <a:t>09/02/2023</a:t>
             </a:fld>
             <a:endParaRPr lang="en-GB" dirty="0"/>
           </a:p>
@@ -36700,7 +37299,7 @@
             <a:fld id="{45D37B1E-C366-494F-A587-962AD9AABC83}" type="slidenum">
               <a:rPr lang="en-GB" smtClean="0"/>
               <a:pPr/>
-              <a:t>25</a:t>
+              <a:t>27</a:t>
             </a:fld>
             <a:endParaRPr lang="en-GB" dirty="0"/>
           </a:p>
@@ -36829,7 +37428,7 @@
             <p:ph sz="quarter" idx="13"/>
             <p:extLst>
               <p:ext uri="{D42A27DB-BD31-4B8C-83A1-F6EECF244321}">
-                <p14:modId xmlns:p14="http://schemas.microsoft.com/office/powerpoint/2010/main" val="2528089935"/>
+                <p14:modId xmlns:p14="http://schemas.microsoft.com/office/powerpoint/2010/main" val="517882700"/>
               </p:ext>
             </p:extLst>
           </p:nvPr>
@@ -37137,7 +37736,7 @@
                   <a:spcPts val="600"/>
                 </a:spcAft>
               </a:pPr>
-              <a:t>08/02/2023</a:t>
+              <a:t>09/02/2023</a:t>
             </a:fld>
             <a:endParaRPr lang="en-GB"/>
           </a:p>
@@ -37670,7 +38269,7 @@
           <a:p>
             <a:fld id="{31AEFF60-4D72-E04F-926B-DB5A91632B1E}" type="datetime1">
               <a:rPr lang="en-GB" smtClean="0"/>
-              <a:t>08/02/2023</a:t>
+              <a:t>09/02/2023</a:t>
             </a:fld>
             <a:endParaRPr lang="en-GB" dirty="0"/>
           </a:p>
@@ -38033,7 +38632,7 @@
                   <a:spcPts val="600"/>
                 </a:spcAft>
               </a:pPr>
-              <a:t>08/02/2023</a:t>
+              <a:t>09/02/2023</a:t>
             </a:fld>
             <a:endParaRPr lang="en-GB"/>
           </a:p>
@@ -38432,7 +39031,7 @@
                   <a:spcPts val="600"/>
                 </a:spcAft>
               </a:pPr>
-              <a:t>08/02/2023</a:t>
+              <a:t>09/02/2023</a:t>
             </a:fld>
             <a:endParaRPr lang="en-GB"/>
           </a:p>
@@ -38778,7 +39377,7 @@
                   <a:spcPts val="600"/>
                 </a:spcAft>
               </a:pPr>
-              <a:t>08/02/2023</a:t>
+              <a:t>09/02/2023</a:t>
             </a:fld>
             <a:endParaRPr lang="en-GB"/>
           </a:p>
@@ -39669,7 +40268,7 @@
 </file>
 
 <file path=customXml/item1.xml><?xml version="1.0" encoding="utf-8"?>
-<TemplafySlideTemplateConfiguration><![CDATA[{"documentContentValidatorConfiguration":{"enableDocumentContentValidator":false,"documentContentValidatorVersion":0},"elementsMetadata":[],"slideId":"636891895634292862","enableDocumentContentUpdater":true,"version":"1.3"}]]></TemplafySlideTemplateConfiguration>
+<TemplafyTemplateConfiguration><![CDATA[{"elementsMetadata":[{"type":"shape","id":"4977ec29-44ef-477d-819b-6ea7d6afc1a3","elementConfiguration":{"format":"{{DateFormats.MonthYear}}","binding":"Form.Date","disableUpdates":false,"type":"date"}},{"type":"shape","id":"11ecd844-875f-4970-9e39-cbf230e36a56","elementConfiguration":{"binding":"UserProfile.Institut.InstituteDCU_{{DocumentLanguage}}","disableUpdates":false,"type":"text"}},{"type":"shape","id":"5eb95cf3-e211-45ac-90b8-7ff67ec93dc9","elementConfiguration":{"binding":"UserProfile.Institut.InstituteDCU_{{DocumentLanguage}}","disableUpdates":false,"type":"text"}},{"type":"shape","id":"5ad53d89-6978-4894-8bca-65268657c52b","elementConfiguration":{"format":"{{DateFormats.MonthYear}}","binding":"Form.Date","disableUpdates":false,"type":"date"}},{"type":"shape","id":"61d7e8ad-64ac-43f8-907d-5dc7e7128760","elementConfiguration":{"binding":"UserProfile.Institut.InstituteDCU_{{DocumentLanguage}}","disableUpdates":false,"type":"text"}},{"type":"shape","id":"7c9e1993-7543-4440-904c-2ed7d875dff1","elementConfiguration":{"format":"{{DateFormats.MonthYear}}","binding":"Form.Date","disableUpdates":false,"type":"date"}},{"type":"shape","id":"e400f480-64cf-4078-8232-274cc007cd49","elementConfiguration":{"binding":"UserProfile.Institut.InstituteDCU_{{DocumentLanguage}}","disableUpdates":false,"type":"text"}},{"type":"shape","id":"905f8844-75f1-4d71-b9aa-93aaf6f5acf8","elementConfiguration":{"format":"{{DateFormats.MonthYear}}","binding":"Form.Date","disableUpdates":false,"type":"date"}},{"type":"shape","id":"f5450791-7b36-4d13-94fd-25e09e9d328f","elementConfiguration":{"format":"{{DateFormats.MonthYear}}","binding":"Form.Date","disableUpdates":false,"type":"date"}},{"type":"shape","id":"7883275b-c632-4673-be47-18e8974e5e65","elementConfiguration":{"binding":"UserProfile.Institut.InstituteDCU_{{DocumentLanguage}}","disableUpdates":false,"type":"text"}},{"type":"shape","id":"5bf27cbb-08b3-47ca-b3e5-685a97b97289","elementConfiguration":{"binding":"UserProfile.Institut.InstituteDCU_{{DocumentLanguage}}","disableUpdates":false,"type":"text"}},{"type":"shape","id":"21c95691-785b-4090-8b40-1eb109d510bb","elementConfiguration":{"binding":"UserProfile.Institut.InstituteDCU_{{DocumentLanguage}}","disableUpdates":false,"type":"text"}},{"type":"shape","id":"d3664285-11bc-4eee-8673-ea315274ef3f","elementConfiguration":{"format":"{{DateFormats.MonthYear}}","binding":"Form.Date","disableUpdates":false,"type":"date"}}],"transformationConfigurations":[{"language":"{{DocumentLanguage}}","disableUpdates":false,"type":"proofingLanguage"}],"templateName":"","templateDescription":"","enableDocumentContentUpdater":true,"version":"1.3"}]]></TemplafyTemplateConfiguration>
 </file>
 
 <file path=customXml/item2.xml><?xml version="1.0" encoding="utf-8"?>
@@ -39682,20 +40281,10 @@
 </file>
 
 <file path=customXml/item3.xml><?xml version="1.0" encoding="utf-8"?>
-<p:properties xmlns:p="http://schemas.microsoft.com/office/2006/metadata/properties" xmlns:xsi="http://www.w3.org/2001/XMLSchema-instance" xmlns:pc="http://schemas.microsoft.com/office/infopath/2007/PartnerControls">
-  <documentManagement/>
-</p:properties>
+<TemplafySlideTemplateConfiguration><![CDATA[{"documentContentValidatorConfiguration":{"enableDocumentContentValidator":false,"documentContentValidatorVersion":0},"elementsMetadata":[],"slideId":"636891895634292862","enableDocumentContentUpdater":true,"version":"1.3"}]]></TemplafySlideTemplateConfiguration>
 </file>
 
 <file path=customXml/item4.xml><?xml version="1.0" encoding="utf-8"?>
-<TemplafySlideFormConfiguration><![CDATA[{"formFields":[],"formDataEntries":[]}]]></TemplafySlideFormConfiguration>
-</file>
-
-<file path=customXml/item5.xml><?xml version="1.0" encoding="utf-8"?>
-<TemplafyFormConfiguration><![CDATA[{"formFields":[{"required":false,"helpTexts":{"prefix":"","postfix":""},"spacing":{},"type":"datePicker","name":"Date","label":"Date","fullyQualifiedName":"Date"}],"formDataEntries":[{"name":"Date","value":"Bn2mo22gdMz/i228aQtNRA=="}]}]]></TemplafyFormConfiguration>
-</file>
-
-<file path=customXml/item6.xml><?xml version="1.0" encoding="utf-8"?>
 <ct:contentTypeSchema xmlns:ct="http://schemas.microsoft.com/office/2006/metadata/contentType" xmlns:ma="http://schemas.microsoft.com/office/2006/metadata/properties/metaAttributes" ct:_="" ma:_="" ma:contentTypeName="Document" ma:contentTypeID="0x0101006D04C7946D07C74F9BAE8083B1C78804" ma:contentTypeVersion="4" ma:contentTypeDescription="Create a new document." ma:contentTypeScope="" ma:versionID="7f81a431ea44ccf70e5044aeba65f78d">
   <xsd:schema xmlns:xsd="http://www.w3.org/2001/XMLSchema" xmlns:xs="http://www.w3.org/2001/XMLSchema" xmlns:p="http://schemas.microsoft.com/office/2006/metadata/properties" xmlns:ns2="15569304-0419-4c28-b27b-9d16963fbae9" xmlns:ns3="1ec1df65-20cb-4816-9e44-03ce4425f66c" targetNamespace="http://schemas.microsoft.com/office/2006/metadata/properties" ma:root="true" ma:fieldsID="df94119eaa86206bb646c93aaa257b3d" ns2:_="" ns3:_="">
     <xsd:import namespace="15569304-0419-4c28-b27b-9d16963fbae9"/>
@@ -39860,12 +40449,22 @@
 </ct:contentTypeSchema>
 </file>
 
+<file path=customXml/item5.xml><?xml version="1.0" encoding="utf-8"?>
+<TemplafyFormConfiguration><![CDATA[{"formFields":[{"required":false,"helpTexts":{"prefix":"","postfix":""},"spacing":{},"type":"datePicker","name":"Date","label":"Date","fullyQualifiedName":"Date"}],"formDataEntries":[{"name":"Date","value":"Bn2mo22gdMz/i228aQtNRA=="}]}]]></TemplafyFormConfiguration>
+</file>
+
+<file path=customXml/item6.xml><?xml version="1.0" encoding="utf-8"?>
+<TemplafySlideFormConfiguration><![CDATA[{"formFields":[],"formDataEntries":[]}]]></TemplafySlideFormConfiguration>
+</file>
+
 <file path=customXml/item7.xml><?xml version="1.0" encoding="utf-8"?>
-<TemplafyTemplateConfiguration><![CDATA[{"elementsMetadata":[{"type":"shape","id":"4977ec29-44ef-477d-819b-6ea7d6afc1a3","elementConfiguration":{"format":"{{DateFormats.MonthYear}}","binding":"Form.Date","disableUpdates":false,"type":"date"}},{"type":"shape","id":"11ecd844-875f-4970-9e39-cbf230e36a56","elementConfiguration":{"binding":"UserProfile.Institut.InstituteDCU_{{DocumentLanguage}}","disableUpdates":false,"type":"text"}},{"type":"shape","id":"5eb95cf3-e211-45ac-90b8-7ff67ec93dc9","elementConfiguration":{"binding":"UserProfile.Institut.InstituteDCU_{{DocumentLanguage}}","disableUpdates":false,"type":"text"}},{"type":"shape","id":"5ad53d89-6978-4894-8bca-65268657c52b","elementConfiguration":{"format":"{{DateFormats.MonthYear}}","binding":"Form.Date","disableUpdates":false,"type":"date"}},{"type":"shape","id":"61d7e8ad-64ac-43f8-907d-5dc7e7128760","elementConfiguration":{"binding":"UserProfile.Institut.InstituteDCU_{{DocumentLanguage}}","disableUpdates":false,"type":"text"}},{"type":"shape","id":"7c9e1993-7543-4440-904c-2ed7d875dff1","elementConfiguration":{"format":"{{DateFormats.MonthYear}}","binding":"Form.Date","disableUpdates":false,"type":"date"}},{"type":"shape","id":"e400f480-64cf-4078-8232-274cc007cd49","elementConfiguration":{"binding":"UserProfile.Institut.InstituteDCU_{{DocumentLanguage}}","disableUpdates":false,"type":"text"}},{"type":"shape","id":"905f8844-75f1-4d71-b9aa-93aaf6f5acf8","elementConfiguration":{"format":"{{DateFormats.MonthYear}}","binding":"Form.Date","disableUpdates":false,"type":"date"}},{"type":"shape","id":"f5450791-7b36-4d13-94fd-25e09e9d328f","elementConfiguration":{"format":"{{DateFormats.MonthYear}}","binding":"Form.Date","disableUpdates":false,"type":"date"}},{"type":"shape","id":"7883275b-c632-4673-be47-18e8974e5e65","elementConfiguration":{"binding":"UserProfile.Institut.InstituteDCU_{{DocumentLanguage}}","disableUpdates":false,"type":"text"}},{"type":"shape","id":"5bf27cbb-08b3-47ca-b3e5-685a97b97289","elementConfiguration":{"binding":"UserProfile.Institut.InstituteDCU_{{DocumentLanguage}}","disableUpdates":false,"type":"text"}},{"type":"shape","id":"21c95691-785b-4090-8b40-1eb109d510bb","elementConfiguration":{"binding":"UserProfile.Institut.InstituteDCU_{{DocumentLanguage}}","disableUpdates":false,"type":"text"}},{"type":"shape","id":"d3664285-11bc-4eee-8673-ea315274ef3f","elementConfiguration":{"format":"{{DateFormats.MonthYear}}","binding":"Form.Date","disableUpdates":false,"type":"date"}}],"transformationConfigurations":[{"language":"{{DocumentLanguage}}","disableUpdates":false,"type":"proofingLanguage"}],"templateName":"","templateDescription":"","enableDocumentContentUpdater":true,"version":"1.3"}]]></TemplafyTemplateConfiguration>
+<p:properties xmlns:p="http://schemas.microsoft.com/office/2006/metadata/properties" xmlns:xsi="http://www.w3.org/2001/XMLSchema-instance" xmlns:pc="http://schemas.microsoft.com/office/infopath/2007/PartnerControls">
+  <documentManagement/>
+</p:properties>
 </file>
 
 <file path=customXml/itemProps1.xml><?xml version="1.0" encoding="utf-8"?>
-<ds:datastoreItem xmlns:ds="http://schemas.openxmlformats.org/officeDocument/2006/customXml" ds:itemID="{80A386E5-FB57-411F-ACEC-E4C4608EF981}">
+<ds:datastoreItem xmlns:ds="http://schemas.openxmlformats.org/officeDocument/2006/customXml" ds:itemID="{C484C70F-0F64-4774-853F-19FDF7E1F81D}">
   <ds:schemaRefs/>
 </ds:datastoreItem>
 </file>
@@ -39879,35 +40478,12 @@
 </file>
 
 <file path=customXml/itemProps3.xml><?xml version="1.0" encoding="utf-8"?>
-<ds:datastoreItem xmlns:ds="http://schemas.openxmlformats.org/officeDocument/2006/customXml" ds:itemID="{5C5FC446-2B36-4F2E-8237-B141579E9E94}">
-  <ds:schemaRefs>
-    <ds:schemaRef ds:uri="1ec1df65-20cb-4816-9e44-03ce4425f66c"/>
-    <ds:schemaRef ds:uri="http://www.w3.org/XML/1998/namespace"/>
-    <ds:schemaRef ds:uri="http://schemas.microsoft.com/office/infopath/2007/PartnerControls"/>
-    <ds:schemaRef ds:uri="http://purl.org/dc/terms/"/>
-    <ds:schemaRef ds:uri="15569304-0419-4c28-b27b-9d16963fbae9"/>
-    <ds:schemaRef ds:uri="http://purl.org/dc/elements/1.1/"/>
-    <ds:schemaRef ds:uri="http://schemas.microsoft.com/office/2006/documentManagement/types"/>
-    <ds:schemaRef ds:uri="http://schemas.microsoft.com/office/2006/metadata/properties"/>
-    <ds:schemaRef ds:uri="http://schemas.openxmlformats.org/package/2006/metadata/core-properties"/>
-    <ds:schemaRef ds:uri="http://purl.org/dc/dcmitype/"/>
-  </ds:schemaRefs>
+<ds:datastoreItem xmlns:ds="http://schemas.openxmlformats.org/officeDocument/2006/customXml" ds:itemID="{80A386E5-FB57-411F-ACEC-E4C4608EF981}">
+  <ds:schemaRefs/>
 </ds:datastoreItem>
 </file>
 
 <file path=customXml/itemProps4.xml><?xml version="1.0" encoding="utf-8"?>
-<ds:datastoreItem xmlns:ds="http://schemas.openxmlformats.org/officeDocument/2006/customXml" ds:itemID="{43723FED-A2E0-415E-8B28-139637BC092B}">
-  <ds:schemaRefs/>
-</ds:datastoreItem>
-</file>
-
-<file path=customXml/itemProps5.xml><?xml version="1.0" encoding="utf-8"?>
-<ds:datastoreItem xmlns:ds="http://schemas.openxmlformats.org/officeDocument/2006/customXml" ds:itemID="{C5CD5A01-6378-494D-B71B-D23DEC9A120C}">
-  <ds:schemaRefs/>
-</ds:datastoreItem>
-</file>
-
-<file path=customXml/itemProps6.xml><?xml version="1.0" encoding="utf-8"?>
 <ds:datastoreItem xmlns:ds="http://schemas.openxmlformats.org/officeDocument/2006/customXml" ds:itemID="{F3C1376E-B77A-4B5B-B85E-AA2B94BEC460}">
   <ds:schemaRefs>
     <ds:schemaRef ds:uri="http://schemas.microsoft.com/office/2006/metadata/contentType"/>
@@ -39926,8 +40502,31 @@
 </ds:datastoreItem>
 </file>
 
-<file path=customXml/itemProps7.xml><?xml version="1.0" encoding="utf-8"?>
-<ds:datastoreItem xmlns:ds="http://schemas.openxmlformats.org/officeDocument/2006/customXml" ds:itemID="{C484C70F-0F64-4774-853F-19FDF7E1F81D}">
+<file path=customXml/itemProps5.xml><?xml version="1.0" encoding="utf-8"?>
+<ds:datastoreItem xmlns:ds="http://schemas.openxmlformats.org/officeDocument/2006/customXml" ds:itemID="{C5CD5A01-6378-494D-B71B-D23DEC9A120C}">
   <ds:schemaRefs/>
 </ds:datastoreItem>
+</file>
+
+<file path=customXml/itemProps6.xml><?xml version="1.0" encoding="utf-8"?>
+<ds:datastoreItem xmlns:ds="http://schemas.openxmlformats.org/officeDocument/2006/customXml" ds:itemID="{43723FED-A2E0-415E-8B28-139637BC092B}">
+  <ds:schemaRefs/>
+</ds:datastoreItem>
+</file>
+
+<file path=customXml/itemProps7.xml><?xml version="1.0" encoding="utf-8"?>
+<ds:datastoreItem xmlns:ds="http://schemas.openxmlformats.org/officeDocument/2006/customXml" ds:itemID="{5C5FC446-2B36-4F2E-8237-B141579E9E94}">
+  <ds:schemaRefs>
+    <ds:schemaRef ds:uri="1ec1df65-20cb-4816-9e44-03ce4425f66c"/>
+    <ds:schemaRef ds:uri="http://www.w3.org/XML/1998/namespace"/>
+    <ds:schemaRef ds:uri="http://schemas.microsoft.com/office/infopath/2007/PartnerControls"/>
+    <ds:schemaRef ds:uri="http://purl.org/dc/terms/"/>
+    <ds:schemaRef ds:uri="15569304-0419-4c28-b27b-9d16963fbae9"/>
+    <ds:schemaRef ds:uri="http://purl.org/dc/elements/1.1/"/>
+    <ds:schemaRef ds:uri="http://schemas.microsoft.com/office/2006/documentManagement/types"/>
+    <ds:schemaRef ds:uri="http://schemas.microsoft.com/office/2006/metadata/properties"/>
+    <ds:schemaRef ds:uri="http://schemas.openxmlformats.org/package/2006/metadata/core-properties"/>
+    <ds:schemaRef ds:uri="http://purl.org/dc/dcmitype/"/>
+  </ds:schemaRefs>
+</ds:datastoreItem>
 </file>